--- a/Midterm Project Proposal - WebDev.pptx
+++ b/Midterm Project Proposal - WebDev.pptx
@@ -1,46 +1,48 @@
 
 <file path=ppt/presentation.xml><?xml version="1.0" encoding="utf-8"?>
-<p:presentation xmlns:a="http://schemas.openxmlformats.org/drawingml/2006/main" xmlns:r="http://schemas.openxmlformats.org/officeDocument/2006/relationships" xmlns:mc="http://schemas.openxmlformats.org/markup-compatibility/2006" xmlns:mv="urn:schemas-microsoft-com:mac:vml" xmlns:p="http://schemas.openxmlformats.org/presentationml/2006/main" xmlns:c="http://schemas.openxmlformats.org/drawingml/2006/chart" xmlns:dgm="http://schemas.openxmlformats.org/drawingml/2006/diagram" xmlns:o="urn:schemas-microsoft-com:office:office" xmlns:v="urn:schemas-microsoft-com:vml" xmlns:pvml="urn:schemas-microsoft-com:office:powerpoint" xmlns:com="http://schemas.openxmlformats.org/drawingml/2006/compatibility" xmlns:p14="http://schemas.microsoft.com/office/powerpoint/2010/main" xmlns:p15="http://schemas.microsoft.com/office/powerpoint/2012/main" xmlns:ahyp="http://schemas.microsoft.com/office/drawing/2018/hyperlinkcolor" autoCompressPictures="0" embedTrueTypeFonts="1" strictFirstAndLastChars="0" saveSubsetFonts="1">
+<p:presentation xmlns:a="http://schemas.openxmlformats.org/drawingml/2006/main" xmlns:r="http://schemas.openxmlformats.org/officeDocument/2006/relationships" xmlns:p="http://schemas.openxmlformats.org/presentationml/2006/main" strictFirstAndLastChars="0" embedTrueTypeFonts="1" saveSubsetFonts="1" autoCompressPictures="0">
   <p:sldMasterIdLst>
-    <p:sldMasterId id="2147483659" r:id="rId4"/>
+    <p:sldMasterId id="2147483659" r:id="rId1"/>
   </p:sldMasterIdLst>
   <p:notesMasterIdLst>
-    <p:notesMasterId r:id="rId5"/>
+    <p:notesMasterId r:id="rId10"/>
   </p:notesMasterIdLst>
   <p:sldIdLst>
-    <p:sldId id="256" r:id="rId6"/>
-    <p:sldId id="257" r:id="rId7"/>
-    <p:sldId id="258" r:id="rId8"/>
-    <p:sldId id="259" r:id="rId9"/>
-    <p:sldId id="260" r:id="rId10"/>
-    <p:sldId id="261" r:id="rId11"/>
+    <p:sldId id="256" r:id="rId2"/>
+    <p:sldId id="257" r:id="rId3"/>
+    <p:sldId id="258" r:id="rId4"/>
+    <p:sldId id="259" r:id="rId5"/>
+    <p:sldId id="260" r:id="rId6"/>
+    <p:sldId id="261" r:id="rId7"/>
+    <p:sldId id="263" r:id="rId8"/>
+    <p:sldId id="264" r:id="rId9"/>
   </p:sldIdLst>
-  <p:sldSz cy="5143500" cx="9144000"/>
+  <p:sldSz cx="9144000" cy="5143500" type="screen16x9"/>
   <p:notesSz cx="6858000" cy="9144000"/>
   <p:embeddedFontLst>
     <p:embeddedFont>
-      <p:font typeface="Lexend SemiBold"/>
-      <p:regular r:id="rId12"/>
-      <p:bold r:id="rId13"/>
+      <p:font typeface="Lexend" pitchFamily="2" charset="77"/>
+      <p:regular r:id="rId11"/>
+      <p:bold r:id="rId12"/>
     </p:embeddedFont>
     <p:embeddedFont>
-      <p:font typeface="Lexend Light"/>
-      <p:regular r:id="rId14"/>
-      <p:bold r:id="rId15"/>
+      <p:font typeface="Lexend Light" pitchFamily="2" charset="77"/>
+      <p:regular r:id="rId13"/>
+      <p:bold r:id="rId14"/>
     </p:embeddedFont>
     <p:embeddedFont>
-      <p:font typeface="Lexend Medium"/>
-      <p:regular r:id="rId16"/>
-      <p:bold r:id="rId17"/>
+      <p:font typeface="Lexend Medium" pitchFamily="2" charset="77"/>
+      <p:regular r:id="rId15"/>
+      <p:bold r:id="rId16"/>
     </p:embeddedFont>
     <p:embeddedFont>
-      <p:font typeface="Lexend"/>
-      <p:regular r:id="rId18"/>
-      <p:bold r:id="rId19"/>
+      <p:font typeface="Lexend SemiBold" pitchFamily="2" charset="77"/>
+      <p:regular r:id="rId17"/>
+      <p:bold r:id="rId18"/>
     </p:embeddedFont>
   </p:embeddedFontLst>
   <p:defaultTextStyle>
-    <a:defPPr lvl="0" marR="0" rtl="0" algn="l">
+    <a:defPPr marR="0" lvl="0" algn="l" rtl="0">
       <a:lnSpc>
         <a:spcPct val="100000"/>
       </a:lnSpc>
@@ -51,7 +53,7 @@
         <a:spcPts val="0"/>
       </a:spcAft>
     </a:defPPr>
-    <a:lvl1pPr lvl="0" marR="0" rtl="0" algn="l">
+    <a:lvl1pPr marR="0" lvl="0" algn="l" rtl="0">
       <a:lnSpc>
         <a:spcPct val="100000"/>
       </a:lnSpc>
@@ -65,7 +67,7 @@
         <a:srgbClr val="000000"/>
       </a:buClr>
       <a:buFont typeface="Arial"/>
-      <a:defRPr b="0" i="0" sz="1400" u="none" cap="none" strike="noStrike">
+      <a:defRPr sz="1400" b="0" i="0" u="none" strike="noStrike" cap="none">
         <a:solidFill>
           <a:srgbClr val="000000"/>
         </a:solidFill>
@@ -75,7 +77,7 @@
         <a:sym typeface="Arial"/>
       </a:defRPr>
     </a:lvl1pPr>
-    <a:lvl2pPr lvl="1" marR="0" rtl="0" algn="l">
+    <a:lvl2pPr marR="0" lvl="1" algn="l" rtl="0">
       <a:lnSpc>
         <a:spcPct val="100000"/>
       </a:lnSpc>
@@ -89,7 +91,7 @@
         <a:srgbClr val="000000"/>
       </a:buClr>
       <a:buFont typeface="Arial"/>
-      <a:defRPr b="0" i="0" sz="1400" u="none" cap="none" strike="noStrike">
+      <a:defRPr sz="1400" b="0" i="0" u="none" strike="noStrike" cap="none">
         <a:solidFill>
           <a:srgbClr val="000000"/>
         </a:solidFill>
@@ -99,7 +101,7 @@
         <a:sym typeface="Arial"/>
       </a:defRPr>
     </a:lvl2pPr>
-    <a:lvl3pPr lvl="2" marR="0" rtl="0" algn="l">
+    <a:lvl3pPr marR="0" lvl="2" algn="l" rtl="0">
       <a:lnSpc>
         <a:spcPct val="100000"/>
       </a:lnSpc>
@@ -113,7 +115,7 @@
         <a:srgbClr val="000000"/>
       </a:buClr>
       <a:buFont typeface="Arial"/>
-      <a:defRPr b="0" i="0" sz="1400" u="none" cap="none" strike="noStrike">
+      <a:defRPr sz="1400" b="0" i="0" u="none" strike="noStrike" cap="none">
         <a:solidFill>
           <a:srgbClr val="000000"/>
         </a:solidFill>
@@ -123,7 +125,7 @@
         <a:sym typeface="Arial"/>
       </a:defRPr>
     </a:lvl3pPr>
-    <a:lvl4pPr lvl="3" marR="0" rtl="0" algn="l">
+    <a:lvl4pPr marR="0" lvl="3" algn="l" rtl="0">
       <a:lnSpc>
         <a:spcPct val="100000"/>
       </a:lnSpc>
@@ -137,7 +139,7 @@
         <a:srgbClr val="000000"/>
       </a:buClr>
       <a:buFont typeface="Arial"/>
-      <a:defRPr b="0" i="0" sz="1400" u="none" cap="none" strike="noStrike">
+      <a:defRPr sz="1400" b="0" i="0" u="none" strike="noStrike" cap="none">
         <a:solidFill>
           <a:srgbClr val="000000"/>
         </a:solidFill>
@@ -147,7 +149,7 @@
         <a:sym typeface="Arial"/>
       </a:defRPr>
     </a:lvl4pPr>
-    <a:lvl5pPr lvl="4" marR="0" rtl="0" algn="l">
+    <a:lvl5pPr marR="0" lvl="4" algn="l" rtl="0">
       <a:lnSpc>
         <a:spcPct val="100000"/>
       </a:lnSpc>
@@ -161,7 +163,7 @@
         <a:srgbClr val="000000"/>
       </a:buClr>
       <a:buFont typeface="Arial"/>
-      <a:defRPr b="0" i="0" sz="1400" u="none" cap="none" strike="noStrike">
+      <a:defRPr sz="1400" b="0" i="0" u="none" strike="noStrike" cap="none">
         <a:solidFill>
           <a:srgbClr val="000000"/>
         </a:solidFill>
@@ -171,7 +173,7 @@
         <a:sym typeface="Arial"/>
       </a:defRPr>
     </a:lvl5pPr>
-    <a:lvl6pPr lvl="5" marR="0" rtl="0" algn="l">
+    <a:lvl6pPr marR="0" lvl="5" algn="l" rtl="0">
       <a:lnSpc>
         <a:spcPct val="100000"/>
       </a:lnSpc>
@@ -185,7 +187,7 @@
         <a:srgbClr val="000000"/>
       </a:buClr>
       <a:buFont typeface="Arial"/>
-      <a:defRPr b="0" i="0" sz="1400" u="none" cap="none" strike="noStrike">
+      <a:defRPr sz="1400" b="0" i="0" u="none" strike="noStrike" cap="none">
         <a:solidFill>
           <a:srgbClr val="000000"/>
         </a:solidFill>
@@ -195,7 +197,7 @@
         <a:sym typeface="Arial"/>
       </a:defRPr>
     </a:lvl6pPr>
-    <a:lvl7pPr lvl="6" marR="0" rtl="0" algn="l">
+    <a:lvl7pPr marR="0" lvl="6" algn="l" rtl="0">
       <a:lnSpc>
         <a:spcPct val="100000"/>
       </a:lnSpc>
@@ -209,7 +211,7 @@
         <a:srgbClr val="000000"/>
       </a:buClr>
       <a:buFont typeface="Arial"/>
-      <a:defRPr b="0" i="0" sz="1400" u="none" cap="none" strike="noStrike">
+      <a:defRPr sz="1400" b="0" i="0" u="none" strike="noStrike" cap="none">
         <a:solidFill>
           <a:srgbClr val="000000"/>
         </a:solidFill>
@@ -219,7 +221,7 @@
         <a:sym typeface="Arial"/>
       </a:defRPr>
     </a:lvl7pPr>
-    <a:lvl8pPr lvl="7" marR="0" rtl="0" algn="l">
+    <a:lvl8pPr marR="0" lvl="7" algn="l" rtl="0">
       <a:lnSpc>
         <a:spcPct val="100000"/>
       </a:lnSpc>
@@ -233,7 +235,7 @@
         <a:srgbClr val="000000"/>
       </a:buClr>
       <a:buFont typeface="Arial"/>
-      <a:defRPr b="0" i="0" sz="1400" u="none" cap="none" strike="noStrike">
+      <a:defRPr sz="1400" b="0" i="0" u="none" strike="noStrike" cap="none">
         <a:solidFill>
           <a:srgbClr val="000000"/>
         </a:solidFill>
@@ -243,7 +245,7 @@
         <a:sym typeface="Arial"/>
       </a:defRPr>
     </a:lvl8pPr>
-    <a:lvl9pPr lvl="8" marR="0" rtl="0" algn="l">
+    <a:lvl9pPr marR="0" lvl="8" algn="l" rtl="0">
       <a:lnSpc>
         <a:spcPct val="100000"/>
       </a:lnSpc>
@@ -257,7 +259,7 @@
         <a:srgbClr val="000000"/>
       </a:buClr>
       <a:buFont typeface="Arial"/>
-      <a:defRPr b="0" i="0" sz="1400" u="none" cap="none" strike="noStrike">
+      <a:defRPr sz="1400" b="0" i="0" u="none" strike="noStrike" cap="none">
         <a:solidFill>
           <a:srgbClr val="000000"/>
         </a:solidFill>
@@ -270,7 +272,7 @@
   </p:defaultTextStyle>
   <p:extLst>
     <p:ext uri="{EFAFB233-063F-42B5-8137-9DF3F51BA10A}">
-      <p15:sldGuideLst>
+      <p15:sldGuideLst xmlns:p15="http://schemas.microsoft.com/office/powerpoint/2012/main">
         <p15:guide id="1" orient="horz" pos="1620">
           <p15:clr>
             <a:srgbClr val="A4A3A4"/>
@@ -288,11 +290,16 @@
 </file>
 
 <file path=ppt/notesMasters/notesMaster1.xml><?xml version="1.0" encoding="utf-8"?>
-<p:notesMaster xmlns:a="http://schemas.openxmlformats.org/drawingml/2006/main" xmlns:r="http://schemas.openxmlformats.org/officeDocument/2006/relationships" xmlns:mc="http://schemas.openxmlformats.org/markup-compatibility/2006" xmlns:mv="urn:schemas-microsoft-com:mac:vml" xmlns:p="http://schemas.openxmlformats.org/presentationml/2006/main" xmlns:c="http://schemas.openxmlformats.org/drawingml/2006/chart" xmlns:dgm="http://schemas.openxmlformats.org/drawingml/2006/diagram" xmlns:o="urn:schemas-microsoft-com:office:office" xmlns:v="urn:schemas-microsoft-com:vml" xmlns:pvml="urn:schemas-microsoft-com:office:powerpoint" xmlns:com="http://schemas.openxmlformats.org/drawingml/2006/compatibility" xmlns:p14="http://schemas.microsoft.com/office/powerpoint/2010/main" xmlns:p15="http://schemas.microsoft.com/office/powerpoint/2012/main" xmlns:ahyp="http://schemas.microsoft.com/office/drawing/2018/hyperlinkcolor">
+<p:notesMaster xmlns:a="http://schemas.openxmlformats.org/drawingml/2006/main" xmlns:r="http://schemas.openxmlformats.org/officeDocument/2006/relationships" xmlns:p="http://schemas.openxmlformats.org/presentationml/2006/main">
   <p:cSld>
+    <p:bg>
+      <p:bgRef idx="1001">
+        <a:schemeClr val="bg1"/>
+      </p:bgRef>
+    </p:bg>
     <p:spTree>
       <p:nvGrpSpPr>
-        <p:cNvPr id="2" name="Shape 2"/>
+        <p:cNvPr id="1" name="Shape 2"/>
         <p:cNvGrpSpPr/>
         <p:nvPr/>
       </p:nvGrpSpPr>
@@ -307,9 +314,11 @@
       <p:sp>
         <p:nvSpPr>
           <p:cNvPr id="3" name="Google Shape;3;n"/>
-          <p:cNvSpPr/>
+          <p:cNvSpPr>
+            <a:spLocks noGrp="1" noRot="1" noChangeAspect="1"/>
+          </p:cNvSpPr>
           <p:nvPr>
-            <p:ph idx="2" type="sldImg"/>
+            <p:ph type="sldImg" idx="2"/>
           </p:nvPr>
         </p:nvSpPr>
         <p:spPr>
@@ -318,9 +327,13 @@
             <a:ext cx="6096075" cy="3429000"/>
           </a:xfrm>
           <a:custGeom>
-            <a:rect b="b" l="l" r="r" t="t"/>
+            <a:avLst/>
+            <a:gdLst/>
+            <a:ahLst/>
+            <a:cxnLst/>
+            <a:rect l="l" t="t" r="r" b="b"/>
             <a:pathLst>
-              <a:path extrusionOk="0" h="120000" w="120000">
+              <a:path w="120000" h="120000" extrusionOk="0">
                 <a:moveTo>
                   <a:pt x="0" y="0"/>
                 </a:moveTo>
@@ -338,23 +351,25 @@
             </a:pathLst>
           </a:custGeom>
           <a:noFill/>
-          <a:ln cap="flat" cmpd="sng" w="9525">
+          <a:ln w="9525" cap="flat" cmpd="sng">
             <a:solidFill>
               <a:srgbClr val="000000"/>
             </a:solidFill>
             <a:prstDash val="solid"/>
             <a:round/>
-            <a:headEnd len="sm" w="sm" type="none"/>
-            <a:tailEnd len="sm" w="sm" type="none"/>
+            <a:headEnd type="none" w="sm" len="sm"/>
+            <a:tailEnd type="none" w="sm" len="sm"/>
           </a:ln>
         </p:spPr>
       </p:sp>
       <p:sp>
         <p:nvSpPr>
           <p:cNvPr id="4" name="Google Shape;4;n"/>
-          <p:cNvSpPr txBox="1"/>
+          <p:cNvSpPr txBox="1">
+            <a:spLocks noGrp="1"/>
+          </p:cNvSpPr>
           <p:nvPr>
-            <p:ph idx="1" type="body"/>
+            <p:ph type="body" idx="1"/>
           </p:nvPr>
         </p:nvSpPr>
         <p:spPr>
@@ -371,11 +386,11 @@
           </a:ln>
         </p:spPr>
         <p:txBody>
-          <a:bodyPr anchorCtr="0" anchor="t" bIns="91425" lIns="91425" spcFirstLastPara="1" rIns="91425" wrap="square" tIns="91425">
+          <a:bodyPr spcFirstLastPara="1" wrap="square" lIns="91425" tIns="91425" rIns="91425" bIns="91425" anchor="t" anchorCtr="0">
             <a:noAutofit/>
           </a:bodyPr>
           <a:lstStyle>
-            <a:lvl1pPr indent="-298450" lvl="0" marL="457200">
+            <a:lvl1pPr marL="457200" lvl="0" indent="-298450">
               <a:spcBef>
                 <a:spcPts val="0"/>
               </a:spcBef>
@@ -386,7 +401,7 @@
               <a:buChar char="●"/>
               <a:defRPr sz="1100"/>
             </a:lvl1pPr>
-            <a:lvl2pPr indent="-298450" lvl="1" marL="914400">
+            <a:lvl2pPr marL="914400" lvl="1" indent="-298450">
               <a:spcBef>
                 <a:spcPts val="0"/>
               </a:spcBef>
@@ -397,7 +412,7 @@
               <a:buChar char="○"/>
               <a:defRPr sz="1100"/>
             </a:lvl2pPr>
-            <a:lvl3pPr indent="-298450" lvl="2" marL="1371600">
+            <a:lvl3pPr marL="1371600" lvl="2" indent="-298450">
               <a:spcBef>
                 <a:spcPts val="0"/>
               </a:spcBef>
@@ -408,7 +423,7 @@
               <a:buChar char="■"/>
               <a:defRPr sz="1100"/>
             </a:lvl3pPr>
-            <a:lvl4pPr indent="-298450" lvl="3" marL="1828800">
+            <a:lvl4pPr marL="1828800" lvl="3" indent="-298450">
               <a:spcBef>
                 <a:spcPts val="0"/>
               </a:spcBef>
@@ -419,7 +434,7 @@
               <a:buChar char="●"/>
               <a:defRPr sz="1100"/>
             </a:lvl4pPr>
-            <a:lvl5pPr indent="-298450" lvl="4" marL="2286000">
+            <a:lvl5pPr marL="2286000" lvl="4" indent="-298450">
               <a:spcBef>
                 <a:spcPts val="0"/>
               </a:spcBef>
@@ -430,7 +445,7 @@
               <a:buChar char="○"/>
               <a:defRPr sz="1100"/>
             </a:lvl5pPr>
-            <a:lvl6pPr indent="-298450" lvl="5" marL="2743200">
+            <a:lvl6pPr marL="2743200" lvl="5" indent="-298450">
               <a:spcBef>
                 <a:spcPts val="0"/>
               </a:spcBef>
@@ -441,7 +456,7 @@
               <a:buChar char="■"/>
               <a:defRPr sz="1100"/>
             </a:lvl6pPr>
-            <a:lvl7pPr indent="-298450" lvl="6" marL="3200400">
+            <a:lvl7pPr marL="3200400" lvl="6" indent="-298450">
               <a:spcBef>
                 <a:spcPts val="0"/>
               </a:spcBef>
@@ -452,7 +467,7 @@
               <a:buChar char="●"/>
               <a:defRPr sz="1100"/>
             </a:lvl7pPr>
-            <a:lvl8pPr indent="-298450" lvl="7" marL="3657600">
+            <a:lvl8pPr marL="3657600" lvl="7" indent="-298450">
               <a:spcBef>
                 <a:spcPts val="0"/>
               </a:spcBef>
@@ -463,7 +478,7 @@
               <a:buChar char="○"/>
               <a:defRPr sz="1100"/>
             </a:lvl8pPr>
-            <a:lvl9pPr indent="-298450" lvl="8" marL="4114800">
+            <a:lvl9pPr marL="4114800" lvl="8" indent="-298450">
               <a:spcBef>
                 <a:spcPts val="0"/>
               </a:spcBef>
@@ -475,14 +490,16 @@
               <a:defRPr sz="1100"/>
             </a:lvl9pPr>
           </a:lstStyle>
-          <a:p/>
+          <a:p>
+            <a:endParaRPr/>
+          </a:p>
         </p:txBody>
       </p:sp>
     </p:spTree>
   </p:cSld>
-  <p:clrMap accent1="accent1" accent2="accent2" accent3="accent3" accent4="accent4" accent5="accent5" accent6="accent6" bg1="lt1" bg2="dk2" tx1="dk1" tx2="lt2" folHlink="folHlink" hlink="hlink"/>
+  <p:clrMap bg1="lt1" tx1="dk1" bg2="dk2" tx2="lt2" accent1="accent1" accent2="accent2" accent3="accent3" accent4="accent4" accent5="accent5" accent6="accent6" hlink="hlink" folHlink="folHlink"/>
   <p:notesStyle>
-    <a:defPPr lvl="0" marR="0" rtl="0" algn="l">
+    <a:defPPr marR="0" lvl="0" algn="l" rtl="0">
       <a:lnSpc>
         <a:spcPct val="100000"/>
       </a:lnSpc>
@@ -493,7 +510,7 @@
         <a:spcPts val="0"/>
       </a:spcAft>
     </a:defPPr>
-    <a:lvl1pPr lvl="0" marR="0" rtl="0" algn="l">
+    <a:lvl1pPr marR="0" lvl="0" algn="l" rtl="0">
       <a:lnSpc>
         <a:spcPct val="100000"/>
       </a:lnSpc>
@@ -507,7 +524,7 @@
         <a:srgbClr val="000000"/>
       </a:buClr>
       <a:buFont typeface="Arial"/>
-      <a:defRPr b="0" i="0" sz="1400" u="none" cap="none" strike="noStrike">
+      <a:defRPr sz="1400" b="0" i="0" u="none" strike="noStrike" cap="none">
         <a:solidFill>
           <a:srgbClr val="000000"/>
         </a:solidFill>
@@ -517,7 +534,7 @@
         <a:sym typeface="Arial"/>
       </a:defRPr>
     </a:lvl1pPr>
-    <a:lvl2pPr lvl="1" marR="0" rtl="0" algn="l">
+    <a:lvl2pPr marR="0" lvl="1" algn="l" rtl="0">
       <a:lnSpc>
         <a:spcPct val="100000"/>
       </a:lnSpc>
@@ -531,7 +548,7 @@
         <a:srgbClr val="000000"/>
       </a:buClr>
       <a:buFont typeface="Arial"/>
-      <a:defRPr b="0" i="0" sz="1400" u="none" cap="none" strike="noStrike">
+      <a:defRPr sz="1400" b="0" i="0" u="none" strike="noStrike" cap="none">
         <a:solidFill>
           <a:srgbClr val="000000"/>
         </a:solidFill>
@@ -541,7 +558,7 @@
         <a:sym typeface="Arial"/>
       </a:defRPr>
     </a:lvl2pPr>
-    <a:lvl3pPr lvl="2" marR="0" rtl="0" algn="l">
+    <a:lvl3pPr marR="0" lvl="2" algn="l" rtl="0">
       <a:lnSpc>
         <a:spcPct val="100000"/>
       </a:lnSpc>
@@ -555,7 +572,7 @@
         <a:srgbClr val="000000"/>
       </a:buClr>
       <a:buFont typeface="Arial"/>
-      <a:defRPr b="0" i="0" sz="1400" u="none" cap="none" strike="noStrike">
+      <a:defRPr sz="1400" b="0" i="0" u="none" strike="noStrike" cap="none">
         <a:solidFill>
           <a:srgbClr val="000000"/>
         </a:solidFill>
@@ -565,7 +582,7 @@
         <a:sym typeface="Arial"/>
       </a:defRPr>
     </a:lvl3pPr>
-    <a:lvl4pPr lvl="3" marR="0" rtl="0" algn="l">
+    <a:lvl4pPr marR="0" lvl="3" algn="l" rtl="0">
       <a:lnSpc>
         <a:spcPct val="100000"/>
       </a:lnSpc>
@@ -579,7 +596,7 @@
         <a:srgbClr val="000000"/>
       </a:buClr>
       <a:buFont typeface="Arial"/>
-      <a:defRPr b="0" i="0" sz="1400" u="none" cap="none" strike="noStrike">
+      <a:defRPr sz="1400" b="0" i="0" u="none" strike="noStrike" cap="none">
         <a:solidFill>
           <a:srgbClr val="000000"/>
         </a:solidFill>
@@ -589,7 +606,7 @@
         <a:sym typeface="Arial"/>
       </a:defRPr>
     </a:lvl4pPr>
-    <a:lvl5pPr lvl="4" marR="0" rtl="0" algn="l">
+    <a:lvl5pPr marR="0" lvl="4" algn="l" rtl="0">
       <a:lnSpc>
         <a:spcPct val="100000"/>
       </a:lnSpc>
@@ -603,7 +620,7 @@
         <a:srgbClr val="000000"/>
       </a:buClr>
       <a:buFont typeface="Arial"/>
-      <a:defRPr b="0" i="0" sz="1400" u="none" cap="none" strike="noStrike">
+      <a:defRPr sz="1400" b="0" i="0" u="none" strike="noStrike" cap="none">
         <a:solidFill>
           <a:srgbClr val="000000"/>
         </a:solidFill>
@@ -613,7 +630,7 @@
         <a:sym typeface="Arial"/>
       </a:defRPr>
     </a:lvl5pPr>
-    <a:lvl6pPr lvl="5" marR="0" rtl="0" algn="l">
+    <a:lvl6pPr marR="0" lvl="5" algn="l" rtl="0">
       <a:lnSpc>
         <a:spcPct val="100000"/>
       </a:lnSpc>
@@ -627,7 +644,7 @@
         <a:srgbClr val="000000"/>
       </a:buClr>
       <a:buFont typeface="Arial"/>
-      <a:defRPr b="0" i="0" sz="1400" u="none" cap="none" strike="noStrike">
+      <a:defRPr sz="1400" b="0" i="0" u="none" strike="noStrike" cap="none">
         <a:solidFill>
           <a:srgbClr val="000000"/>
         </a:solidFill>
@@ -637,7 +654,7 @@
         <a:sym typeface="Arial"/>
       </a:defRPr>
     </a:lvl6pPr>
-    <a:lvl7pPr lvl="6" marR="0" rtl="0" algn="l">
+    <a:lvl7pPr marR="0" lvl="6" algn="l" rtl="0">
       <a:lnSpc>
         <a:spcPct val="100000"/>
       </a:lnSpc>
@@ -651,7 +668,7 @@
         <a:srgbClr val="000000"/>
       </a:buClr>
       <a:buFont typeface="Arial"/>
-      <a:defRPr b="0" i="0" sz="1400" u="none" cap="none" strike="noStrike">
+      <a:defRPr sz="1400" b="0" i="0" u="none" strike="noStrike" cap="none">
         <a:solidFill>
           <a:srgbClr val="000000"/>
         </a:solidFill>
@@ -661,7 +678,7 @@
         <a:sym typeface="Arial"/>
       </a:defRPr>
     </a:lvl7pPr>
-    <a:lvl8pPr lvl="7" marR="0" rtl="0" algn="l">
+    <a:lvl8pPr marR="0" lvl="7" algn="l" rtl="0">
       <a:lnSpc>
         <a:spcPct val="100000"/>
       </a:lnSpc>
@@ -675,7 +692,7 @@
         <a:srgbClr val="000000"/>
       </a:buClr>
       <a:buFont typeface="Arial"/>
-      <a:defRPr b="0" i="0" sz="1400" u="none" cap="none" strike="noStrike">
+      <a:defRPr sz="1400" b="0" i="0" u="none" strike="noStrike" cap="none">
         <a:solidFill>
           <a:srgbClr val="000000"/>
         </a:solidFill>
@@ -685,7 +702,7 @@
         <a:sym typeface="Arial"/>
       </a:defRPr>
     </a:lvl8pPr>
-    <a:lvl9pPr lvl="8" marR="0" rtl="0" algn="l">
+    <a:lvl9pPr marR="0" lvl="8" algn="l" rtl="0">
       <a:lnSpc>
         <a:spcPct val="100000"/>
       </a:lnSpc>
@@ -699,7 +716,7 @@
         <a:srgbClr val="000000"/>
       </a:buClr>
       <a:buFont typeface="Arial"/>
-      <a:defRPr b="0" i="0" sz="1400" u="none" cap="none" strike="noStrike">
+      <a:defRPr sz="1400" b="0" i="0" u="none" strike="noStrike" cap="none">
         <a:solidFill>
           <a:srgbClr val="000000"/>
         </a:solidFill>
@@ -714,11 +731,11 @@
 </file>
 
 <file path=ppt/notesSlides/notesSlide1.xml><?xml version="1.0" encoding="utf-8"?>
-<p:notes xmlns:a="http://schemas.openxmlformats.org/drawingml/2006/main" xmlns:r="http://schemas.openxmlformats.org/officeDocument/2006/relationships" xmlns:mc="http://schemas.openxmlformats.org/markup-compatibility/2006" xmlns:mv="urn:schemas-microsoft-com:mac:vml" xmlns:p="http://schemas.openxmlformats.org/presentationml/2006/main" xmlns:c="http://schemas.openxmlformats.org/drawingml/2006/chart" xmlns:dgm="http://schemas.openxmlformats.org/drawingml/2006/diagram" xmlns:o="urn:schemas-microsoft-com:office:office" xmlns:v="urn:schemas-microsoft-com:vml" xmlns:pvml="urn:schemas-microsoft-com:office:powerpoint" xmlns:com="http://schemas.openxmlformats.org/drawingml/2006/compatibility" xmlns:p14="http://schemas.microsoft.com/office/powerpoint/2010/main" xmlns:p15="http://schemas.microsoft.com/office/powerpoint/2012/main" xmlns:ahyp="http://schemas.microsoft.com/office/drawing/2018/hyperlinkcolor" showMasterPhAnim="0" showMasterSp="0">
+<p:notes xmlns:a="http://schemas.openxmlformats.org/drawingml/2006/main" xmlns:r="http://schemas.openxmlformats.org/officeDocument/2006/relationships" xmlns:p="http://schemas.openxmlformats.org/presentationml/2006/main" showMasterSp="0" showMasterPhAnim="0">
   <p:cSld>
     <p:spTree>
       <p:nvGrpSpPr>
-        <p:cNvPr id="50" name="Shape 50"/>
+        <p:cNvPr id="1" name="Shape 50"/>
         <p:cNvGrpSpPr/>
         <p:nvPr/>
       </p:nvGrpSpPr>
@@ -733,9 +750,11 @@
       <p:sp>
         <p:nvSpPr>
           <p:cNvPr id="51" name="Google Shape;51;p:notes"/>
-          <p:cNvSpPr/>
+          <p:cNvSpPr>
+            <a:spLocks noGrp="1" noRot="1" noChangeAspect="1"/>
+          </p:cNvSpPr>
           <p:nvPr>
-            <p:ph idx="2" type="sldImg"/>
+            <p:ph type="sldImg" idx="2"/>
           </p:nvPr>
         </p:nvSpPr>
         <p:spPr>
@@ -744,9 +763,13 @@
             <a:ext cx="6096075" cy="3429000"/>
           </a:xfrm>
           <a:custGeom>
-            <a:rect b="b" l="l" r="r" t="t"/>
+            <a:avLst/>
+            <a:gdLst/>
+            <a:ahLst/>
+            <a:cxnLst/>
+            <a:rect l="l" t="t" r="r" b="b"/>
             <a:pathLst>
-              <a:path extrusionOk="0" h="120000" w="120000">
+              <a:path w="120000" h="120000" extrusionOk="0">
                 <a:moveTo>
                   <a:pt x="0" y="0"/>
                 </a:moveTo>
@@ -768,9 +791,11 @@
       <p:sp>
         <p:nvSpPr>
           <p:cNvPr id="52" name="Google Shape;52;p:notes"/>
-          <p:cNvSpPr txBox="1"/>
+          <p:cNvSpPr txBox="1">
+            <a:spLocks noGrp="1"/>
+          </p:cNvSpPr>
           <p:nvPr>
-            <p:ph idx="1" type="body"/>
+            <p:ph type="body" idx="1"/>
           </p:nvPr>
         </p:nvSpPr>
         <p:spPr>
@@ -783,12 +808,12 @@
           </a:prstGeom>
         </p:spPr>
         <p:txBody>
-          <a:bodyPr anchorCtr="0" anchor="t" bIns="91425" lIns="91425" spcFirstLastPara="1" rIns="91425" wrap="square" tIns="91425">
+          <a:bodyPr spcFirstLastPara="1" wrap="square" lIns="91425" tIns="91425" rIns="91425" bIns="91425" anchor="t" anchorCtr="0">
             <a:noAutofit/>
           </a:bodyPr>
           <a:lstStyle/>
           <a:p>
-            <a:pPr indent="0" lvl="0" marL="0" rtl="0" algn="l">
+            <a:pPr marL="0" lvl="0" indent="0" algn="l" rtl="0">
               <a:spcBef>
                 <a:spcPts val="0"/>
               </a:spcBef>
@@ -797,9 +822,6 @@
               </a:spcAft>
               <a:buNone/>
             </a:pPr>
-            <a:r>
-              <a:t/>
-            </a:r>
             <a:endParaRPr/>
           </a:p>
         </p:txBody>
@@ -813,11 +835,11 @@
 </file>
 
 <file path=ppt/notesSlides/notesSlide2.xml><?xml version="1.0" encoding="utf-8"?>
-<p:notes xmlns:a="http://schemas.openxmlformats.org/drawingml/2006/main" xmlns:r="http://schemas.openxmlformats.org/officeDocument/2006/relationships" xmlns:mc="http://schemas.openxmlformats.org/markup-compatibility/2006" xmlns:mv="urn:schemas-microsoft-com:mac:vml" xmlns:p="http://schemas.openxmlformats.org/presentationml/2006/main" xmlns:c="http://schemas.openxmlformats.org/drawingml/2006/chart" xmlns:dgm="http://schemas.openxmlformats.org/drawingml/2006/diagram" xmlns:o="urn:schemas-microsoft-com:office:office" xmlns:v="urn:schemas-microsoft-com:vml" xmlns:pvml="urn:schemas-microsoft-com:office:powerpoint" xmlns:com="http://schemas.openxmlformats.org/drawingml/2006/compatibility" xmlns:p14="http://schemas.microsoft.com/office/powerpoint/2010/main" xmlns:p15="http://schemas.microsoft.com/office/powerpoint/2012/main" xmlns:ahyp="http://schemas.microsoft.com/office/drawing/2018/hyperlinkcolor" showMasterPhAnim="0" showMasterSp="0">
+<p:notes xmlns:a="http://schemas.openxmlformats.org/drawingml/2006/main" xmlns:r="http://schemas.openxmlformats.org/officeDocument/2006/relationships" xmlns:p="http://schemas.openxmlformats.org/presentationml/2006/main" showMasterSp="0" showMasterPhAnim="0">
   <p:cSld>
     <p:spTree>
       <p:nvGrpSpPr>
-        <p:cNvPr id="57" name="Shape 57"/>
+        <p:cNvPr id="1" name="Shape 57"/>
         <p:cNvGrpSpPr/>
         <p:nvPr/>
       </p:nvGrpSpPr>
@@ -832,9 +854,11 @@
       <p:sp>
         <p:nvSpPr>
           <p:cNvPr id="58" name="Google Shape;58;g208bdc214e8_0_1:notes"/>
-          <p:cNvSpPr/>
+          <p:cNvSpPr>
+            <a:spLocks noGrp="1" noRot="1" noChangeAspect="1"/>
+          </p:cNvSpPr>
           <p:nvPr>
-            <p:ph idx="2" type="sldImg"/>
+            <p:ph type="sldImg" idx="2"/>
           </p:nvPr>
         </p:nvSpPr>
         <p:spPr>
@@ -843,9 +867,13 @@
             <a:ext cx="6096000" cy="3429000"/>
           </a:xfrm>
           <a:custGeom>
-            <a:rect b="b" l="l" r="r" t="t"/>
+            <a:avLst/>
+            <a:gdLst/>
+            <a:ahLst/>
+            <a:cxnLst/>
+            <a:rect l="l" t="t" r="r" b="b"/>
             <a:pathLst>
-              <a:path extrusionOk="0" h="120000" w="120000">
+              <a:path w="120000" h="120000" extrusionOk="0">
                 <a:moveTo>
                   <a:pt x="0" y="0"/>
                 </a:moveTo>
@@ -867,9 +895,11 @@
       <p:sp>
         <p:nvSpPr>
           <p:cNvPr id="59" name="Google Shape;59;g208bdc214e8_0_1:notes"/>
-          <p:cNvSpPr txBox="1"/>
+          <p:cNvSpPr txBox="1">
+            <a:spLocks noGrp="1"/>
+          </p:cNvSpPr>
           <p:nvPr>
-            <p:ph idx="1" type="body"/>
+            <p:ph type="body" idx="1"/>
           </p:nvPr>
         </p:nvSpPr>
         <p:spPr>
@@ -882,12 +912,12 @@
           </a:prstGeom>
         </p:spPr>
         <p:txBody>
-          <a:bodyPr anchorCtr="0" anchor="t" bIns="91425" lIns="91425" spcFirstLastPara="1" rIns="91425" wrap="square" tIns="91425">
+          <a:bodyPr spcFirstLastPara="1" wrap="square" lIns="91425" tIns="91425" rIns="91425" bIns="91425" anchor="t" anchorCtr="0">
             <a:noAutofit/>
           </a:bodyPr>
           <a:lstStyle/>
           <a:p>
-            <a:pPr indent="0" lvl="0" marL="0" rtl="0" algn="l">
+            <a:pPr marL="0" lvl="0" indent="0" algn="l" rtl="0">
               <a:spcBef>
                 <a:spcPts val="0"/>
               </a:spcBef>
@@ -896,9 +926,6 @@
               </a:spcAft>
               <a:buNone/>
             </a:pPr>
-            <a:r>
-              <a:t/>
-            </a:r>
             <a:endParaRPr/>
           </a:p>
         </p:txBody>
@@ -912,11 +939,11 @@
 </file>
 
 <file path=ppt/notesSlides/notesSlide3.xml><?xml version="1.0" encoding="utf-8"?>
-<p:notes xmlns:a="http://schemas.openxmlformats.org/drawingml/2006/main" xmlns:r="http://schemas.openxmlformats.org/officeDocument/2006/relationships" xmlns:mc="http://schemas.openxmlformats.org/markup-compatibility/2006" xmlns:mv="urn:schemas-microsoft-com:mac:vml" xmlns:p="http://schemas.openxmlformats.org/presentationml/2006/main" xmlns:c="http://schemas.openxmlformats.org/drawingml/2006/chart" xmlns:dgm="http://schemas.openxmlformats.org/drawingml/2006/diagram" xmlns:o="urn:schemas-microsoft-com:office:office" xmlns:v="urn:schemas-microsoft-com:vml" xmlns:pvml="urn:schemas-microsoft-com:office:powerpoint" xmlns:com="http://schemas.openxmlformats.org/drawingml/2006/compatibility" xmlns:p14="http://schemas.microsoft.com/office/powerpoint/2010/main" xmlns:p15="http://schemas.microsoft.com/office/powerpoint/2012/main" xmlns:ahyp="http://schemas.microsoft.com/office/drawing/2018/hyperlinkcolor" showMasterPhAnim="0" showMasterSp="0">
+<p:notes xmlns:a="http://schemas.openxmlformats.org/drawingml/2006/main" xmlns:r="http://schemas.openxmlformats.org/officeDocument/2006/relationships" xmlns:p="http://schemas.openxmlformats.org/presentationml/2006/main" showMasterSp="0" showMasterPhAnim="0">
   <p:cSld>
     <p:spTree>
       <p:nvGrpSpPr>
-        <p:cNvPr id="70" name="Shape 70"/>
+        <p:cNvPr id="1" name="Shape 70"/>
         <p:cNvGrpSpPr/>
         <p:nvPr/>
       </p:nvGrpSpPr>
@@ -931,9 +958,11 @@
       <p:sp>
         <p:nvSpPr>
           <p:cNvPr id="71" name="Google Shape;71;g208bdc214e8_0_15:notes"/>
-          <p:cNvSpPr/>
+          <p:cNvSpPr>
+            <a:spLocks noGrp="1" noRot="1" noChangeAspect="1"/>
+          </p:cNvSpPr>
           <p:nvPr>
-            <p:ph idx="2" type="sldImg"/>
+            <p:ph type="sldImg" idx="2"/>
           </p:nvPr>
         </p:nvSpPr>
         <p:spPr>
@@ -942,9 +971,13 @@
             <a:ext cx="6096000" cy="3429000"/>
           </a:xfrm>
           <a:custGeom>
-            <a:rect b="b" l="l" r="r" t="t"/>
+            <a:avLst/>
+            <a:gdLst/>
+            <a:ahLst/>
+            <a:cxnLst/>
+            <a:rect l="l" t="t" r="r" b="b"/>
             <a:pathLst>
-              <a:path extrusionOk="0" h="120000" w="120000">
+              <a:path w="120000" h="120000" extrusionOk="0">
                 <a:moveTo>
                   <a:pt x="0" y="0"/>
                 </a:moveTo>
@@ -966,9 +999,11 @@
       <p:sp>
         <p:nvSpPr>
           <p:cNvPr id="72" name="Google Shape;72;g208bdc214e8_0_15:notes"/>
-          <p:cNvSpPr txBox="1"/>
+          <p:cNvSpPr txBox="1">
+            <a:spLocks noGrp="1"/>
+          </p:cNvSpPr>
           <p:nvPr>
-            <p:ph idx="1" type="body"/>
+            <p:ph type="body" idx="1"/>
           </p:nvPr>
         </p:nvSpPr>
         <p:spPr>
@@ -981,12 +1016,12 @@
           </a:prstGeom>
         </p:spPr>
         <p:txBody>
-          <a:bodyPr anchorCtr="0" anchor="t" bIns="91425" lIns="91425" spcFirstLastPara="1" rIns="91425" wrap="square" tIns="91425">
+          <a:bodyPr spcFirstLastPara="1" wrap="square" lIns="91425" tIns="91425" rIns="91425" bIns="91425" anchor="t" anchorCtr="0">
             <a:noAutofit/>
           </a:bodyPr>
           <a:lstStyle/>
           <a:p>
-            <a:pPr indent="0" lvl="0" marL="0" rtl="0" algn="l">
+            <a:pPr marL="0" lvl="0" indent="0" algn="l" rtl="0">
               <a:spcBef>
                 <a:spcPts val="0"/>
               </a:spcBef>
@@ -995,9 +1030,6 @@
               </a:spcAft>
               <a:buNone/>
             </a:pPr>
-            <a:r>
-              <a:t/>
-            </a:r>
             <a:endParaRPr/>
           </a:p>
         </p:txBody>
@@ -1011,11 +1043,11 @@
 </file>
 
 <file path=ppt/notesSlides/notesSlide4.xml><?xml version="1.0" encoding="utf-8"?>
-<p:notes xmlns:a="http://schemas.openxmlformats.org/drawingml/2006/main" xmlns:r="http://schemas.openxmlformats.org/officeDocument/2006/relationships" xmlns:mc="http://schemas.openxmlformats.org/markup-compatibility/2006" xmlns:mv="urn:schemas-microsoft-com:mac:vml" xmlns:p="http://schemas.openxmlformats.org/presentationml/2006/main" xmlns:c="http://schemas.openxmlformats.org/drawingml/2006/chart" xmlns:dgm="http://schemas.openxmlformats.org/drawingml/2006/diagram" xmlns:o="urn:schemas-microsoft-com:office:office" xmlns:v="urn:schemas-microsoft-com:vml" xmlns:pvml="urn:schemas-microsoft-com:office:powerpoint" xmlns:com="http://schemas.openxmlformats.org/drawingml/2006/compatibility" xmlns:p14="http://schemas.microsoft.com/office/powerpoint/2010/main" xmlns:p15="http://schemas.microsoft.com/office/powerpoint/2012/main" xmlns:ahyp="http://schemas.microsoft.com/office/drawing/2018/hyperlinkcolor" showMasterPhAnim="0" showMasterSp="0">
+<p:notes xmlns:a="http://schemas.openxmlformats.org/drawingml/2006/main" xmlns:r="http://schemas.openxmlformats.org/officeDocument/2006/relationships" xmlns:p="http://schemas.openxmlformats.org/presentationml/2006/main" showMasterSp="0" showMasterPhAnim="0">
   <p:cSld>
     <p:spTree>
       <p:nvGrpSpPr>
-        <p:cNvPr id="78" name="Shape 78"/>
+        <p:cNvPr id="1" name="Shape 78"/>
         <p:cNvGrpSpPr/>
         <p:nvPr/>
       </p:nvGrpSpPr>
@@ -1030,9 +1062,11 @@
       <p:sp>
         <p:nvSpPr>
           <p:cNvPr id="79" name="Google Shape;79;g208bdc214e8_0_26:notes"/>
-          <p:cNvSpPr/>
+          <p:cNvSpPr>
+            <a:spLocks noGrp="1" noRot="1" noChangeAspect="1"/>
+          </p:cNvSpPr>
           <p:nvPr>
-            <p:ph idx="2" type="sldImg"/>
+            <p:ph type="sldImg" idx="2"/>
           </p:nvPr>
         </p:nvSpPr>
         <p:spPr>
@@ -1041,9 +1075,13 @@
             <a:ext cx="6096000" cy="3429000"/>
           </a:xfrm>
           <a:custGeom>
-            <a:rect b="b" l="l" r="r" t="t"/>
+            <a:avLst/>
+            <a:gdLst/>
+            <a:ahLst/>
+            <a:cxnLst/>
+            <a:rect l="l" t="t" r="r" b="b"/>
             <a:pathLst>
-              <a:path extrusionOk="0" h="120000" w="120000">
+              <a:path w="120000" h="120000" extrusionOk="0">
                 <a:moveTo>
                   <a:pt x="0" y="0"/>
                 </a:moveTo>
@@ -1065,9 +1103,11 @@
       <p:sp>
         <p:nvSpPr>
           <p:cNvPr id="80" name="Google Shape;80;g208bdc214e8_0_26:notes"/>
-          <p:cNvSpPr txBox="1"/>
+          <p:cNvSpPr txBox="1">
+            <a:spLocks noGrp="1"/>
+          </p:cNvSpPr>
           <p:nvPr>
-            <p:ph idx="1" type="body"/>
+            <p:ph type="body" idx="1"/>
           </p:nvPr>
         </p:nvSpPr>
         <p:spPr>
@@ -1080,12 +1120,12 @@
           </a:prstGeom>
         </p:spPr>
         <p:txBody>
-          <a:bodyPr anchorCtr="0" anchor="t" bIns="91425" lIns="91425" spcFirstLastPara="1" rIns="91425" wrap="square" tIns="91425">
+          <a:bodyPr spcFirstLastPara="1" wrap="square" lIns="91425" tIns="91425" rIns="91425" bIns="91425" anchor="t" anchorCtr="0">
             <a:noAutofit/>
           </a:bodyPr>
           <a:lstStyle/>
           <a:p>
-            <a:pPr indent="0" lvl="0" marL="0" rtl="0" algn="l">
+            <a:pPr marL="0" lvl="0" indent="0" algn="l" rtl="0">
               <a:spcBef>
                 <a:spcPts val="0"/>
               </a:spcBef>
@@ -1094,9 +1134,6 @@
               </a:spcAft>
               <a:buNone/>
             </a:pPr>
-            <a:r>
-              <a:t/>
-            </a:r>
             <a:endParaRPr/>
           </a:p>
         </p:txBody>
@@ -1110,11 +1147,11 @@
 </file>
 
 <file path=ppt/notesSlides/notesSlide5.xml><?xml version="1.0" encoding="utf-8"?>
-<p:notes xmlns:a="http://schemas.openxmlformats.org/drawingml/2006/main" xmlns:r="http://schemas.openxmlformats.org/officeDocument/2006/relationships" xmlns:mc="http://schemas.openxmlformats.org/markup-compatibility/2006" xmlns:mv="urn:schemas-microsoft-com:mac:vml" xmlns:p="http://schemas.openxmlformats.org/presentationml/2006/main" xmlns:c="http://schemas.openxmlformats.org/drawingml/2006/chart" xmlns:dgm="http://schemas.openxmlformats.org/drawingml/2006/diagram" xmlns:o="urn:schemas-microsoft-com:office:office" xmlns:v="urn:schemas-microsoft-com:vml" xmlns:pvml="urn:schemas-microsoft-com:office:powerpoint" xmlns:com="http://schemas.openxmlformats.org/drawingml/2006/compatibility" xmlns:p14="http://schemas.microsoft.com/office/powerpoint/2010/main" xmlns:p15="http://schemas.microsoft.com/office/powerpoint/2012/main" xmlns:ahyp="http://schemas.microsoft.com/office/drawing/2018/hyperlinkcolor" showMasterPhAnim="0" showMasterSp="0">
+<p:notes xmlns:a="http://schemas.openxmlformats.org/drawingml/2006/main" xmlns:r="http://schemas.openxmlformats.org/officeDocument/2006/relationships" xmlns:p="http://schemas.openxmlformats.org/presentationml/2006/main" showMasterSp="0" showMasterPhAnim="0">
   <p:cSld>
     <p:spTree>
       <p:nvGrpSpPr>
-        <p:cNvPr id="89" name="Shape 89"/>
+        <p:cNvPr id="1" name="Shape 89"/>
         <p:cNvGrpSpPr/>
         <p:nvPr/>
       </p:nvGrpSpPr>
@@ -1129,9 +1166,11 @@
       <p:sp>
         <p:nvSpPr>
           <p:cNvPr id="90" name="Google Shape;90;g208bdc214e8_0_48:notes"/>
-          <p:cNvSpPr/>
+          <p:cNvSpPr>
+            <a:spLocks noGrp="1" noRot="1" noChangeAspect="1"/>
+          </p:cNvSpPr>
           <p:nvPr>
-            <p:ph idx="2" type="sldImg"/>
+            <p:ph type="sldImg" idx="2"/>
           </p:nvPr>
         </p:nvSpPr>
         <p:spPr>
@@ -1140,9 +1179,13 @@
             <a:ext cx="6096000" cy="3429000"/>
           </a:xfrm>
           <a:custGeom>
-            <a:rect b="b" l="l" r="r" t="t"/>
+            <a:avLst/>
+            <a:gdLst/>
+            <a:ahLst/>
+            <a:cxnLst/>
+            <a:rect l="l" t="t" r="r" b="b"/>
             <a:pathLst>
-              <a:path extrusionOk="0" h="120000" w="120000">
+              <a:path w="120000" h="120000" extrusionOk="0">
                 <a:moveTo>
                   <a:pt x="0" y="0"/>
                 </a:moveTo>
@@ -1164,9 +1207,11 @@
       <p:sp>
         <p:nvSpPr>
           <p:cNvPr id="91" name="Google Shape;91;g208bdc214e8_0_48:notes"/>
-          <p:cNvSpPr txBox="1"/>
+          <p:cNvSpPr txBox="1">
+            <a:spLocks noGrp="1"/>
+          </p:cNvSpPr>
           <p:nvPr>
-            <p:ph idx="1" type="body"/>
+            <p:ph type="body" idx="1"/>
           </p:nvPr>
         </p:nvSpPr>
         <p:spPr>
@@ -1179,12 +1224,12 @@
           </a:prstGeom>
         </p:spPr>
         <p:txBody>
-          <a:bodyPr anchorCtr="0" anchor="t" bIns="91425" lIns="91425" spcFirstLastPara="1" rIns="91425" wrap="square" tIns="91425">
+          <a:bodyPr spcFirstLastPara="1" wrap="square" lIns="91425" tIns="91425" rIns="91425" bIns="91425" anchor="t" anchorCtr="0">
             <a:noAutofit/>
           </a:bodyPr>
           <a:lstStyle/>
           <a:p>
-            <a:pPr indent="0" lvl="0" marL="0" rtl="0" algn="l">
+            <a:pPr marL="0" lvl="0" indent="0" algn="l" rtl="0">
               <a:spcBef>
                 <a:spcPts val="0"/>
               </a:spcBef>
@@ -1193,9 +1238,6 @@
               </a:spcAft>
               <a:buNone/>
             </a:pPr>
-            <a:r>
-              <a:t/>
-            </a:r>
             <a:endParaRPr/>
           </a:p>
         </p:txBody>
@@ -1209,11 +1251,11 @@
 </file>
 
 <file path=ppt/notesSlides/notesSlide6.xml><?xml version="1.0" encoding="utf-8"?>
-<p:notes xmlns:a="http://schemas.openxmlformats.org/drawingml/2006/main" xmlns:r="http://schemas.openxmlformats.org/officeDocument/2006/relationships" xmlns:mc="http://schemas.openxmlformats.org/markup-compatibility/2006" xmlns:mv="urn:schemas-microsoft-com:mac:vml" xmlns:p="http://schemas.openxmlformats.org/presentationml/2006/main" xmlns:c="http://schemas.openxmlformats.org/drawingml/2006/chart" xmlns:dgm="http://schemas.openxmlformats.org/drawingml/2006/diagram" xmlns:o="urn:schemas-microsoft-com:office:office" xmlns:v="urn:schemas-microsoft-com:vml" xmlns:pvml="urn:schemas-microsoft-com:office:powerpoint" xmlns:com="http://schemas.openxmlformats.org/drawingml/2006/compatibility" xmlns:p14="http://schemas.microsoft.com/office/powerpoint/2010/main" xmlns:p15="http://schemas.microsoft.com/office/powerpoint/2012/main" xmlns:ahyp="http://schemas.microsoft.com/office/drawing/2018/hyperlinkcolor" showMasterPhAnim="0" showMasterSp="0">
+<p:notes xmlns:a="http://schemas.openxmlformats.org/drawingml/2006/main" xmlns:r="http://schemas.openxmlformats.org/officeDocument/2006/relationships" xmlns:p="http://schemas.openxmlformats.org/presentationml/2006/main" showMasterSp="0" showMasterPhAnim="0">
   <p:cSld>
     <p:spTree>
       <p:nvGrpSpPr>
-        <p:cNvPr id="100" name="Shape 100"/>
+        <p:cNvPr id="1" name="Shape 100"/>
         <p:cNvGrpSpPr/>
         <p:nvPr/>
       </p:nvGrpSpPr>
@@ -1228,9 +1270,11 @@
       <p:sp>
         <p:nvSpPr>
           <p:cNvPr id="101" name="Google Shape;101;g208bdc214e8_0_39:notes"/>
-          <p:cNvSpPr/>
+          <p:cNvSpPr>
+            <a:spLocks noGrp="1" noRot="1" noChangeAspect="1"/>
+          </p:cNvSpPr>
           <p:nvPr>
-            <p:ph idx="2" type="sldImg"/>
+            <p:ph type="sldImg" idx="2"/>
           </p:nvPr>
         </p:nvSpPr>
         <p:spPr>
@@ -1239,9 +1283,13 @@
             <a:ext cx="6096000" cy="3429000"/>
           </a:xfrm>
           <a:custGeom>
-            <a:rect b="b" l="l" r="r" t="t"/>
+            <a:avLst/>
+            <a:gdLst/>
+            <a:ahLst/>
+            <a:cxnLst/>
+            <a:rect l="l" t="t" r="r" b="b"/>
             <a:pathLst>
-              <a:path extrusionOk="0" h="120000" w="120000">
+              <a:path w="120000" h="120000" extrusionOk="0">
                 <a:moveTo>
                   <a:pt x="0" y="0"/>
                 </a:moveTo>
@@ -1263,9 +1311,11 @@
       <p:sp>
         <p:nvSpPr>
           <p:cNvPr id="102" name="Google Shape;102;g208bdc214e8_0_39:notes"/>
-          <p:cNvSpPr txBox="1"/>
+          <p:cNvSpPr txBox="1">
+            <a:spLocks noGrp="1"/>
+          </p:cNvSpPr>
           <p:nvPr>
-            <p:ph idx="1" type="body"/>
+            <p:ph type="body" idx="1"/>
           </p:nvPr>
         </p:nvSpPr>
         <p:spPr>
@@ -1278,12 +1328,12 @@
           </a:prstGeom>
         </p:spPr>
         <p:txBody>
-          <a:bodyPr anchorCtr="0" anchor="t" bIns="91425" lIns="91425" spcFirstLastPara="1" rIns="91425" wrap="square" tIns="91425">
+          <a:bodyPr spcFirstLastPara="1" wrap="square" lIns="91425" tIns="91425" rIns="91425" bIns="91425" anchor="t" anchorCtr="0">
             <a:noAutofit/>
           </a:bodyPr>
           <a:lstStyle/>
           <a:p>
-            <a:pPr indent="0" lvl="0" marL="0" rtl="0" algn="l">
+            <a:pPr marL="0" lvl="0" indent="0" algn="l" rtl="0">
               <a:spcBef>
                 <a:spcPts val="0"/>
               </a:spcBef>
@@ -1292,9 +1342,6 @@
               </a:spcAft>
               <a:buNone/>
             </a:pPr>
-            <a:r>
-              <a:t/>
-            </a:r>
             <a:endParaRPr/>
           </a:p>
         </p:txBody>
@@ -1307,12 +1354,230 @@
 </p:notes>
 </file>
 
+<file path=ppt/notesSlides/notesSlide7.xml><?xml version="1.0" encoding="utf-8"?>
+<p:notes xmlns:a="http://schemas.openxmlformats.org/drawingml/2006/main" xmlns:r="http://schemas.openxmlformats.org/officeDocument/2006/relationships" xmlns:p="http://schemas.openxmlformats.org/presentationml/2006/main" showMasterSp="0" showMasterPhAnim="0">
+  <p:cSld>
+    <p:spTree>
+      <p:nvGrpSpPr>
+        <p:cNvPr id="1" name="Shape 50"/>
+        <p:cNvGrpSpPr/>
+        <p:nvPr/>
+      </p:nvGrpSpPr>
+      <p:grpSpPr>
+        <a:xfrm>
+          <a:off x="0" y="0"/>
+          <a:ext cx="0" cy="0"/>
+          <a:chOff x="0" y="0"/>
+          <a:chExt cx="0" cy="0"/>
+        </a:xfrm>
+      </p:grpSpPr>
+      <p:sp>
+        <p:nvSpPr>
+          <p:cNvPr id="51" name="Google Shape;51;p:notes"/>
+          <p:cNvSpPr>
+            <a:spLocks noGrp="1" noRot="1" noChangeAspect="1"/>
+          </p:cNvSpPr>
+          <p:nvPr>
+            <p:ph type="sldImg" idx="2"/>
+          </p:nvPr>
+        </p:nvSpPr>
+        <p:spPr>
+          <a:xfrm>
+            <a:off x="381000" y="685800"/>
+            <a:ext cx="6096000" cy="3429000"/>
+          </a:xfrm>
+          <a:custGeom>
+            <a:avLst/>
+            <a:gdLst/>
+            <a:ahLst/>
+            <a:cxnLst/>
+            <a:rect l="l" t="t" r="r" b="b"/>
+            <a:pathLst>
+              <a:path w="120000" h="120000" extrusionOk="0">
+                <a:moveTo>
+                  <a:pt x="0" y="0"/>
+                </a:moveTo>
+                <a:lnTo>
+                  <a:pt x="120000" y="0"/>
+                </a:lnTo>
+                <a:lnTo>
+                  <a:pt x="120000" y="120000"/>
+                </a:lnTo>
+                <a:lnTo>
+                  <a:pt x="0" y="120000"/>
+                </a:lnTo>
+                <a:close/>
+              </a:path>
+            </a:pathLst>
+          </a:custGeom>
+        </p:spPr>
+      </p:sp>
+      <p:sp>
+        <p:nvSpPr>
+          <p:cNvPr id="52" name="Google Shape;52;p:notes"/>
+          <p:cNvSpPr txBox="1">
+            <a:spLocks noGrp="1"/>
+          </p:cNvSpPr>
+          <p:nvPr>
+            <p:ph type="body" idx="1"/>
+          </p:nvPr>
+        </p:nvSpPr>
+        <p:spPr>
+          <a:xfrm>
+            <a:off x="685800" y="4343400"/>
+            <a:ext cx="5486400" cy="4114800"/>
+          </a:xfrm>
+          <a:prstGeom prst="rect">
+            <a:avLst/>
+          </a:prstGeom>
+        </p:spPr>
+        <p:txBody>
+          <a:bodyPr spcFirstLastPara="1" wrap="square" lIns="91425" tIns="91425" rIns="91425" bIns="91425" anchor="t" anchorCtr="0">
+            <a:noAutofit/>
+          </a:bodyPr>
+          <a:lstStyle/>
+          <a:p>
+            <a:pPr marL="0" lvl="0" indent="0" algn="l" rtl="0">
+              <a:spcBef>
+                <a:spcPts val="0"/>
+              </a:spcBef>
+              <a:spcAft>
+                <a:spcPts val="0"/>
+              </a:spcAft>
+              <a:buNone/>
+            </a:pPr>
+            <a:endParaRPr/>
+          </a:p>
+        </p:txBody>
+      </p:sp>
+    </p:spTree>
+    <p:extLst>
+      <p:ext uri="{BB962C8B-B14F-4D97-AF65-F5344CB8AC3E}">
+        <p14:creationId xmlns:p14="http://schemas.microsoft.com/office/powerpoint/2010/main" val="1148198782"/>
+      </p:ext>
+    </p:extLst>
+  </p:cSld>
+  <p:clrMapOvr>
+    <a:masterClrMapping/>
+  </p:clrMapOvr>
+</p:notes>
+</file>
+
+<file path=ppt/notesSlides/notesSlide8.xml><?xml version="1.0" encoding="utf-8"?>
+<p:notes xmlns:a="http://schemas.openxmlformats.org/drawingml/2006/main" xmlns:r="http://schemas.openxmlformats.org/officeDocument/2006/relationships" xmlns:p="http://schemas.openxmlformats.org/presentationml/2006/main" showMasterSp="0" showMasterPhAnim="0">
+  <p:cSld>
+    <p:spTree>
+      <p:nvGrpSpPr>
+        <p:cNvPr id="1" name="Shape 89"/>
+        <p:cNvGrpSpPr/>
+        <p:nvPr/>
+      </p:nvGrpSpPr>
+      <p:grpSpPr>
+        <a:xfrm>
+          <a:off x="0" y="0"/>
+          <a:ext cx="0" cy="0"/>
+          <a:chOff x="0" y="0"/>
+          <a:chExt cx="0" cy="0"/>
+        </a:xfrm>
+      </p:grpSpPr>
+      <p:sp>
+        <p:nvSpPr>
+          <p:cNvPr id="90" name="Google Shape;90;g208bdc214e8_0_48:notes"/>
+          <p:cNvSpPr>
+            <a:spLocks noGrp="1" noRot="1" noChangeAspect="1"/>
+          </p:cNvSpPr>
+          <p:nvPr>
+            <p:ph type="sldImg" idx="2"/>
+          </p:nvPr>
+        </p:nvSpPr>
+        <p:spPr>
+          <a:xfrm>
+            <a:off x="381000" y="685800"/>
+            <a:ext cx="6096000" cy="3429000"/>
+          </a:xfrm>
+          <a:custGeom>
+            <a:avLst/>
+            <a:gdLst/>
+            <a:ahLst/>
+            <a:cxnLst/>
+            <a:rect l="l" t="t" r="r" b="b"/>
+            <a:pathLst>
+              <a:path w="120000" h="120000" extrusionOk="0">
+                <a:moveTo>
+                  <a:pt x="0" y="0"/>
+                </a:moveTo>
+                <a:lnTo>
+                  <a:pt x="120000" y="0"/>
+                </a:lnTo>
+                <a:lnTo>
+                  <a:pt x="120000" y="120000"/>
+                </a:lnTo>
+                <a:lnTo>
+                  <a:pt x="0" y="120000"/>
+                </a:lnTo>
+                <a:close/>
+              </a:path>
+            </a:pathLst>
+          </a:custGeom>
+        </p:spPr>
+      </p:sp>
+      <p:sp>
+        <p:nvSpPr>
+          <p:cNvPr id="91" name="Google Shape;91;g208bdc214e8_0_48:notes"/>
+          <p:cNvSpPr txBox="1">
+            <a:spLocks noGrp="1"/>
+          </p:cNvSpPr>
+          <p:nvPr>
+            <p:ph type="body" idx="1"/>
+          </p:nvPr>
+        </p:nvSpPr>
+        <p:spPr>
+          <a:xfrm>
+            <a:off x="685800" y="4343400"/>
+            <a:ext cx="5486400" cy="4114800"/>
+          </a:xfrm>
+          <a:prstGeom prst="rect">
+            <a:avLst/>
+          </a:prstGeom>
+        </p:spPr>
+        <p:txBody>
+          <a:bodyPr spcFirstLastPara="1" wrap="square" lIns="91425" tIns="91425" rIns="91425" bIns="91425" anchor="t" anchorCtr="0">
+            <a:noAutofit/>
+          </a:bodyPr>
+          <a:lstStyle/>
+          <a:p>
+            <a:pPr marL="0" lvl="0" indent="0" algn="l" rtl="0">
+              <a:spcBef>
+                <a:spcPts val="0"/>
+              </a:spcBef>
+              <a:spcAft>
+                <a:spcPts val="0"/>
+              </a:spcAft>
+              <a:buNone/>
+            </a:pPr>
+            <a:endParaRPr/>
+          </a:p>
+        </p:txBody>
+      </p:sp>
+    </p:spTree>
+    <p:extLst>
+      <p:ext uri="{BB962C8B-B14F-4D97-AF65-F5344CB8AC3E}">
+        <p14:creationId xmlns:p14="http://schemas.microsoft.com/office/powerpoint/2010/main" val="3788939357"/>
+      </p:ext>
+    </p:extLst>
+  </p:cSld>
+  <p:clrMapOvr>
+    <a:masterClrMapping/>
+  </p:clrMapOvr>
+</p:notes>
+</file>
+
 <file path=ppt/slideLayouts/slideLayout1.xml><?xml version="1.0" encoding="utf-8"?>
-<p:sldLayout xmlns:a="http://schemas.openxmlformats.org/drawingml/2006/main" xmlns:r="http://schemas.openxmlformats.org/officeDocument/2006/relationships" xmlns:mc="http://schemas.openxmlformats.org/markup-compatibility/2006" xmlns:mv="urn:schemas-microsoft-com:mac:vml" xmlns:p="http://schemas.openxmlformats.org/presentationml/2006/main" xmlns:c="http://schemas.openxmlformats.org/drawingml/2006/chart" xmlns:dgm="http://schemas.openxmlformats.org/drawingml/2006/diagram" xmlns:o="urn:schemas-microsoft-com:office:office" xmlns:v="urn:schemas-microsoft-com:vml" xmlns:pvml="urn:schemas-microsoft-com:office:powerpoint" xmlns:com="http://schemas.openxmlformats.org/drawingml/2006/compatibility" xmlns:p14="http://schemas.microsoft.com/office/powerpoint/2010/main" xmlns:p15="http://schemas.microsoft.com/office/powerpoint/2012/main" xmlns:ahyp="http://schemas.microsoft.com/office/drawing/2018/hyperlinkcolor" matchingName="Title slide" type="title">
+<p:sldLayout xmlns:a="http://schemas.openxmlformats.org/drawingml/2006/main" xmlns:r="http://schemas.openxmlformats.org/officeDocument/2006/relationships" xmlns:p="http://schemas.openxmlformats.org/presentationml/2006/main" matchingName="Title slide" type="title">
   <p:cSld name="TITLE">
     <p:spTree>
       <p:nvGrpSpPr>
-        <p:cNvPr id="9" name="Shape 9"/>
+        <p:cNvPr id="1" name="Shape 9"/>
         <p:cNvGrpSpPr/>
         <p:nvPr/>
       </p:nvGrpSpPr>
@@ -1327,7 +1592,9 @@
       <p:sp>
         <p:nvSpPr>
           <p:cNvPr id="10" name="Google Shape;10;p2"/>
-          <p:cNvSpPr txBox="1"/>
+          <p:cNvSpPr txBox="1">
+            <a:spLocks noGrp="1"/>
+          </p:cNvSpPr>
           <p:nvPr>
             <p:ph type="ctrTitle"/>
           </p:nvPr>
@@ -1342,7 +1609,7 @@
           </a:prstGeom>
         </p:spPr>
         <p:txBody>
-          <a:bodyPr anchorCtr="0" anchor="b" bIns="91425" lIns="91425" spcFirstLastPara="1" rIns="91425" wrap="square" tIns="91425">
+          <a:bodyPr spcFirstLastPara="1" wrap="square" lIns="91425" tIns="91425" rIns="91425" bIns="91425" anchor="b" anchorCtr="0">
             <a:normAutofit/>
           </a:bodyPr>
           <a:lstStyle>
@@ -1446,15 +1713,19 @@
               <a:defRPr sz="5200"/>
             </a:lvl9pPr>
           </a:lstStyle>
-          <a:p/>
+          <a:p>
+            <a:endParaRPr/>
+          </a:p>
         </p:txBody>
       </p:sp>
       <p:sp>
         <p:nvSpPr>
           <p:cNvPr id="11" name="Google Shape;11;p2"/>
-          <p:cNvSpPr txBox="1"/>
+          <p:cNvSpPr txBox="1">
+            <a:spLocks noGrp="1"/>
+          </p:cNvSpPr>
           <p:nvPr>
-            <p:ph idx="1" type="subTitle"/>
+            <p:ph type="subTitle" idx="1"/>
           </p:nvPr>
         </p:nvSpPr>
         <p:spPr>
@@ -1467,7 +1738,7 @@
           </a:prstGeom>
         </p:spPr>
         <p:txBody>
-          <a:bodyPr anchorCtr="0" anchor="t" bIns="91425" lIns="91425" spcFirstLastPara="1" rIns="91425" wrap="square" tIns="91425">
+          <a:bodyPr spcFirstLastPara="1" wrap="square" lIns="91425" tIns="91425" rIns="91425" bIns="91425" anchor="t" anchorCtr="0">
             <a:normAutofit/>
           </a:bodyPr>
           <a:lstStyle>
@@ -1598,15 +1869,19 @@
               <a:defRPr sz="2800"/>
             </a:lvl9pPr>
           </a:lstStyle>
-          <a:p/>
+          <a:p>
+            <a:endParaRPr/>
+          </a:p>
         </p:txBody>
       </p:sp>
       <p:sp>
         <p:nvSpPr>
           <p:cNvPr id="12" name="Google Shape;12;p2"/>
-          <p:cNvSpPr txBox="1"/>
+          <p:cNvSpPr txBox="1">
+            <a:spLocks noGrp="1"/>
+          </p:cNvSpPr>
           <p:nvPr>
-            <p:ph idx="12" type="sldNum"/>
+            <p:ph type="sldNum" idx="12"/>
           </p:nvPr>
         </p:nvSpPr>
         <p:spPr>
@@ -1619,7 +1894,7 @@
           </a:prstGeom>
         </p:spPr>
         <p:txBody>
-          <a:bodyPr anchorCtr="0" anchor="ctr" bIns="91425" lIns="91425" spcFirstLastPara="1" rIns="91425" wrap="square" tIns="91425">
+          <a:bodyPr spcFirstLastPara="1" wrap="square" lIns="91425" tIns="91425" rIns="91425" bIns="91425" anchor="ctr" anchorCtr="0">
             <a:normAutofit/>
           </a:bodyPr>
           <a:lstStyle>
@@ -1661,7 +1936,7 @@
             </a:lvl9pPr>
           </a:lstStyle>
           <a:p>
-            <a:pPr indent="0" lvl="0" marL="0" rtl="0" algn="r">
+            <a:pPr marL="0" lvl="0" indent="0" algn="r" rtl="0">
               <a:spcBef>
                 <a:spcPts val="0"/>
               </a:spcBef>
@@ -1687,11 +1962,11 @@
 </file>
 
 <file path=ppt/slideLayouts/slideLayout10.xml><?xml version="1.0" encoding="utf-8"?>
-<p:sldLayout xmlns:a="http://schemas.openxmlformats.org/drawingml/2006/main" xmlns:r="http://schemas.openxmlformats.org/officeDocument/2006/relationships" xmlns:mc="http://schemas.openxmlformats.org/markup-compatibility/2006" xmlns:mv="urn:schemas-microsoft-com:mac:vml" xmlns:p="http://schemas.openxmlformats.org/presentationml/2006/main" xmlns:c="http://schemas.openxmlformats.org/drawingml/2006/chart" xmlns:dgm="http://schemas.openxmlformats.org/drawingml/2006/diagram" xmlns:o="urn:schemas-microsoft-com:office:office" xmlns:v="urn:schemas-microsoft-com:vml" xmlns:pvml="urn:schemas-microsoft-com:office:powerpoint" xmlns:com="http://schemas.openxmlformats.org/drawingml/2006/compatibility" xmlns:p14="http://schemas.microsoft.com/office/powerpoint/2010/main" xmlns:p15="http://schemas.microsoft.com/office/powerpoint/2012/main" xmlns:ahyp="http://schemas.microsoft.com/office/drawing/2018/hyperlinkcolor" matchingName="Big number">
+<p:sldLayout xmlns:a="http://schemas.openxmlformats.org/drawingml/2006/main" xmlns:r="http://schemas.openxmlformats.org/officeDocument/2006/relationships" xmlns:p="http://schemas.openxmlformats.org/presentationml/2006/main" matchingName="Big number">
   <p:cSld name="BIG_NUMBER">
     <p:spTree>
       <p:nvGrpSpPr>
-        <p:cNvPr id="44" name="Shape 44"/>
+        <p:cNvPr id="1" name="Shape 44"/>
         <p:cNvGrpSpPr/>
         <p:nvPr/>
       </p:nvGrpSpPr>
@@ -1706,9 +1981,11 @@
       <p:sp>
         <p:nvSpPr>
           <p:cNvPr id="45" name="Google Shape;45;p11"/>
-          <p:cNvSpPr txBox="1"/>
+          <p:cNvSpPr txBox="1">
+            <a:spLocks noGrp="1"/>
+          </p:cNvSpPr>
           <p:nvPr>
-            <p:ph hasCustomPrompt="1" type="title"/>
+            <p:ph type="title" hasCustomPrompt="1"/>
           </p:nvPr>
         </p:nvSpPr>
         <p:spPr>
@@ -1721,7 +1998,7 @@
           </a:prstGeom>
         </p:spPr>
         <p:txBody>
-          <a:bodyPr anchorCtr="0" anchor="b" bIns="91425" lIns="91425" spcFirstLastPara="1" rIns="91425" wrap="square" tIns="91425">
+          <a:bodyPr spcFirstLastPara="1" wrap="square" lIns="91425" tIns="91425" rIns="91425" bIns="91425" anchor="b" anchorCtr="0">
             <a:normAutofit/>
           </a:bodyPr>
           <a:lstStyle>
@@ -1835,9 +2112,11 @@
       <p:sp>
         <p:nvSpPr>
           <p:cNvPr id="46" name="Google Shape;46;p11"/>
-          <p:cNvSpPr txBox="1"/>
+          <p:cNvSpPr txBox="1">
+            <a:spLocks noGrp="1"/>
+          </p:cNvSpPr>
           <p:nvPr>
-            <p:ph idx="1" type="body"/>
+            <p:ph type="body" idx="1"/>
           </p:nvPr>
         </p:nvSpPr>
         <p:spPr>
@@ -1850,11 +2129,11 @@
           </a:prstGeom>
         </p:spPr>
         <p:txBody>
-          <a:bodyPr anchorCtr="0" anchor="t" bIns="91425" lIns="91425" spcFirstLastPara="1" rIns="91425" wrap="square" tIns="91425">
+          <a:bodyPr spcFirstLastPara="1" wrap="square" lIns="91425" tIns="91425" rIns="91425" bIns="91425" anchor="t" anchorCtr="0">
             <a:normAutofit/>
           </a:bodyPr>
           <a:lstStyle>
-            <a:lvl1pPr indent="-342900" lvl="0" marL="457200" algn="ctr">
+            <a:lvl1pPr marL="457200" lvl="0" indent="-342900" algn="ctr">
               <a:spcBef>
                 <a:spcPts val="0"/>
               </a:spcBef>
@@ -1865,7 +2144,7 @@
               <a:buChar char="●"/>
               <a:defRPr/>
             </a:lvl1pPr>
-            <a:lvl2pPr indent="-317500" lvl="1" marL="914400" algn="ctr">
+            <a:lvl2pPr marL="914400" lvl="1" indent="-317500" algn="ctr">
               <a:spcBef>
                 <a:spcPts val="0"/>
               </a:spcBef>
@@ -1876,7 +2155,7 @@
               <a:buChar char="○"/>
               <a:defRPr/>
             </a:lvl2pPr>
-            <a:lvl3pPr indent="-317500" lvl="2" marL="1371600" algn="ctr">
+            <a:lvl3pPr marL="1371600" lvl="2" indent="-317500" algn="ctr">
               <a:spcBef>
                 <a:spcPts val="0"/>
               </a:spcBef>
@@ -1887,7 +2166,7 @@
               <a:buChar char="■"/>
               <a:defRPr/>
             </a:lvl3pPr>
-            <a:lvl4pPr indent="-317500" lvl="3" marL="1828800" algn="ctr">
+            <a:lvl4pPr marL="1828800" lvl="3" indent="-317500" algn="ctr">
               <a:spcBef>
                 <a:spcPts val="0"/>
               </a:spcBef>
@@ -1898,7 +2177,7 @@
               <a:buChar char="●"/>
               <a:defRPr/>
             </a:lvl4pPr>
-            <a:lvl5pPr indent="-317500" lvl="4" marL="2286000" algn="ctr">
+            <a:lvl5pPr marL="2286000" lvl="4" indent="-317500" algn="ctr">
               <a:spcBef>
                 <a:spcPts val="0"/>
               </a:spcBef>
@@ -1909,7 +2188,7 @@
               <a:buChar char="○"/>
               <a:defRPr/>
             </a:lvl5pPr>
-            <a:lvl6pPr indent="-317500" lvl="5" marL="2743200" algn="ctr">
+            <a:lvl6pPr marL="2743200" lvl="5" indent="-317500" algn="ctr">
               <a:spcBef>
                 <a:spcPts val="0"/>
               </a:spcBef>
@@ -1920,7 +2199,7 @@
               <a:buChar char="■"/>
               <a:defRPr/>
             </a:lvl6pPr>
-            <a:lvl7pPr indent="-317500" lvl="6" marL="3200400" algn="ctr">
+            <a:lvl7pPr marL="3200400" lvl="6" indent="-317500" algn="ctr">
               <a:spcBef>
                 <a:spcPts val="0"/>
               </a:spcBef>
@@ -1931,7 +2210,7 @@
               <a:buChar char="●"/>
               <a:defRPr/>
             </a:lvl7pPr>
-            <a:lvl8pPr indent="-317500" lvl="7" marL="3657600" algn="ctr">
+            <a:lvl8pPr marL="3657600" lvl="7" indent="-317500" algn="ctr">
               <a:spcBef>
                 <a:spcPts val="0"/>
               </a:spcBef>
@@ -1942,7 +2221,7 @@
               <a:buChar char="○"/>
               <a:defRPr/>
             </a:lvl8pPr>
-            <a:lvl9pPr indent="-317500" lvl="8" marL="4114800" algn="ctr">
+            <a:lvl9pPr marL="4114800" lvl="8" indent="-317500" algn="ctr">
               <a:spcBef>
                 <a:spcPts val="0"/>
               </a:spcBef>
@@ -1954,15 +2233,19 @@
               <a:defRPr/>
             </a:lvl9pPr>
           </a:lstStyle>
-          <a:p/>
+          <a:p>
+            <a:endParaRPr/>
+          </a:p>
         </p:txBody>
       </p:sp>
       <p:sp>
         <p:nvSpPr>
           <p:cNvPr id="47" name="Google Shape;47;p11"/>
-          <p:cNvSpPr txBox="1"/>
+          <p:cNvSpPr txBox="1">
+            <a:spLocks noGrp="1"/>
+          </p:cNvSpPr>
           <p:nvPr>
-            <p:ph idx="12" type="sldNum"/>
+            <p:ph type="sldNum" idx="12"/>
           </p:nvPr>
         </p:nvSpPr>
         <p:spPr>
@@ -1975,7 +2258,7 @@
           </a:prstGeom>
         </p:spPr>
         <p:txBody>
-          <a:bodyPr anchorCtr="0" anchor="ctr" bIns="91425" lIns="91425" spcFirstLastPara="1" rIns="91425" wrap="square" tIns="91425">
+          <a:bodyPr spcFirstLastPara="1" wrap="square" lIns="91425" tIns="91425" rIns="91425" bIns="91425" anchor="ctr" anchorCtr="0">
             <a:normAutofit/>
           </a:bodyPr>
           <a:lstStyle>
@@ -2017,7 +2300,7 @@
             </a:lvl9pPr>
           </a:lstStyle>
           <a:p>
-            <a:pPr indent="0" lvl="0" marL="0" rtl="0" algn="r">
+            <a:pPr marL="0" lvl="0" indent="0" algn="r" rtl="0">
               <a:spcBef>
                 <a:spcPts val="0"/>
               </a:spcBef>
@@ -2043,11 +2326,11 @@
 </file>
 
 <file path=ppt/slideLayouts/slideLayout11.xml><?xml version="1.0" encoding="utf-8"?>
-<p:sldLayout xmlns:a="http://schemas.openxmlformats.org/drawingml/2006/main" xmlns:r="http://schemas.openxmlformats.org/officeDocument/2006/relationships" xmlns:mc="http://schemas.openxmlformats.org/markup-compatibility/2006" xmlns:mv="urn:schemas-microsoft-com:mac:vml" xmlns:p="http://schemas.openxmlformats.org/presentationml/2006/main" xmlns:c="http://schemas.openxmlformats.org/drawingml/2006/chart" xmlns:dgm="http://schemas.openxmlformats.org/drawingml/2006/diagram" xmlns:o="urn:schemas-microsoft-com:office:office" xmlns:v="urn:schemas-microsoft-com:vml" xmlns:pvml="urn:schemas-microsoft-com:office:powerpoint" xmlns:com="http://schemas.openxmlformats.org/drawingml/2006/compatibility" xmlns:p14="http://schemas.microsoft.com/office/powerpoint/2010/main" xmlns:p15="http://schemas.microsoft.com/office/powerpoint/2012/main" xmlns:ahyp="http://schemas.microsoft.com/office/drawing/2018/hyperlinkcolor" matchingName="Blank" type="blank">
+<p:sldLayout xmlns:a="http://schemas.openxmlformats.org/drawingml/2006/main" xmlns:r="http://schemas.openxmlformats.org/officeDocument/2006/relationships" xmlns:p="http://schemas.openxmlformats.org/presentationml/2006/main" matchingName="Blank" type="blank">
   <p:cSld name="BLANK">
     <p:spTree>
       <p:nvGrpSpPr>
-        <p:cNvPr id="48" name="Shape 48"/>
+        <p:cNvPr id="1" name="Shape 48"/>
         <p:cNvGrpSpPr/>
         <p:nvPr/>
       </p:nvGrpSpPr>
@@ -2062,9 +2345,11 @@
       <p:sp>
         <p:nvSpPr>
           <p:cNvPr id="49" name="Google Shape;49;p12"/>
-          <p:cNvSpPr txBox="1"/>
+          <p:cNvSpPr txBox="1">
+            <a:spLocks noGrp="1"/>
+          </p:cNvSpPr>
           <p:nvPr>
-            <p:ph idx="12" type="sldNum"/>
+            <p:ph type="sldNum" idx="12"/>
           </p:nvPr>
         </p:nvSpPr>
         <p:spPr>
@@ -2077,7 +2362,7 @@
           </a:prstGeom>
         </p:spPr>
         <p:txBody>
-          <a:bodyPr anchorCtr="0" anchor="ctr" bIns="91425" lIns="91425" spcFirstLastPara="1" rIns="91425" wrap="square" tIns="91425">
+          <a:bodyPr spcFirstLastPara="1" wrap="square" lIns="91425" tIns="91425" rIns="91425" bIns="91425" anchor="ctr" anchorCtr="0">
             <a:normAutofit/>
           </a:bodyPr>
           <a:lstStyle>
@@ -2119,7 +2404,7 @@
             </a:lvl9pPr>
           </a:lstStyle>
           <a:p>
-            <a:pPr indent="0" lvl="0" marL="0" rtl="0" algn="r">
+            <a:pPr marL="0" lvl="0" indent="0" algn="r" rtl="0">
               <a:spcBef>
                 <a:spcPts val="0"/>
               </a:spcBef>
@@ -2145,11 +2430,11 @@
 </file>
 
 <file path=ppt/slideLayouts/slideLayout2.xml><?xml version="1.0" encoding="utf-8"?>
-<p:sldLayout xmlns:a="http://schemas.openxmlformats.org/drawingml/2006/main" xmlns:r="http://schemas.openxmlformats.org/officeDocument/2006/relationships" xmlns:mc="http://schemas.openxmlformats.org/markup-compatibility/2006" xmlns:mv="urn:schemas-microsoft-com:mac:vml" xmlns:p="http://schemas.openxmlformats.org/presentationml/2006/main" xmlns:c="http://schemas.openxmlformats.org/drawingml/2006/chart" xmlns:dgm="http://schemas.openxmlformats.org/drawingml/2006/diagram" xmlns:o="urn:schemas-microsoft-com:office:office" xmlns:v="urn:schemas-microsoft-com:vml" xmlns:pvml="urn:schemas-microsoft-com:office:powerpoint" xmlns:com="http://schemas.openxmlformats.org/drawingml/2006/compatibility" xmlns:p14="http://schemas.microsoft.com/office/powerpoint/2010/main" xmlns:p15="http://schemas.microsoft.com/office/powerpoint/2012/main" xmlns:ahyp="http://schemas.microsoft.com/office/drawing/2018/hyperlinkcolor" matchingName="Section header" type="secHead">
+<p:sldLayout xmlns:a="http://schemas.openxmlformats.org/drawingml/2006/main" xmlns:r="http://schemas.openxmlformats.org/officeDocument/2006/relationships" xmlns:p="http://schemas.openxmlformats.org/presentationml/2006/main" matchingName="Section header" type="secHead">
   <p:cSld name="SECTION_HEADER">
     <p:spTree>
       <p:nvGrpSpPr>
-        <p:cNvPr id="13" name="Shape 13"/>
+        <p:cNvPr id="1" name="Shape 13"/>
         <p:cNvGrpSpPr/>
         <p:nvPr/>
       </p:nvGrpSpPr>
@@ -2164,7 +2449,9 @@
       <p:sp>
         <p:nvSpPr>
           <p:cNvPr id="14" name="Google Shape;14;p3"/>
-          <p:cNvSpPr txBox="1"/>
+          <p:cNvSpPr txBox="1">
+            <a:spLocks noGrp="1"/>
+          </p:cNvSpPr>
           <p:nvPr>
             <p:ph type="title"/>
           </p:nvPr>
@@ -2179,7 +2466,7 @@
           </a:prstGeom>
         </p:spPr>
         <p:txBody>
-          <a:bodyPr anchorCtr="0" anchor="ctr" bIns="91425" lIns="91425" spcFirstLastPara="1" rIns="91425" wrap="square" tIns="91425">
+          <a:bodyPr spcFirstLastPara="1" wrap="square" lIns="91425" tIns="91425" rIns="91425" bIns="91425" anchor="ctr" anchorCtr="0">
             <a:normAutofit/>
           </a:bodyPr>
           <a:lstStyle>
@@ -2283,15 +2570,19 @@
               <a:defRPr sz="3600"/>
             </a:lvl9pPr>
           </a:lstStyle>
-          <a:p/>
+          <a:p>
+            <a:endParaRPr/>
+          </a:p>
         </p:txBody>
       </p:sp>
       <p:sp>
         <p:nvSpPr>
           <p:cNvPr id="15" name="Google Shape;15;p3"/>
-          <p:cNvSpPr txBox="1"/>
+          <p:cNvSpPr txBox="1">
+            <a:spLocks noGrp="1"/>
+          </p:cNvSpPr>
           <p:nvPr>
-            <p:ph idx="12" type="sldNum"/>
+            <p:ph type="sldNum" idx="12"/>
           </p:nvPr>
         </p:nvSpPr>
         <p:spPr>
@@ -2304,7 +2595,7 @@
           </a:prstGeom>
         </p:spPr>
         <p:txBody>
-          <a:bodyPr anchorCtr="0" anchor="ctr" bIns="91425" lIns="91425" spcFirstLastPara="1" rIns="91425" wrap="square" tIns="91425">
+          <a:bodyPr spcFirstLastPara="1" wrap="square" lIns="91425" tIns="91425" rIns="91425" bIns="91425" anchor="ctr" anchorCtr="0">
             <a:normAutofit/>
           </a:bodyPr>
           <a:lstStyle>
@@ -2346,7 +2637,7 @@
             </a:lvl9pPr>
           </a:lstStyle>
           <a:p>
-            <a:pPr indent="0" lvl="0" marL="0" rtl="0" algn="r">
+            <a:pPr marL="0" lvl="0" indent="0" algn="r" rtl="0">
               <a:spcBef>
                 <a:spcPts val="0"/>
               </a:spcBef>
@@ -2372,11 +2663,11 @@
 </file>
 
 <file path=ppt/slideLayouts/slideLayout3.xml><?xml version="1.0" encoding="utf-8"?>
-<p:sldLayout xmlns:a="http://schemas.openxmlformats.org/drawingml/2006/main" xmlns:r="http://schemas.openxmlformats.org/officeDocument/2006/relationships" xmlns:mc="http://schemas.openxmlformats.org/markup-compatibility/2006" xmlns:mv="urn:schemas-microsoft-com:mac:vml" xmlns:p="http://schemas.openxmlformats.org/presentationml/2006/main" xmlns:c="http://schemas.openxmlformats.org/drawingml/2006/chart" xmlns:dgm="http://schemas.openxmlformats.org/drawingml/2006/diagram" xmlns:o="urn:schemas-microsoft-com:office:office" xmlns:v="urn:schemas-microsoft-com:vml" xmlns:pvml="urn:schemas-microsoft-com:office:powerpoint" xmlns:com="http://schemas.openxmlformats.org/drawingml/2006/compatibility" xmlns:p14="http://schemas.microsoft.com/office/powerpoint/2010/main" xmlns:p15="http://schemas.microsoft.com/office/powerpoint/2012/main" xmlns:ahyp="http://schemas.microsoft.com/office/drawing/2018/hyperlinkcolor" matchingName="Title and body" type="tx">
+<p:sldLayout xmlns:a="http://schemas.openxmlformats.org/drawingml/2006/main" xmlns:r="http://schemas.openxmlformats.org/officeDocument/2006/relationships" xmlns:p="http://schemas.openxmlformats.org/presentationml/2006/main" matchingName="Title and body" type="tx">
   <p:cSld name="TITLE_AND_BODY">
     <p:spTree>
       <p:nvGrpSpPr>
-        <p:cNvPr id="16" name="Shape 16"/>
+        <p:cNvPr id="1" name="Shape 16"/>
         <p:cNvGrpSpPr/>
         <p:nvPr/>
       </p:nvGrpSpPr>
@@ -2391,7 +2682,9 @@
       <p:sp>
         <p:nvSpPr>
           <p:cNvPr id="17" name="Google Shape;17;p4"/>
-          <p:cNvSpPr txBox="1"/>
+          <p:cNvSpPr txBox="1">
+            <a:spLocks noGrp="1"/>
+          </p:cNvSpPr>
           <p:nvPr>
             <p:ph type="title"/>
           </p:nvPr>
@@ -2406,7 +2699,7 @@
           </a:prstGeom>
         </p:spPr>
         <p:txBody>
-          <a:bodyPr anchorCtr="0" anchor="t" bIns="91425" lIns="91425" spcFirstLastPara="1" rIns="91425" wrap="square" tIns="91425">
+          <a:bodyPr spcFirstLastPara="1" wrap="square" lIns="91425" tIns="91425" rIns="91425" bIns="91425" anchor="t" anchorCtr="0">
             <a:normAutofit/>
           </a:bodyPr>
           <a:lstStyle>
@@ -2510,15 +2803,19 @@
               <a:defRPr/>
             </a:lvl9pPr>
           </a:lstStyle>
-          <a:p/>
+          <a:p>
+            <a:endParaRPr/>
+          </a:p>
         </p:txBody>
       </p:sp>
       <p:sp>
         <p:nvSpPr>
           <p:cNvPr id="18" name="Google Shape;18;p4"/>
-          <p:cNvSpPr txBox="1"/>
+          <p:cNvSpPr txBox="1">
+            <a:spLocks noGrp="1"/>
+          </p:cNvSpPr>
           <p:nvPr>
-            <p:ph idx="1" type="body"/>
+            <p:ph type="body" idx="1"/>
           </p:nvPr>
         </p:nvSpPr>
         <p:spPr>
@@ -2531,11 +2828,11 @@
           </a:prstGeom>
         </p:spPr>
         <p:txBody>
-          <a:bodyPr anchorCtr="0" anchor="t" bIns="91425" lIns="91425" spcFirstLastPara="1" rIns="91425" wrap="square" tIns="91425">
+          <a:bodyPr spcFirstLastPara="1" wrap="square" lIns="91425" tIns="91425" rIns="91425" bIns="91425" anchor="t" anchorCtr="0">
             <a:normAutofit/>
           </a:bodyPr>
           <a:lstStyle>
-            <a:lvl1pPr indent="-342900" lvl="0" marL="457200">
+            <a:lvl1pPr marL="457200" lvl="0" indent="-342900">
               <a:spcBef>
                 <a:spcPts val="0"/>
               </a:spcBef>
@@ -2546,7 +2843,7 @@
               <a:buChar char="●"/>
               <a:defRPr/>
             </a:lvl1pPr>
-            <a:lvl2pPr indent="-317500" lvl="1" marL="914400">
+            <a:lvl2pPr marL="914400" lvl="1" indent="-317500">
               <a:spcBef>
                 <a:spcPts val="0"/>
               </a:spcBef>
@@ -2557,7 +2854,7 @@
               <a:buChar char="○"/>
               <a:defRPr/>
             </a:lvl2pPr>
-            <a:lvl3pPr indent="-317500" lvl="2" marL="1371600">
+            <a:lvl3pPr marL="1371600" lvl="2" indent="-317500">
               <a:spcBef>
                 <a:spcPts val="0"/>
               </a:spcBef>
@@ -2568,7 +2865,7 @@
               <a:buChar char="■"/>
               <a:defRPr/>
             </a:lvl3pPr>
-            <a:lvl4pPr indent="-317500" lvl="3" marL="1828800">
+            <a:lvl4pPr marL="1828800" lvl="3" indent="-317500">
               <a:spcBef>
                 <a:spcPts val="0"/>
               </a:spcBef>
@@ -2579,7 +2876,7 @@
               <a:buChar char="●"/>
               <a:defRPr/>
             </a:lvl4pPr>
-            <a:lvl5pPr indent="-317500" lvl="4" marL="2286000">
+            <a:lvl5pPr marL="2286000" lvl="4" indent="-317500">
               <a:spcBef>
                 <a:spcPts val="0"/>
               </a:spcBef>
@@ -2590,7 +2887,7 @@
               <a:buChar char="○"/>
               <a:defRPr/>
             </a:lvl5pPr>
-            <a:lvl6pPr indent="-317500" lvl="5" marL="2743200">
+            <a:lvl6pPr marL="2743200" lvl="5" indent="-317500">
               <a:spcBef>
                 <a:spcPts val="0"/>
               </a:spcBef>
@@ -2601,7 +2898,7 @@
               <a:buChar char="■"/>
               <a:defRPr/>
             </a:lvl6pPr>
-            <a:lvl7pPr indent="-317500" lvl="6" marL="3200400">
+            <a:lvl7pPr marL="3200400" lvl="6" indent="-317500">
               <a:spcBef>
                 <a:spcPts val="0"/>
               </a:spcBef>
@@ -2612,7 +2909,7 @@
               <a:buChar char="●"/>
               <a:defRPr/>
             </a:lvl7pPr>
-            <a:lvl8pPr indent="-317500" lvl="7" marL="3657600">
+            <a:lvl8pPr marL="3657600" lvl="7" indent="-317500">
               <a:spcBef>
                 <a:spcPts val="0"/>
               </a:spcBef>
@@ -2623,7 +2920,7 @@
               <a:buChar char="○"/>
               <a:defRPr/>
             </a:lvl8pPr>
-            <a:lvl9pPr indent="-317500" lvl="8" marL="4114800">
+            <a:lvl9pPr marL="4114800" lvl="8" indent="-317500">
               <a:spcBef>
                 <a:spcPts val="0"/>
               </a:spcBef>
@@ -2635,15 +2932,19 @@
               <a:defRPr/>
             </a:lvl9pPr>
           </a:lstStyle>
-          <a:p/>
+          <a:p>
+            <a:endParaRPr/>
+          </a:p>
         </p:txBody>
       </p:sp>
       <p:sp>
         <p:nvSpPr>
           <p:cNvPr id="19" name="Google Shape;19;p4"/>
-          <p:cNvSpPr txBox="1"/>
+          <p:cNvSpPr txBox="1">
+            <a:spLocks noGrp="1"/>
+          </p:cNvSpPr>
           <p:nvPr>
-            <p:ph idx="12" type="sldNum"/>
+            <p:ph type="sldNum" idx="12"/>
           </p:nvPr>
         </p:nvSpPr>
         <p:spPr>
@@ -2656,7 +2957,7 @@
           </a:prstGeom>
         </p:spPr>
         <p:txBody>
-          <a:bodyPr anchorCtr="0" anchor="ctr" bIns="91425" lIns="91425" spcFirstLastPara="1" rIns="91425" wrap="square" tIns="91425">
+          <a:bodyPr spcFirstLastPara="1" wrap="square" lIns="91425" tIns="91425" rIns="91425" bIns="91425" anchor="ctr" anchorCtr="0">
             <a:normAutofit/>
           </a:bodyPr>
           <a:lstStyle>
@@ -2698,7 +2999,7 @@
             </a:lvl9pPr>
           </a:lstStyle>
           <a:p>
-            <a:pPr indent="0" lvl="0" marL="0" rtl="0" algn="r">
+            <a:pPr marL="0" lvl="0" indent="0" algn="r" rtl="0">
               <a:spcBef>
                 <a:spcPts val="0"/>
               </a:spcBef>
@@ -2724,11 +3025,11 @@
 </file>
 
 <file path=ppt/slideLayouts/slideLayout4.xml><?xml version="1.0" encoding="utf-8"?>
-<p:sldLayout xmlns:a="http://schemas.openxmlformats.org/drawingml/2006/main" xmlns:r="http://schemas.openxmlformats.org/officeDocument/2006/relationships" xmlns:mc="http://schemas.openxmlformats.org/markup-compatibility/2006" xmlns:mv="urn:schemas-microsoft-com:mac:vml" xmlns:p="http://schemas.openxmlformats.org/presentationml/2006/main" xmlns:c="http://schemas.openxmlformats.org/drawingml/2006/chart" xmlns:dgm="http://schemas.openxmlformats.org/drawingml/2006/diagram" xmlns:o="urn:schemas-microsoft-com:office:office" xmlns:v="urn:schemas-microsoft-com:vml" xmlns:pvml="urn:schemas-microsoft-com:office:powerpoint" xmlns:com="http://schemas.openxmlformats.org/drawingml/2006/compatibility" xmlns:p14="http://schemas.microsoft.com/office/powerpoint/2010/main" xmlns:p15="http://schemas.microsoft.com/office/powerpoint/2012/main" xmlns:ahyp="http://schemas.microsoft.com/office/drawing/2018/hyperlinkcolor" matchingName="Title and two columns" type="twoColTx">
+<p:sldLayout xmlns:a="http://schemas.openxmlformats.org/drawingml/2006/main" xmlns:r="http://schemas.openxmlformats.org/officeDocument/2006/relationships" xmlns:p="http://schemas.openxmlformats.org/presentationml/2006/main" matchingName="Title and two columns" type="twoColTx">
   <p:cSld name="TITLE_AND_TWO_COLUMNS">
     <p:spTree>
       <p:nvGrpSpPr>
-        <p:cNvPr id="20" name="Shape 20"/>
+        <p:cNvPr id="1" name="Shape 20"/>
         <p:cNvGrpSpPr/>
         <p:nvPr/>
       </p:nvGrpSpPr>
@@ -2743,7 +3044,9 @@
       <p:sp>
         <p:nvSpPr>
           <p:cNvPr id="21" name="Google Shape;21;p5"/>
-          <p:cNvSpPr txBox="1"/>
+          <p:cNvSpPr txBox="1">
+            <a:spLocks noGrp="1"/>
+          </p:cNvSpPr>
           <p:nvPr>
             <p:ph type="title"/>
           </p:nvPr>
@@ -2758,7 +3061,7 @@
           </a:prstGeom>
         </p:spPr>
         <p:txBody>
-          <a:bodyPr anchorCtr="0" anchor="t" bIns="91425" lIns="91425" spcFirstLastPara="1" rIns="91425" wrap="square" tIns="91425">
+          <a:bodyPr spcFirstLastPara="1" wrap="square" lIns="91425" tIns="91425" rIns="91425" bIns="91425" anchor="t" anchorCtr="0">
             <a:normAutofit/>
           </a:bodyPr>
           <a:lstStyle>
@@ -2862,15 +3165,19 @@
               <a:defRPr/>
             </a:lvl9pPr>
           </a:lstStyle>
-          <a:p/>
+          <a:p>
+            <a:endParaRPr/>
+          </a:p>
         </p:txBody>
       </p:sp>
       <p:sp>
         <p:nvSpPr>
           <p:cNvPr id="22" name="Google Shape;22;p5"/>
-          <p:cNvSpPr txBox="1"/>
+          <p:cNvSpPr txBox="1">
+            <a:spLocks noGrp="1"/>
+          </p:cNvSpPr>
           <p:nvPr>
-            <p:ph idx="1" type="body"/>
+            <p:ph type="body" idx="1"/>
           </p:nvPr>
         </p:nvSpPr>
         <p:spPr>
@@ -2883,11 +3190,11 @@
           </a:prstGeom>
         </p:spPr>
         <p:txBody>
-          <a:bodyPr anchorCtr="0" anchor="t" bIns="91425" lIns="91425" spcFirstLastPara="1" rIns="91425" wrap="square" tIns="91425">
+          <a:bodyPr spcFirstLastPara="1" wrap="square" lIns="91425" tIns="91425" rIns="91425" bIns="91425" anchor="t" anchorCtr="0">
             <a:normAutofit/>
           </a:bodyPr>
           <a:lstStyle>
-            <a:lvl1pPr indent="-317500" lvl="0" marL="457200">
+            <a:lvl1pPr marL="457200" lvl="0" indent="-317500">
               <a:spcBef>
                 <a:spcPts val="0"/>
               </a:spcBef>
@@ -2898,7 +3205,7 @@
               <a:buChar char="●"/>
               <a:defRPr sz="1400"/>
             </a:lvl1pPr>
-            <a:lvl2pPr indent="-304800" lvl="1" marL="914400">
+            <a:lvl2pPr marL="914400" lvl="1" indent="-304800">
               <a:spcBef>
                 <a:spcPts val="0"/>
               </a:spcBef>
@@ -2909,7 +3216,7 @@
               <a:buChar char="○"/>
               <a:defRPr sz="1200"/>
             </a:lvl2pPr>
-            <a:lvl3pPr indent="-304800" lvl="2" marL="1371600">
+            <a:lvl3pPr marL="1371600" lvl="2" indent="-304800">
               <a:spcBef>
                 <a:spcPts val="0"/>
               </a:spcBef>
@@ -2920,7 +3227,7 @@
               <a:buChar char="■"/>
               <a:defRPr sz="1200"/>
             </a:lvl3pPr>
-            <a:lvl4pPr indent="-304800" lvl="3" marL="1828800">
+            <a:lvl4pPr marL="1828800" lvl="3" indent="-304800">
               <a:spcBef>
                 <a:spcPts val="0"/>
               </a:spcBef>
@@ -2931,7 +3238,7 @@
               <a:buChar char="●"/>
               <a:defRPr sz="1200"/>
             </a:lvl4pPr>
-            <a:lvl5pPr indent="-304800" lvl="4" marL="2286000">
+            <a:lvl5pPr marL="2286000" lvl="4" indent="-304800">
               <a:spcBef>
                 <a:spcPts val="0"/>
               </a:spcBef>
@@ -2942,7 +3249,7 @@
               <a:buChar char="○"/>
               <a:defRPr sz="1200"/>
             </a:lvl5pPr>
-            <a:lvl6pPr indent="-304800" lvl="5" marL="2743200">
+            <a:lvl6pPr marL="2743200" lvl="5" indent="-304800">
               <a:spcBef>
                 <a:spcPts val="0"/>
               </a:spcBef>
@@ -2953,7 +3260,7 @@
               <a:buChar char="■"/>
               <a:defRPr sz="1200"/>
             </a:lvl6pPr>
-            <a:lvl7pPr indent="-304800" lvl="6" marL="3200400">
+            <a:lvl7pPr marL="3200400" lvl="6" indent="-304800">
               <a:spcBef>
                 <a:spcPts val="0"/>
               </a:spcBef>
@@ -2964,7 +3271,7 @@
               <a:buChar char="●"/>
               <a:defRPr sz="1200"/>
             </a:lvl7pPr>
-            <a:lvl8pPr indent="-304800" lvl="7" marL="3657600">
+            <a:lvl8pPr marL="3657600" lvl="7" indent="-304800">
               <a:spcBef>
                 <a:spcPts val="0"/>
               </a:spcBef>
@@ -2975,7 +3282,7 @@
               <a:buChar char="○"/>
               <a:defRPr sz="1200"/>
             </a:lvl8pPr>
-            <a:lvl9pPr indent="-304800" lvl="8" marL="4114800">
+            <a:lvl9pPr marL="4114800" lvl="8" indent="-304800">
               <a:spcBef>
                 <a:spcPts val="0"/>
               </a:spcBef>
@@ -2987,15 +3294,19 @@
               <a:defRPr sz="1200"/>
             </a:lvl9pPr>
           </a:lstStyle>
-          <a:p/>
+          <a:p>
+            <a:endParaRPr/>
+          </a:p>
         </p:txBody>
       </p:sp>
       <p:sp>
         <p:nvSpPr>
           <p:cNvPr id="23" name="Google Shape;23;p5"/>
-          <p:cNvSpPr txBox="1"/>
+          <p:cNvSpPr txBox="1">
+            <a:spLocks noGrp="1"/>
+          </p:cNvSpPr>
           <p:nvPr>
-            <p:ph idx="2" type="body"/>
+            <p:ph type="body" idx="2"/>
           </p:nvPr>
         </p:nvSpPr>
         <p:spPr>
@@ -3008,11 +3319,11 @@
           </a:prstGeom>
         </p:spPr>
         <p:txBody>
-          <a:bodyPr anchorCtr="0" anchor="t" bIns="91425" lIns="91425" spcFirstLastPara="1" rIns="91425" wrap="square" tIns="91425">
+          <a:bodyPr spcFirstLastPara="1" wrap="square" lIns="91425" tIns="91425" rIns="91425" bIns="91425" anchor="t" anchorCtr="0">
             <a:normAutofit/>
           </a:bodyPr>
           <a:lstStyle>
-            <a:lvl1pPr indent="-317500" lvl="0" marL="457200">
+            <a:lvl1pPr marL="457200" lvl="0" indent="-317500">
               <a:spcBef>
                 <a:spcPts val="0"/>
               </a:spcBef>
@@ -3023,7 +3334,7 @@
               <a:buChar char="●"/>
               <a:defRPr sz="1400"/>
             </a:lvl1pPr>
-            <a:lvl2pPr indent="-304800" lvl="1" marL="914400">
+            <a:lvl2pPr marL="914400" lvl="1" indent="-304800">
               <a:spcBef>
                 <a:spcPts val="0"/>
               </a:spcBef>
@@ -3034,7 +3345,7 @@
               <a:buChar char="○"/>
               <a:defRPr sz="1200"/>
             </a:lvl2pPr>
-            <a:lvl3pPr indent="-304800" lvl="2" marL="1371600">
+            <a:lvl3pPr marL="1371600" lvl="2" indent="-304800">
               <a:spcBef>
                 <a:spcPts val="0"/>
               </a:spcBef>
@@ -3045,7 +3356,7 @@
               <a:buChar char="■"/>
               <a:defRPr sz="1200"/>
             </a:lvl3pPr>
-            <a:lvl4pPr indent="-304800" lvl="3" marL="1828800">
+            <a:lvl4pPr marL="1828800" lvl="3" indent="-304800">
               <a:spcBef>
                 <a:spcPts val="0"/>
               </a:spcBef>
@@ -3056,7 +3367,7 @@
               <a:buChar char="●"/>
               <a:defRPr sz="1200"/>
             </a:lvl4pPr>
-            <a:lvl5pPr indent="-304800" lvl="4" marL="2286000">
+            <a:lvl5pPr marL="2286000" lvl="4" indent="-304800">
               <a:spcBef>
                 <a:spcPts val="0"/>
               </a:spcBef>
@@ -3067,7 +3378,7 @@
               <a:buChar char="○"/>
               <a:defRPr sz="1200"/>
             </a:lvl5pPr>
-            <a:lvl6pPr indent="-304800" lvl="5" marL="2743200">
+            <a:lvl6pPr marL="2743200" lvl="5" indent="-304800">
               <a:spcBef>
                 <a:spcPts val="0"/>
               </a:spcBef>
@@ -3078,7 +3389,7 @@
               <a:buChar char="■"/>
               <a:defRPr sz="1200"/>
             </a:lvl6pPr>
-            <a:lvl7pPr indent="-304800" lvl="6" marL="3200400">
+            <a:lvl7pPr marL="3200400" lvl="6" indent="-304800">
               <a:spcBef>
                 <a:spcPts val="0"/>
               </a:spcBef>
@@ -3089,7 +3400,7 @@
               <a:buChar char="●"/>
               <a:defRPr sz="1200"/>
             </a:lvl7pPr>
-            <a:lvl8pPr indent="-304800" lvl="7" marL="3657600">
+            <a:lvl8pPr marL="3657600" lvl="7" indent="-304800">
               <a:spcBef>
                 <a:spcPts val="0"/>
               </a:spcBef>
@@ -3100,7 +3411,7 @@
               <a:buChar char="○"/>
               <a:defRPr sz="1200"/>
             </a:lvl8pPr>
-            <a:lvl9pPr indent="-304800" lvl="8" marL="4114800">
+            <a:lvl9pPr marL="4114800" lvl="8" indent="-304800">
               <a:spcBef>
                 <a:spcPts val="0"/>
               </a:spcBef>
@@ -3112,15 +3423,19 @@
               <a:defRPr sz="1200"/>
             </a:lvl9pPr>
           </a:lstStyle>
-          <a:p/>
+          <a:p>
+            <a:endParaRPr/>
+          </a:p>
         </p:txBody>
       </p:sp>
       <p:sp>
         <p:nvSpPr>
           <p:cNvPr id="24" name="Google Shape;24;p5"/>
-          <p:cNvSpPr txBox="1"/>
+          <p:cNvSpPr txBox="1">
+            <a:spLocks noGrp="1"/>
+          </p:cNvSpPr>
           <p:nvPr>
-            <p:ph idx="12" type="sldNum"/>
+            <p:ph type="sldNum" idx="12"/>
           </p:nvPr>
         </p:nvSpPr>
         <p:spPr>
@@ -3133,7 +3448,7 @@
           </a:prstGeom>
         </p:spPr>
         <p:txBody>
-          <a:bodyPr anchorCtr="0" anchor="ctr" bIns="91425" lIns="91425" spcFirstLastPara="1" rIns="91425" wrap="square" tIns="91425">
+          <a:bodyPr spcFirstLastPara="1" wrap="square" lIns="91425" tIns="91425" rIns="91425" bIns="91425" anchor="ctr" anchorCtr="0">
             <a:normAutofit/>
           </a:bodyPr>
           <a:lstStyle>
@@ -3175,7 +3490,7 @@
             </a:lvl9pPr>
           </a:lstStyle>
           <a:p>
-            <a:pPr indent="0" lvl="0" marL="0" rtl="0" algn="r">
+            <a:pPr marL="0" lvl="0" indent="0" algn="r" rtl="0">
               <a:spcBef>
                 <a:spcPts val="0"/>
               </a:spcBef>
@@ -3201,11 +3516,11 @@
 </file>
 
 <file path=ppt/slideLayouts/slideLayout5.xml><?xml version="1.0" encoding="utf-8"?>
-<p:sldLayout xmlns:a="http://schemas.openxmlformats.org/drawingml/2006/main" xmlns:r="http://schemas.openxmlformats.org/officeDocument/2006/relationships" xmlns:mc="http://schemas.openxmlformats.org/markup-compatibility/2006" xmlns:mv="urn:schemas-microsoft-com:mac:vml" xmlns:p="http://schemas.openxmlformats.org/presentationml/2006/main" xmlns:c="http://schemas.openxmlformats.org/drawingml/2006/chart" xmlns:dgm="http://schemas.openxmlformats.org/drawingml/2006/diagram" xmlns:o="urn:schemas-microsoft-com:office:office" xmlns:v="urn:schemas-microsoft-com:vml" xmlns:pvml="urn:schemas-microsoft-com:office:powerpoint" xmlns:com="http://schemas.openxmlformats.org/drawingml/2006/compatibility" xmlns:p14="http://schemas.microsoft.com/office/powerpoint/2010/main" xmlns:p15="http://schemas.microsoft.com/office/powerpoint/2012/main" xmlns:ahyp="http://schemas.microsoft.com/office/drawing/2018/hyperlinkcolor" matchingName="Title only" type="titleOnly">
+<p:sldLayout xmlns:a="http://schemas.openxmlformats.org/drawingml/2006/main" xmlns:r="http://schemas.openxmlformats.org/officeDocument/2006/relationships" xmlns:p="http://schemas.openxmlformats.org/presentationml/2006/main" matchingName="Title only" type="titleOnly">
   <p:cSld name="TITLE_ONLY">
     <p:spTree>
       <p:nvGrpSpPr>
-        <p:cNvPr id="25" name="Shape 25"/>
+        <p:cNvPr id="1" name="Shape 25"/>
         <p:cNvGrpSpPr/>
         <p:nvPr/>
       </p:nvGrpSpPr>
@@ -3220,7 +3535,9 @@
       <p:sp>
         <p:nvSpPr>
           <p:cNvPr id="26" name="Google Shape;26;p6"/>
-          <p:cNvSpPr txBox="1"/>
+          <p:cNvSpPr txBox="1">
+            <a:spLocks noGrp="1"/>
+          </p:cNvSpPr>
           <p:nvPr>
             <p:ph type="title"/>
           </p:nvPr>
@@ -3235,7 +3552,7 @@
           </a:prstGeom>
         </p:spPr>
         <p:txBody>
-          <a:bodyPr anchorCtr="0" anchor="t" bIns="91425" lIns="91425" spcFirstLastPara="1" rIns="91425" wrap="square" tIns="91425">
+          <a:bodyPr spcFirstLastPara="1" wrap="square" lIns="91425" tIns="91425" rIns="91425" bIns="91425" anchor="t" anchorCtr="0">
             <a:normAutofit/>
           </a:bodyPr>
           <a:lstStyle>
@@ -3339,15 +3656,19 @@
               <a:defRPr/>
             </a:lvl9pPr>
           </a:lstStyle>
-          <a:p/>
+          <a:p>
+            <a:endParaRPr/>
+          </a:p>
         </p:txBody>
       </p:sp>
       <p:sp>
         <p:nvSpPr>
           <p:cNvPr id="27" name="Google Shape;27;p6"/>
-          <p:cNvSpPr txBox="1"/>
+          <p:cNvSpPr txBox="1">
+            <a:spLocks noGrp="1"/>
+          </p:cNvSpPr>
           <p:nvPr>
-            <p:ph idx="12" type="sldNum"/>
+            <p:ph type="sldNum" idx="12"/>
           </p:nvPr>
         </p:nvSpPr>
         <p:spPr>
@@ -3360,7 +3681,7 @@
           </a:prstGeom>
         </p:spPr>
         <p:txBody>
-          <a:bodyPr anchorCtr="0" anchor="ctr" bIns="91425" lIns="91425" spcFirstLastPara="1" rIns="91425" wrap="square" tIns="91425">
+          <a:bodyPr spcFirstLastPara="1" wrap="square" lIns="91425" tIns="91425" rIns="91425" bIns="91425" anchor="ctr" anchorCtr="0">
             <a:normAutofit/>
           </a:bodyPr>
           <a:lstStyle>
@@ -3402,7 +3723,7 @@
             </a:lvl9pPr>
           </a:lstStyle>
           <a:p>
-            <a:pPr indent="0" lvl="0" marL="0" rtl="0" algn="r">
+            <a:pPr marL="0" lvl="0" indent="0" algn="r" rtl="0">
               <a:spcBef>
                 <a:spcPts val="0"/>
               </a:spcBef>
@@ -3428,11 +3749,11 @@
 </file>
 
 <file path=ppt/slideLayouts/slideLayout6.xml><?xml version="1.0" encoding="utf-8"?>
-<p:sldLayout xmlns:a="http://schemas.openxmlformats.org/drawingml/2006/main" xmlns:r="http://schemas.openxmlformats.org/officeDocument/2006/relationships" xmlns:mc="http://schemas.openxmlformats.org/markup-compatibility/2006" xmlns:mv="urn:schemas-microsoft-com:mac:vml" xmlns:p="http://schemas.openxmlformats.org/presentationml/2006/main" xmlns:c="http://schemas.openxmlformats.org/drawingml/2006/chart" xmlns:dgm="http://schemas.openxmlformats.org/drawingml/2006/diagram" xmlns:o="urn:schemas-microsoft-com:office:office" xmlns:v="urn:schemas-microsoft-com:vml" xmlns:pvml="urn:schemas-microsoft-com:office:powerpoint" xmlns:com="http://schemas.openxmlformats.org/drawingml/2006/compatibility" xmlns:p14="http://schemas.microsoft.com/office/powerpoint/2010/main" xmlns:p15="http://schemas.microsoft.com/office/powerpoint/2012/main" xmlns:ahyp="http://schemas.microsoft.com/office/drawing/2018/hyperlinkcolor" matchingName="One column text">
+<p:sldLayout xmlns:a="http://schemas.openxmlformats.org/drawingml/2006/main" xmlns:r="http://schemas.openxmlformats.org/officeDocument/2006/relationships" xmlns:p="http://schemas.openxmlformats.org/presentationml/2006/main" matchingName="One column text">
   <p:cSld name="ONE_COLUMN_TEXT">
     <p:spTree>
       <p:nvGrpSpPr>
-        <p:cNvPr id="28" name="Shape 28"/>
+        <p:cNvPr id="1" name="Shape 28"/>
         <p:cNvGrpSpPr/>
         <p:nvPr/>
       </p:nvGrpSpPr>
@@ -3447,7 +3768,9 @@
       <p:sp>
         <p:nvSpPr>
           <p:cNvPr id="29" name="Google Shape;29;p7"/>
-          <p:cNvSpPr txBox="1"/>
+          <p:cNvSpPr txBox="1">
+            <a:spLocks noGrp="1"/>
+          </p:cNvSpPr>
           <p:nvPr>
             <p:ph type="title"/>
           </p:nvPr>
@@ -3462,7 +3785,7 @@
           </a:prstGeom>
         </p:spPr>
         <p:txBody>
-          <a:bodyPr anchorCtr="0" anchor="b" bIns="91425" lIns="91425" spcFirstLastPara="1" rIns="91425" wrap="square" tIns="91425">
+          <a:bodyPr spcFirstLastPara="1" wrap="square" lIns="91425" tIns="91425" rIns="91425" bIns="91425" anchor="b" anchorCtr="0">
             <a:normAutofit/>
           </a:bodyPr>
           <a:lstStyle>
@@ -3566,15 +3889,19 @@
               <a:defRPr sz="2400"/>
             </a:lvl9pPr>
           </a:lstStyle>
-          <a:p/>
+          <a:p>
+            <a:endParaRPr/>
+          </a:p>
         </p:txBody>
       </p:sp>
       <p:sp>
         <p:nvSpPr>
           <p:cNvPr id="30" name="Google Shape;30;p7"/>
-          <p:cNvSpPr txBox="1"/>
+          <p:cNvSpPr txBox="1">
+            <a:spLocks noGrp="1"/>
+          </p:cNvSpPr>
           <p:nvPr>
-            <p:ph idx="1" type="body"/>
+            <p:ph type="body" idx="1"/>
           </p:nvPr>
         </p:nvSpPr>
         <p:spPr>
@@ -3587,11 +3914,11 @@
           </a:prstGeom>
         </p:spPr>
         <p:txBody>
-          <a:bodyPr anchorCtr="0" anchor="t" bIns="91425" lIns="91425" spcFirstLastPara="1" rIns="91425" wrap="square" tIns="91425">
+          <a:bodyPr spcFirstLastPara="1" wrap="square" lIns="91425" tIns="91425" rIns="91425" bIns="91425" anchor="t" anchorCtr="0">
             <a:normAutofit/>
           </a:bodyPr>
           <a:lstStyle>
-            <a:lvl1pPr indent="-304800" lvl="0" marL="457200">
+            <a:lvl1pPr marL="457200" lvl="0" indent="-304800">
               <a:spcBef>
                 <a:spcPts val="0"/>
               </a:spcBef>
@@ -3602,7 +3929,7 @@
               <a:buChar char="●"/>
               <a:defRPr sz="1200"/>
             </a:lvl1pPr>
-            <a:lvl2pPr indent="-304800" lvl="1" marL="914400">
+            <a:lvl2pPr marL="914400" lvl="1" indent="-304800">
               <a:spcBef>
                 <a:spcPts val="0"/>
               </a:spcBef>
@@ -3613,7 +3940,7 @@
               <a:buChar char="○"/>
               <a:defRPr sz="1200"/>
             </a:lvl2pPr>
-            <a:lvl3pPr indent="-304800" lvl="2" marL="1371600">
+            <a:lvl3pPr marL="1371600" lvl="2" indent="-304800">
               <a:spcBef>
                 <a:spcPts val="0"/>
               </a:spcBef>
@@ -3624,7 +3951,7 @@
               <a:buChar char="■"/>
               <a:defRPr sz="1200"/>
             </a:lvl3pPr>
-            <a:lvl4pPr indent="-304800" lvl="3" marL="1828800">
+            <a:lvl4pPr marL="1828800" lvl="3" indent="-304800">
               <a:spcBef>
                 <a:spcPts val="0"/>
               </a:spcBef>
@@ -3635,7 +3962,7 @@
               <a:buChar char="●"/>
               <a:defRPr sz="1200"/>
             </a:lvl4pPr>
-            <a:lvl5pPr indent="-304800" lvl="4" marL="2286000">
+            <a:lvl5pPr marL="2286000" lvl="4" indent="-304800">
               <a:spcBef>
                 <a:spcPts val="0"/>
               </a:spcBef>
@@ -3646,7 +3973,7 @@
               <a:buChar char="○"/>
               <a:defRPr sz="1200"/>
             </a:lvl5pPr>
-            <a:lvl6pPr indent="-304800" lvl="5" marL="2743200">
+            <a:lvl6pPr marL="2743200" lvl="5" indent="-304800">
               <a:spcBef>
                 <a:spcPts val="0"/>
               </a:spcBef>
@@ -3657,7 +3984,7 @@
               <a:buChar char="■"/>
               <a:defRPr sz="1200"/>
             </a:lvl6pPr>
-            <a:lvl7pPr indent="-304800" lvl="6" marL="3200400">
+            <a:lvl7pPr marL="3200400" lvl="6" indent="-304800">
               <a:spcBef>
                 <a:spcPts val="0"/>
               </a:spcBef>
@@ -3668,7 +3995,7 @@
               <a:buChar char="●"/>
               <a:defRPr sz="1200"/>
             </a:lvl7pPr>
-            <a:lvl8pPr indent="-304800" lvl="7" marL="3657600">
+            <a:lvl8pPr marL="3657600" lvl="7" indent="-304800">
               <a:spcBef>
                 <a:spcPts val="0"/>
               </a:spcBef>
@@ -3679,7 +4006,7 @@
               <a:buChar char="○"/>
               <a:defRPr sz="1200"/>
             </a:lvl8pPr>
-            <a:lvl9pPr indent="-304800" lvl="8" marL="4114800">
+            <a:lvl9pPr marL="4114800" lvl="8" indent="-304800">
               <a:spcBef>
                 <a:spcPts val="0"/>
               </a:spcBef>
@@ -3691,15 +4018,19 @@
               <a:defRPr sz="1200"/>
             </a:lvl9pPr>
           </a:lstStyle>
-          <a:p/>
+          <a:p>
+            <a:endParaRPr/>
+          </a:p>
         </p:txBody>
       </p:sp>
       <p:sp>
         <p:nvSpPr>
           <p:cNvPr id="31" name="Google Shape;31;p7"/>
-          <p:cNvSpPr txBox="1"/>
+          <p:cNvSpPr txBox="1">
+            <a:spLocks noGrp="1"/>
+          </p:cNvSpPr>
           <p:nvPr>
-            <p:ph idx="12" type="sldNum"/>
+            <p:ph type="sldNum" idx="12"/>
           </p:nvPr>
         </p:nvSpPr>
         <p:spPr>
@@ -3712,7 +4043,7 @@
           </a:prstGeom>
         </p:spPr>
         <p:txBody>
-          <a:bodyPr anchorCtr="0" anchor="ctr" bIns="91425" lIns="91425" spcFirstLastPara="1" rIns="91425" wrap="square" tIns="91425">
+          <a:bodyPr spcFirstLastPara="1" wrap="square" lIns="91425" tIns="91425" rIns="91425" bIns="91425" anchor="ctr" anchorCtr="0">
             <a:normAutofit/>
           </a:bodyPr>
           <a:lstStyle>
@@ -3754,7 +4085,7 @@
             </a:lvl9pPr>
           </a:lstStyle>
           <a:p>
-            <a:pPr indent="0" lvl="0" marL="0" rtl="0" algn="r">
+            <a:pPr marL="0" lvl="0" indent="0" algn="r" rtl="0">
               <a:spcBef>
                 <a:spcPts val="0"/>
               </a:spcBef>
@@ -3780,11 +4111,11 @@
 </file>
 
 <file path=ppt/slideLayouts/slideLayout7.xml><?xml version="1.0" encoding="utf-8"?>
-<p:sldLayout xmlns:a="http://schemas.openxmlformats.org/drawingml/2006/main" xmlns:r="http://schemas.openxmlformats.org/officeDocument/2006/relationships" xmlns:mc="http://schemas.openxmlformats.org/markup-compatibility/2006" xmlns:mv="urn:schemas-microsoft-com:mac:vml" xmlns:p="http://schemas.openxmlformats.org/presentationml/2006/main" xmlns:c="http://schemas.openxmlformats.org/drawingml/2006/chart" xmlns:dgm="http://schemas.openxmlformats.org/drawingml/2006/diagram" xmlns:o="urn:schemas-microsoft-com:office:office" xmlns:v="urn:schemas-microsoft-com:vml" xmlns:pvml="urn:schemas-microsoft-com:office:powerpoint" xmlns:com="http://schemas.openxmlformats.org/drawingml/2006/compatibility" xmlns:p14="http://schemas.microsoft.com/office/powerpoint/2010/main" xmlns:p15="http://schemas.microsoft.com/office/powerpoint/2012/main" xmlns:ahyp="http://schemas.microsoft.com/office/drawing/2018/hyperlinkcolor" matchingName="Main point">
+<p:sldLayout xmlns:a="http://schemas.openxmlformats.org/drawingml/2006/main" xmlns:r="http://schemas.openxmlformats.org/officeDocument/2006/relationships" xmlns:p="http://schemas.openxmlformats.org/presentationml/2006/main" matchingName="Main point">
   <p:cSld name="MAIN_POINT">
     <p:spTree>
       <p:nvGrpSpPr>
-        <p:cNvPr id="32" name="Shape 32"/>
+        <p:cNvPr id="1" name="Shape 32"/>
         <p:cNvGrpSpPr/>
         <p:nvPr/>
       </p:nvGrpSpPr>
@@ -3799,7 +4130,9 @@
       <p:sp>
         <p:nvSpPr>
           <p:cNvPr id="33" name="Google Shape;33;p8"/>
-          <p:cNvSpPr txBox="1"/>
+          <p:cNvSpPr txBox="1">
+            <a:spLocks noGrp="1"/>
+          </p:cNvSpPr>
           <p:nvPr>
             <p:ph type="title"/>
           </p:nvPr>
@@ -3814,7 +4147,7 @@
           </a:prstGeom>
         </p:spPr>
         <p:txBody>
-          <a:bodyPr anchorCtr="0" anchor="ctr" bIns="91425" lIns="91425" spcFirstLastPara="1" rIns="91425" wrap="square" tIns="91425">
+          <a:bodyPr spcFirstLastPara="1" wrap="square" lIns="91425" tIns="91425" rIns="91425" bIns="91425" anchor="ctr" anchorCtr="0">
             <a:normAutofit/>
           </a:bodyPr>
           <a:lstStyle>
@@ -3918,15 +4251,19 @@
               <a:defRPr sz="4800"/>
             </a:lvl9pPr>
           </a:lstStyle>
-          <a:p/>
+          <a:p>
+            <a:endParaRPr/>
+          </a:p>
         </p:txBody>
       </p:sp>
       <p:sp>
         <p:nvSpPr>
           <p:cNvPr id="34" name="Google Shape;34;p8"/>
-          <p:cNvSpPr txBox="1"/>
+          <p:cNvSpPr txBox="1">
+            <a:spLocks noGrp="1"/>
+          </p:cNvSpPr>
           <p:nvPr>
-            <p:ph idx="12" type="sldNum"/>
+            <p:ph type="sldNum" idx="12"/>
           </p:nvPr>
         </p:nvSpPr>
         <p:spPr>
@@ -3939,7 +4276,7 @@
           </a:prstGeom>
         </p:spPr>
         <p:txBody>
-          <a:bodyPr anchorCtr="0" anchor="ctr" bIns="91425" lIns="91425" spcFirstLastPara="1" rIns="91425" wrap="square" tIns="91425">
+          <a:bodyPr spcFirstLastPara="1" wrap="square" lIns="91425" tIns="91425" rIns="91425" bIns="91425" anchor="ctr" anchorCtr="0">
             <a:normAutofit/>
           </a:bodyPr>
           <a:lstStyle>
@@ -3981,7 +4318,7 @@
             </a:lvl9pPr>
           </a:lstStyle>
           <a:p>
-            <a:pPr indent="0" lvl="0" marL="0" rtl="0" algn="r">
+            <a:pPr marL="0" lvl="0" indent="0" algn="r" rtl="0">
               <a:spcBef>
                 <a:spcPts val="0"/>
               </a:spcBef>
@@ -4007,11 +4344,11 @@
 </file>
 
 <file path=ppt/slideLayouts/slideLayout8.xml><?xml version="1.0" encoding="utf-8"?>
-<p:sldLayout xmlns:a="http://schemas.openxmlformats.org/drawingml/2006/main" xmlns:r="http://schemas.openxmlformats.org/officeDocument/2006/relationships" xmlns:mc="http://schemas.openxmlformats.org/markup-compatibility/2006" xmlns:mv="urn:schemas-microsoft-com:mac:vml" xmlns:p="http://schemas.openxmlformats.org/presentationml/2006/main" xmlns:c="http://schemas.openxmlformats.org/drawingml/2006/chart" xmlns:dgm="http://schemas.openxmlformats.org/drawingml/2006/diagram" xmlns:o="urn:schemas-microsoft-com:office:office" xmlns:v="urn:schemas-microsoft-com:vml" xmlns:pvml="urn:schemas-microsoft-com:office:powerpoint" xmlns:com="http://schemas.openxmlformats.org/drawingml/2006/compatibility" xmlns:p14="http://schemas.microsoft.com/office/powerpoint/2010/main" xmlns:p15="http://schemas.microsoft.com/office/powerpoint/2012/main" xmlns:ahyp="http://schemas.microsoft.com/office/drawing/2018/hyperlinkcolor" matchingName="Section title and description">
+<p:sldLayout xmlns:a="http://schemas.openxmlformats.org/drawingml/2006/main" xmlns:r="http://schemas.openxmlformats.org/officeDocument/2006/relationships" xmlns:p="http://schemas.openxmlformats.org/presentationml/2006/main" matchingName="Section title and description">
   <p:cSld name="SECTION_TITLE_AND_DESCRIPTION">
     <p:spTree>
       <p:nvGrpSpPr>
-        <p:cNvPr id="35" name="Shape 35"/>
+        <p:cNvPr id="1" name="Shape 35"/>
         <p:cNvGrpSpPr/>
         <p:nvPr/>
       </p:nvGrpSpPr>
@@ -4045,12 +4382,12 @@
           </a:ln>
         </p:spPr>
         <p:txBody>
-          <a:bodyPr anchorCtr="0" anchor="ctr" bIns="91425" lIns="91425" spcFirstLastPara="1" rIns="91425" wrap="square" tIns="91425">
+          <a:bodyPr spcFirstLastPara="1" wrap="square" lIns="91425" tIns="91425" rIns="91425" bIns="91425" anchor="ctr" anchorCtr="0">
             <a:noAutofit/>
           </a:bodyPr>
           <a:lstStyle/>
           <a:p>
-            <a:pPr indent="0" lvl="0" marL="0" rtl="0" algn="l">
+            <a:pPr marL="0" lvl="0" indent="0" algn="l" rtl="0">
               <a:spcBef>
                 <a:spcPts val="0"/>
               </a:spcBef>
@@ -4059,9 +4396,6 @@
               </a:spcAft>
               <a:buNone/>
             </a:pPr>
-            <a:r>
-              <a:t/>
-            </a:r>
             <a:endParaRPr/>
           </a:p>
         </p:txBody>
@@ -4069,7 +4403,9 @@
       <p:sp>
         <p:nvSpPr>
           <p:cNvPr id="37" name="Google Shape;37;p9"/>
-          <p:cNvSpPr txBox="1"/>
+          <p:cNvSpPr txBox="1">
+            <a:spLocks noGrp="1"/>
+          </p:cNvSpPr>
           <p:nvPr>
             <p:ph type="title"/>
           </p:nvPr>
@@ -4084,7 +4420,7 @@
           </a:prstGeom>
         </p:spPr>
         <p:txBody>
-          <a:bodyPr anchorCtr="0" anchor="b" bIns="91425" lIns="91425" spcFirstLastPara="1" rIns="91425" wrap="square" tIns="91425">
+          <a:bodyPr spcFirstLastPara="1" wrap="square" lIns="91425" tIns="91425" rIns="91425" bIns="91425" anchor="b" anchorCtr="0">
             <a:normAutofit/>
           </a:bodyPr>
           <a:lstStyle>
@@ -4188,15 +4524,19 @@
               <a:defRPr sz="4200"/>
             </a:lvl9pPr>
           </a:lstStyle>
-          <a:p/>
+          <a:p>
+            <a:endParaRPr/>
+          </a:p>
         </p:txBody>
       </p:sp>
       <p:sp>
         <p:nvSpPr>
           <p:cNvPr id="38" name="Google Shape;38;p9"/>
-          <p:cNvSpPr txBox="1"/>
+          <p:cNvSpPr txBox="1">
+            <a:spLocks noGrp="1"/>
+          </p:cNvSpPr>
           <p:nvPr>
-            <p:ph idx="1" type="subTitle"/>
+            <p:ph type="subTitle" idx="1"/>
           </p:nvPr>
         </p:nvSpPr>
         <p:spPr>
@@ -4209,7 +4549,7 @@
           </a:prstGeom>
         </p:spPr>
         <p:txBody>
-          <a:bodyPr anchorCtr="0" anchor="t" bIns="91425" lIns="91425" spcFirstLastPara="1" rIns="91425" wrap="square" tIns="91425">
+          <a:bodyPr spcFirstLastPara="1" wrap="square" lIns="91425" tIns="91425" rIns="91425" bIns="91425" anchor="t" anchorCtr="0">
             <a:normAutofit/>
           </a:bodyPr>
           <a:lstStyle>
@@ -4340,15 +4680,19 @@
               <a:defRPr sz="2100"/>
             </a:lvl9pPr>
           </a:lstStyle>
-          <a:p/>
+          <a:p>
+            <a:endParaRPr/>
+          </a:p>
         </p:txBody>
       </p:sp>
       <p:sp>
         <p:nvSpPr>
           <p:cNvPr id="39" name="Google Shape;39;p9"/>
-          <p:cNvSpPr txBox="1"/>
+          <p:cNvSpPr txBox="1">
+            <a:spLocks noGrp="1"/>
+          </p:cNvSpPr>
           <p:nvPr>
-            <p:ph idx="2" type="body"/>
+            <p:ph type="body" idx="2"/>
           </p:nvPr>
         </p:nvSpPr>
         <p:spPr>
@@ -4361,11 +4705,11 @@
           </a:prstGeom>
         </p:spPr>
         <p:txBody>
-          <a:bodyPr anchorCtr="0" anchor="ctr" bIns="91425" lIns="91425" spcFirstLastPara="1" rIns="91425" wrap="square" tIns="91425">
+          <a:bodyPr spcFirstLastPara="1" wrap="square" lIns="91425" tIns="91425" rIns="91425" bIns="91425" anchor="ctr" anchorCtr="0">
             <a:normAutofit/>
           </a:bodyPr>
           <a:lstStyle>
-            <a:lvl1pPr indent="-342900" lvl="0" marL="457200">
+            <a:lvl1pPr marL="457200" lvl="0" indent="-342900">
               <a:spcBef>
                 <a:spcPts val="0"/>
               </a:spcBef>
@@ -4376,7 +4720,7 @@
               <a:buChar char="●"/>
               <a:defRPr/>
             </a:lvl1pPr>
-            <a:lvl2pPr indent="-317500" lvl="1" marL="914400">
+            <a:lvl2pPr marL="914400" lvl="1" indent="-317500">
               <a:spcBef>
                 <a:spcPts val="0"/>
               </a:spcBef>
@@ -4387,7 +4731,7 @@
               <a:buChar char="○"/>
               <a:defRPr/>
             </a:lvl2pPr>
-            <a:lvl3pPr indent="-317500" lvl="2" marL="1371600">
+            <a:lvl3pPr marL="1371600" lvl="2" indent="-317500">
               <a:spcBef>
                 <a:spcPts val="0"/>
               </a:spcBef>
@@ -4398,7 +4742,7 @@
               <a:buChar char="■"/>
               <a:defRPr/>
             </a:lvl3pPr>
-            <a:lvl4pPr indent="-317500" lvl="3" marL="1828800">
+            <a:lvl4pPr marL="1828800" lvl="3" indent="-317500">
               <a:spcBef>
                 <a:spcPts val="0"/>
               </a:spcBef>
@@ -4409,7 +4753,7 @@
               <a:buChar char="●"/>
               <a:defRPr/>
             </a:lvl4pPr>
-            <a:lvl5pPr indent="-317500" lvl="4" marL="2286000">
+            <a:lvl5pPr marL="2286000" lvl="4" indent="-317500">
               <a:spcBef>
                 <a:spcPts val="0"/>
               </a:spcBef>
@@ -4420,7 +4764,7 @@
               <a:buChar char="○"/>
               <a:defRPr/>
             </a:lvl5pPr>
-            <a:lvl6pPr indent="-317500" lvl="5" marL="2743200">
+            <a:lvl6pPr marL="2743200" lvl="5" indent="-317500">
               <a:spcBef>
                 <a:spcPts val="0"/>
               </a:spcBef>
@@ -4431,7 +4775,7 @@
               <a:buChar char="■"/>
               <a:defRPr/>
             </a:lvl6pPr>
-            <a:lvl7pPr indent="-317500" lvl="6" marL="3200400">
+            <a:lvl7pPr marL="3200400" lvl="6" indent="-317500">
               <a:spcBef>
                 <a:spcPts val="0"/>
               </a:spcBef>
@@ -4442,7 +4786,7 @@
               <a:buChar char="●"/>
               <a:defRPr/>
             </a:lvl7pPr>
-            <a:lvl8pPr indent="-317500" lvl="7" marL="3657600">
+            <a:lvl8pPr marL="3657600" lvl="7" indent="-317500">
               <a:spcBef>
                 <a:spcPts val="0"/>
               </a:spcBef>
@@ -4453,7 +4797,7 @@
               <a:buChar char="○"/>
               <a:defRPr/>
             </a:lvl8pPr>
-            <a:lvl9pPr indent="-317500" lvl="8" marL="4114800">
+            <a:lvl9pPr marL="4114800" lvl="8" indent="-317500">
               <a:spcBef>
                 <a:spcPts val="0"/>
               </a:spcBef>
@@ -4465,15 +4809,19 @@
               <a:defRPr/>
             </a:lvl9pPr>
           </a:lstStyle>
-          <a:p/>
+          <a:p>
+            <a:endParaRPr/>
+          </a:p>
         </p:txBody>
       </p:sp>
       <p:sp>
         <p:nvSpPr>
           <p:cNvPr id="40" name="Google Shape;40;p9"/>
-          <p:cNvSpPr txBox="1"/>
+          <p:cNvSpPr txBox="1">
+            <a:spLocks noGrp="1"/>
+          </p:cNvSpPr>
           <p:nvPr>
-            <p:ph idx="12" type="sldNum"/>
+            <p:ph type="sldNum" idx="12"/>
           </p:nvPr>
         </p:nvSpPr>
         <p:spPr>
@@ -4486,7 +4834,7 @@
           </a:prstGeom>
         </p:spPr>
         <p:txBody>
-          <a:bodyPr anchorCtr="0" anchor="ctr" bIns="91425" lIns="91425" spcFirstLastPara="1" rIns="91425" wrap="square" tIns="91425">
+          <a:bodyPr spcFirstLastPara="1" wrap="square" lIns="91425" tIns="91425" rIns="91425" bIns="91425" anchor="ctr" anchorCtr="0">
             <a:normAutofit/>
           </a:bodyPr>
           <a:lstStyle>
@@ -4528,7 +4876,7 @@
             </a:lvl9pPr>
           </a:lstStyle>
           <a:p>
-            <a:pPr indent="0" lvl="0" marL="0" rtl="0" algn="r">
+            <a:pPr marL="0" lvl="0" indent="0" algn="r" rtl="0">
               <a:spcBef>
                 <a:spcPts val="0"/>
               </a:spcBef>
@@ -4554,11 +4902,11 @@
 </file>
 
 <file path=ppt/slideLayouts/slideLayout9.xml><?xml version="1.0" encoding="utf-8"?>
-<p:sldLayout xmlns:a="http://schemas.openxmlformats.org/drawingml/2006/main" xmlns:r="http://schemas.openxmlformats.org/officeDocument/2006/relationships" xmlns:mc="http://schemas.openxmlformats.org/markup-compatibility/2006" xmlns:mv="urn:schemas-microsoft-com:mac:vml" xmlns:p="http://schemas.openxmlformats.org/presentationml/2006/main" xmlns:c="http://schemas.openxmlformats.org/drawingml/2006/chart" xmlns:dgm="http://schemas.openxmlformats.org/drawingml/2006/diagram" xmlns:o="urn:schemas-microsoft-com:office:office" xmlns:v="urn:schemas-microsoft-com:vml" xmlns:pvml="urn:schemas-microsoft-com:office:powerpoint" xmlns:com="http://schemas.openxmlformats.org/drawingml/2006/compatibility" xmlns:p14="http://schemas.microsoft.com/office/powerpoint/2010/main" xmlns:p15="http://schemas.microsoft.com/office/powerpoint/2012/main" xmlns:ahyp="http://schemas.microsoft.com/office/drawing/2018/hyperlinkcolor" matchingName="Caption">
+<p:sldLayout xmlns:a="http://schemas.openxmlformats.org/drawingml/2006/main" xmlns:r="http://schemas.openxmlformats.org/officeDocument/2006/relationships" xmlns:p="http://schemas.openxmlformats.org/presentationml/2006/main" matchingName="Caption">
   <p:cSld name="CAPTION_ONLY">
     <p:spTree>
       <p:nvGrpSpPr>
-        <p:cNvPr id="41" name="Shape 41"/>
+        <p:cNvPr id="1" name="Shape 41"/>
         <p:cNvGrpSpPr/>
         <p:nvPr/>
       </p:nvGrpSpPr>
@@ -4573,9 +4921,11 @@
       <p:sp>
         <p:nvSpPr>
           <p:cNvPr id="42" name="Google Shape;42;p10"/>
-          <p:cNvSpPr txBox="1"/>
+          <p:cNvSpPr txBox="1">
+            <a:spLocks noGrp="1"/>
+          </p:cNvSpPr>
           <p:nvPr>
-            <p:ph idx="1" type="body"/>
+            <p:ph type="body" idx="1"/>
           </p:nvPr>
         </p:nvSpPr>
         <p:spPr>
@@ -4588,11 +4938,11 @@
           </a:prstGeom>
         </p:spPr>
         <p:txBody>
-          <a:bodyPr anchorCtr="0" anchor="ctr" bIns="91425" lIns="91425" spcFirstLastPara="1" rIns="91425" wrap="square" tIns="91425">
+          <a:bodyPr spcFirstLastPara="1" wrap="square" lIns="91425" tIns="91425" rIns="91425" bIns="91425" anchor="ctr" anchorCtr="0">
             <a:normAutofit/>
           </a:bodyPr>
           <a:lstStyle>
-            <a:lvl1pPr indent="-228600" lvl="0" marL="457200">
+            <a:lvl1pPr marL="457200" lvl="0" indent="-228600">
               <a:lnSpc>
                 <a:spcPct val="100000"/>
               </a:lnSpc>
@@ -4607,15 +4957,19 @@
               <a:defRPr/>
             </a:lvl1pPr>
           </a:lstStyle>
-          <a:p/>
+          <a:p>
+            <a:endParaRPr/>
+          </a:p>
         </p:txBody>
       </p:sp>
       <p:sp>
         <p:nvSpPr>
           <p:cNvPr id="43" name="Google Shape;43;p10"/>
-          <p:cNvSpPr txBox="1"/>
+          <p:cNvSpPr txBox="1">
+            <a:spLocks noGrp="1"/>
+          </p:cNvSpPr>
           <p:nvPr>
-            <p:ph idx="12" type="sldNum"/>
+            <p:ph type="sldNum" idx="12"/>
           </p:nvPr>
         </p:nvSpPr>
         <p:spPr>
@@ -4628,7 +4982,7 @@
           </a:prstGeom>
         </p:spPr>
         <p:txBody>
-          <a:bodyPr anchorCtr="0" anchor="ctr" bIns="91425" lIns="91425" spcFirstLastPara="1" rIns="91425" wrap="square" tIns="91425">
+          <a:bodyPr spcFirstLastPara="1" wrap="square" lIns="91425" tIns="91425" rIns="91425" bIns="91425" anchor="ctr" anchorCtr="0">
             <a:normAutofit/>
           </a:bodyPr>
           <a:lstStyle>
@@ -4670,7 +5024,7 @@
             </a:lvl9pPr>
           </a:lstStyle>
           <a:p>
-            <a:pPr indent="0" lvl="0" marL="0" rtl="0" algn="r">
+            <a:pPr marL="0" lvl="0" indent="0" algn="r" rtl="0">
               <a:spcBef>
                 <a:spcPts val="0"/>
               </a:spcBef>
@@ -4696,18 +5050,19 @@
 </file>
 
 <file path=ppt/slideMasters/slideMaster1.xml><?xml version="1.0" encoding="utf-8"?>
-<p:sldMaster xmlns:a="http://schemas.openxmlformats.org/drawingml/2006/main" xmlns:r="http://schemas.openxmlformats.org/officeDocument/2006/relationships" xmlns:mc="http://schemas.openxmlformats.org/markup-compatibility/2006" xmlns:mv="urn:schemas-microsoft-com:mac:vml" xmlns:p="http://schemas.openxmlformats.org/presentationml/2006/main" xmlns:c="http://schemas.openxmlformats.org/drawingml/2006/chart" xmlns:dgm="http://schemas.openxmlformats.org/drawingml/2006/diagram" xmlns:o="urn:schemas-microsoft-com:office:office" xmlns:v="urn:schemas-microsoft-com:vml" xmlns:pvml="urn:schemas-microsoft-com:office:powerpoint" xmlns:com="http://schemas.openxmlformats.org/drawingml/2006/compatibility" xmlns:p14="http://schemas.microsoft.com/office/powerpoint/2010/main" xmlns:p15="http://schemas.microsoft.com/office/powerpoint/2012/main" xmlns:ahyp="http://schemas.microsoft.com/office/drawing/2018/hyperlinkcolor">
+<p:sldMaster xmlns:a="http://schemas.openxmlformats.org/drawingml/2006/main" xmlns:r="http://schemas.openxmlformats.org/officeDocument/2006/relationships" xmlns:p="http://schemas.openxmlformats.org/presentationml/2006/main">
   <p:cSld name="simple-light-2">
     <p:bg>
       <p:bgPr>
         <a:solidFill>
           <a:schemeClr val="lt1"/>
         </a:solidFill>
+        <a:effectLst/>
       </p:bgPr>
     </p:bg>
     <p:spTree>
       <p:nvGrpSpPr>
-        <p:cNvPr id="5" name="Shape 5"/>
+        <p:cNvPr id="1" name="Shape 5"/>
         <p:cNvGrpSpPr/>
         <p:nvPr/>
       </p:nvGrpSpPr>
@@ -4722,7 +5077,9 @@
       <p:sp>
         <p:nvSpPr>
           <p:cNvPr id="6" name="Google Shape;6;p1"/>
-          <p:cNvSpPr txBox="1"/>
+          <p:cNvSpPr txBox="1">
+            <a:spLocks noGrp="1"/>
+          </p:cNvSpPr>
           <p:nvPr>
             <p:ph type="title"/>
           </p:nvPr>
@@ -4741,7 +5098,7 @@
           </a:ln>
         </p:spPr>
         <p:txBody>
-          <a:bodyPr anchorCtr="0" anchor="t" bIns="91425" lIns="91425" spcFirstLastPara="1" rIns="91425" wrap="square" tIns="91425">
+          <a:bodyPr spcFirstLastPara="1" wrap="square" lIns="91425" tIns="91425" rIns="91425" bIns="91425" anchor="t" anchorCtr="0">
             <a:normAutofit/>
           </a:bodyPr>
           <a:lstStyle>
@@ -4908,15 +5265,19 @@
               </a:defRPr>
             </a:lvl9pPr>
           </a:lstStyle>
-          <a:p/>
+          <a:p>
+            <a:endParaRPr/>
+          </a:p>
         </p:txBody>
       </p:sp>
       <p:sp>
         <p:nvSpPr>
           <p:cNvPr id="7" name="Google Shape;7;p1"/>
-          <p:cNvSpPr txBox="1"/>
+          <p:cNvSpPr txBox="1">
+            <a:spLocks noGrp="1"/>
+          </p:cNvSpPr>
           <p:nvPr>
-            <p:ph idx="1" type="body"/>
+            <p:ph type="body" idx="1"/>
           </p:nvPr>
         </p:nvSpPr>
         <p:spPr>
@@ -4933,11 +5294,11 @@
           </a:ln>
         </p:spPr>
         <p:txBody>
-          <a:bodyPr anchorCtr="0" anchor="t" bIns="91425" lIns="91425" spcFirstLastPara="1" rIns="91425" wrap="square" tIns="91425">
+          <a:bodyPr spcFirstLastPara="1" wrap="square" lIns="91425" tIns="91425" rIns="91425" bIns="91425" anchor="t" anchorCtr="0">
             <a:normAutofit/>
           </a:bodyPr>
           <a:lstStyle>
-            <a:lvl1pPr indent="-342900" lvl="0" marL="457200">
+            <a:lvl1pPr marL="457200" lvl="0" indent="-342900">
               <a:lnSpc>
                 <a:spcPct val="115000"/>
               </a:lnSpc>
@@ -4958,7 +5319,7 @@
                 </a:solidFill>
               </a:defRPr>
             </a:lvl1pPr>
-            <a:lvl2pPr indent="-317500" lvl="1" marL="914400">
+            <a:lvl2pPr marL="914400" lvl="1" indent="-317500">
               <a:lnSpc>
                 <a:spcPct val="115000"/>
               </a:lnSpc>
@@ -4979,7 +5340,7 @@
                 </a:solidFill>
               </a:defRPr>
             </a:lvl2pPr>
-            <a:lvl3pPr indent="-317500" lvl="2" marL="1371600">
+            <a:lvl3pPr marL="1371600" lvl="2" indent="-317500">
               <a:lnSpc>
                 <a:spcPct val="115000"/>
               </a:lnSpc>
@@ -5000,7 +5361,7 @@
                 </a:solidFill>
               </a:defRPr>
             </a:lvl3pPr>
-            <a:lvl4pPr indent="-317500" lvl="3" marL="1828800">
+            <a:lvl4pPr marL="1828800" lvl="3" indent="-317500">
               <a:lnSpc>
                 <a:spcPct val="115000"/>
               </a:lnSpc>
@@ -5021,7 +5382,7 @@
                 </a:solidFill>
               </a:defRPr>
             </a:lvl4pPr>
-            <a:lvl5pPr indent="-317500" lvl="4" marL="2286000">
+            <a:lvl5pPr marL="2286000" lvl="4" indent="-317500">
               <a:lnSpc>
                 <a:spcPct val="115000"/>
               </a:lnSpc>
@@ -5042,7 +5403,7 @@
                 </a:solidFill>
               </a:defRPr>
             </a:lvl5pPr>
-            <a:lvl6pPr indent="-317500" lvl="5" marL="2743200">
+            <a:lvl6pPr marL="2743200" lvl="5" indent="-317500">
               <a:lnSpc>
                 <a:spcPct val="115000"/>
               </a:lnSpc>
@@ -5063,7 +5424,7 @@
                 </a:solidFill>
               </a:defRPr>
             </a:lvl6pPr>
-            <a:lvl7pPr indent="-317500" lvl="6" marL="3200400">
+            <a:lvl7pPr marL="3200400" lvl="6" indent="-317500">
               <a:lnSpc>
                 <a:spcPct val="115000"/>
               </a:lnSpc>
@@ -5084,7 +5445,7 @@
                 </a:solidFill>
               </a:defRPr>
             </a:lvl7pPr>
-            <a:lvl8pPr indent="-317500" lvl="7" marL="3657600">
+            <a:lvl8pPr marL="3657600" lvl="7" indent="-317500">
               <a:lnSpc>
                 <a:spcPct val="115000"/>
               </a:lnSpc>
@@ -5105,7 +5466,7 @@
                 </a:solidFill>
               </a:defRPr>
             </a:lvl8pPr>
-            <a:lvl9pPr indent="-317500" lvl="8" marL="4114800">
+            <a:lvl9pPr marL="4114800" lvl="8" indent="-317500">
               <a:lnSpc>
                 <a:spcPct val="115000"/>
               </a:lnSpc>
@@ -5127,15 +5488,19 @@
               </a:defRPr>
             </a:lvl9pPr>
           </a:lstStyle>
-          <a:p/>
+          <a:p>
+            <a:endParaRPr/>
+          </a:p>
         </p:txBody>
       </p:sp>
       <p:sp>
         <p:nvSpPr>
           <p:cNvPr id="8" name="Google Shape;8;p1"/>
-          <p:cNvSpPr txBox="1"/>
+          <p:cNvSpPr txBox="1">
+            <a:spLocks noGrp="1"/>
+          </p:cNvSpPr>
           <p:nvPr>
-            <p:ph idx="12" type="sldNum"/>
+            <p:ph type="sldNum" idx="12"/>
           </p:nvPr>
         </p:nvSpPr>
         <p:spPr>
@@ -5152,7 +5517,7 @@
           </a:ln>
         </p:spPr>
         <p:txBody>
-          <a:bodyPr anchorCtr="0" anchor="ctr" bIns="91425" lIns="91425" spcFirstLastPara="1" rIns="91425" wrap="square" tIns="91425">
+          <a:bodyPr spcFirstLastPara="1" wrap="square" lIns="91425" tIns="91425" rIns="91425" bIns="91425" anchor="ctr" anchorCtr="0">
             <a:normAutofit/>
           </a:bodyPr>
           <a:lstStyle>
@@ -5230,7 +5595,7 @@
             </a:lvl9pPr>
           </a:lstStyle>
           <a:p>
-            <a:pPr indent="0" lvl="0" marL="0" rtl="0" algn="r">
+            <a:pPr marL="0" lvl="0" indent="0" algn="r" rtl="0">
               <a:spcBef>
                 <a:spcPts val="0"/>
               </a:spcBef>
@@ -5249,7 +5614,7 @@
       </p:sp>
     </p:spTree>
   </p:cSld>
-  <p:clrMap accent1="accent1" accent2="accent2" accent3="accent3" accent4="accent4" accent5="accent5" accent6="accent6" bg1="lt1" bg2="dk2" tx1="dk1" tx2="lt2" folHlink="folHlink" hlink="hlink"/>
+  <p:clrMap bg1="lt1" tx1="dk1" bg2="dk2" tx2="lt2" accent1="accent1" accent2="accent2" accent3="accent3" accent4="accent4" accent5="accent5" accent6="accent6" hlink="hlink" folHlink="folHlink"/>
   <p:sldLayoutIdLst>
     <p:sldLayoutId id="2147483648" r:id="rId1"/>
     <p:sldLayoutId id="2147483649" r:id="rId2"/>
@@ -5263,10 +5628,10 @@
     <p:sldLayoutId id="2147483657" r:id="rId10"/>
     <p:sldLayoutId id="2147483658" r:id="rId11"/>
   </p:sldLayoutIdLst>
-  <p:hf dt="0" ftr="0" hdr="0" sldNum="0"/>
+  <p:hf sldNum="0" hdr="0" ftr="0" dt="0"/>
   <p:txStyles>
     <p:titleStyle>
-      <a:defPPr lvl="0" marR="0" rtl="0" algn="l">
+      <a:defPPr marR="0" lvl="0" algn="l" rtl="0">
         <a:lnSpc>
           <a:spcPct val="100000"/>
         </a:lnSpc>
@@ -5277,7 +5642,7 @@
           <a:spcPts val="0"/>
         </a:spcAft>
       </a:defPPr>
-      <a:lvl1pPr lvl="0" marR="0" rtl="0" algn="l">
+      <a:lvl1pPr marR="0" lvl="0" algn="l" rtl="0">
         <a:lnSpc>
           <a:spcPct val="100000"/>
         </a:lnSpc>
@@ -5291,7 +5656,7 @@
           <a:srgbClr val="000000"/>
         </a:buClr>
         <a:buFont typeface="Arial"/>
-        <a:defRPr b="0" i="0" sz="1400" u="none" cap="none" strike="noStrike">
+        <a:defRPr sz="1400" b="0" i="0" u="none" strike="noStrike" cap="none">
           <a:solidFill>
             <a:srgbClr val="000000"/>
           </a:solidFill>
@@ -5301,7 +5666,7 @@
           <a:sym typeface="Arial"/>
         </a:defRPr>
       </a:lvl1pPr>
-      <a:lvl2pPr lvl="1" marR="0" rtl="0" algn="l">
+      <a:lvl2pPr marR="0" lvl="1" algn="l" rtl="0">
         <a:lnSpc>
           <a:spcPct val="100000"/>
         </a:lnSpc>
@@ -5315,7 +5680,7 @@
           <a:srgbClr val="000000"/>
         </a:buClr>
         <a:buFont typeface="Arial"/>
-        <a:defRPr b="0" i="0" sz="1400" u="none" cap="none" strike="noStrike">
+        <a:defRPr sz="1400" b="0" i="0" u="none" strike="noStrike" cap="none">
           <a:solidFill>
             <a:srgbClr val="000000"/>
           </a:solidFill>
@@ -5325,7 +5690,7 @@
           <a:sym typeface="Arial"/>
         </a:defRPr>
       </a:lvl2pPr>
-      <a:lvl3pPr lvl="2" marR="0" rtl="0" algn="l">
+      <a:lvl3pPr marR="0" lvl="2" algn="l" rtl="0">
         <a:lnSpc>
           <a:spcPct val="100000"/>
         </a:lnSpc>
@@ -5339,7 +5704,7 @@
           <a:srgbClr val="000000"/>
         </a:buClr>
         <a:buFont typeface="Arial"/>
-        <a:defRPr b="0" i="0" sz="1400" u="none" cap="none" strike="noStrike">
+        <a:defRPr sz="1400" b="0" i="0" u="none" strike="noStrike" cap="none">
           <a:solidFill>
             <a:srgbClr val="000000"/>
           </a:solidFill>
@@ -5349,7 +5714,7 @@
           <a:sym typeface="Arial"/>
         </a:defRPr>
       </a:lvl3pPr>
-      <a:lvl4pPr lvl="3" marR="0" rtl="0" algn="l">
+      <a:lvl4pPr marR="0" lvl="3" algn="l" rtl="0">
         <a:lnSpc>
           <a:spcPct val="100000"/>
         </a:lnSpc>
@@ -5363,7 +5728,7 @@
           <a:srgbClr val="000000"/>
         </a:buClr>
         <a:buFont typeface="Arial"/>
-        <a:defRPr b="0" i="0" sz="1400" u="none" cap="none" strike="noStrike">
+        <a:defRPr sz="1400" b="0" i="0" u="none" strike="noStrike" cap="none">
           <a:solidFill>
             <a:srgbClr val="000000"/>
           </a:solidFill>
@@ -5373,7 +5738,7 @@
           <a:sym typeface="Arial"/>
         </a:defRPr>
       </a:lvl4pPr>
-      <a:lvl5pPr lvl="4" marR="0" rtl="0" algn="l">
+      <a:lvl5pPr marR="0" lvl="4" algn="l" rtl="0">
         <a:lnSpc>
           <a:spcPct val="100000"/>
         </a:lnSpc>
@@ -5387,7 +5752,7 @@
           <a:srgbClr val="000000"/>
         </a:buClr>
         <a:buFont typeface="Arial"/>
-        <a:defRPr b="0" i="0" sz="1400" u="none" cap="none" strike="noStrike">
+        <a:defRPr sz="1400" b="0" i="0" u="none" strike="noStrike" cap="none">
           <a:solidFill>
             <a:srgbClr val="000000"/>
           </a:solidFill>
@@ -5397,7 +5762,7 @@
           <a:sym typeface="Arial"/>
         </a:defRPr>
       </a:lvl5pPr>
-      <a:lvl6pPr lvl="5" marR="0" rtl="0" algn="l">
+      <a:lvl6pPr marR="0" lvl="5" algn="l" rtl="0">
         <a:lnSpc>
           <a:spcPct val="100000"/>
         </a:lnSpc>
@@ -5411,7 +5776,7 @@
           <a:srgbClr val="000000"/>
         </a:buClr>
         <a:buFont typeface="Arial"/>
-        <a:defRPr b="0" i="0" sz="1400" u="none" cap="none" strike="noStrike">
+        <a:defRPr sz="1400" b="0" i="0" u="none" strike="noStrike" cap="none">
           <a:solidFill>
             <a:srgbClr val="000000"/>
           </a:solidFill>
@@ -5421,7 +5786,7 @@
           <a:sym typeface="Arial"/>
         </a:defRPr>
       </a:lvl6pPr>
-      <a:lvl7pPr lvl="6" marR="0" rtl="0" algn="l">
+      <a:lvl7pPr marR="0" lvl="6" algn="l" rtl="0">
         <a:lnSpc>
           <a:spcPct val="100000"/>
         </a:lnSpc>
@@ -5435,7 +5800,7 @@
           <a:srgbClr val="000000"/>
         </a:buClr>
         <a:buFont typeface="Arial"/>
-        <a:defRPr b="0" i="0" sz="1400" u="none" cap="none" strike="noStrike">
+        <a:defRPr sz="1400" b="0" i="0" u="none" strike="noStrike" cap="none">
           <a:solidFill>
             <a:srgbClr val="000000"/>
           </a:solidFill>
@@ -5445,7 +5810,7 @@
           <a:sym typeface="Arial"/>
         </a:defRPr>
       </a:lvl7pPr>
-      <a:lvl8pPr lvl="7" marR="0" rtl="0" algn="l">
+      <a:lvl8pPr marR="0" lvl="7" algn="l" rtl="0">
         <a:lnSpc>
           <a:spcPct val="100000"/>
         </a:lnSpc>
@@ -5459,7 +5824,7 @@
           <a:srgbClr val="000000"/>
         </a:buClr>
         <a:buFont typeface="Arial"/>
-        <a:defRPr b="0" i="0" sz="1400" u="none" cap="none" strike="noStrike">
+        <a:defRPr sz="1400" b="0" i="0" u="none" strike="noStrike" cap="none">
           <a:solidFill>
             <a:srgbClr val="000000"/>
           </a:solidFill>
@@ -5469,7 +5834,7 @@
           <a:sym typeface="Arial"/>
         </a:defRPr>
       </a:lvl8pPr>
-      <a:lvl9pPr lvl="8" marR="0" rtl="0" algn="l">
+      <a:lvl9pPr marR="0" lvl="8" algn="l" rtl="0">
         <a:lnSpc>
           <a:spcPct val="100000"/>
         </a:lnSpc>
@@ -5483,7 +5848,7 @@
           <a:srgbClr val="000000"/>
         </a:buClr>
         <a:buFont typeface="Arial"/>
-        <a:defRPr b="0" i="0" sz="1400" u="none" cap="none" strike="noStrike">
+        <a:defRPr sz="1400" b="0" i="0" u="none" strike="noStrike" cap="none">
           <a:solidFill>
             <a:srgbClr val="000000"/>
           </a:solidFill>
@@ -5495,7 +5860,7 @@
       </a:lvl9pPr>
     </p:titleStyle>
     <p:bodyStyle>
-      <a:defPPr lvl="0" marR="0" rtl="0" algn="l">
+      <a:defPPr marR="0" lvl="0" algn="l" rtl="0">
         <a:lnSpc>
           <a:spcPct val="100000"/>
         </a:lnSpc>
@@ -5506,7 +5871,7 @@
           <a:spcPts val="0"/>
         </a:spcAft>
       </a:defPPr>
-      <a:lvl1pPr lvl="0" marR="0" rtl="0" algn="l">
+      <a:lvl1pPr marR="0" lvl="0" algn="l" rtl="0">
         <a:lnSpc>
           <a:spcPct val="100000"/>
         </a:lnSpc>
@@ -5520,7 +5885,7 @@
           <a:srgbClr val="000000"/>
         </a:buClr>
         <a:buFont typeface="Arial"/>
-        <a:defRPr b="0" i="0" sz="1400" u="none" cap="none" strike="noStrike">
+        <a:defRPr sz="1400" b="0" i="0" u="none" strike="noStrike" cap="none">
           <a:solidFill>
             <a:srgbClr val="000000"/>
           </a:solidFill>
@@ -5530,7 +5895,7 @@
           <a:sym typeface="Arial"/>
         </a:defRPr>
       </a:lvl1pPr>
-      <a:lvl2pPr lvl="1" marR="0" rtl="0" algn="l">
+      <a:lvl2pPr marR="0" lvl="1" algn="l" rtl="0">
         <a:lnSpc>
           <a:spcPct val="100000"/>
         </a:lnSpc>
@@ -5544,7 +5909,7 @@
           <a:srgbClr val="000000"/>
         </a:buClr>
         <a:buFont typeface="Arial"/>
-        <a:defRPr b="0" i="0" sz="1400" u="none" cap="none" strike="noStrike">
+        <a:defRPr sz="1400" b="0" i="0" u="none" strike="noStrike" cap="none">
           <a:solidFill>
             <a:srgbClr val="000000"/>
           </a:solidFill>
@@ -5554,7 +5919,7 @@
           <a:sym typeface="Arial"/>
         </a:defRPr>
       </a:lvl2pPr>
-      <a:lvl3pPr lvl="2" marR="0" rtl="0" algn="l">
+      <a:lvl3pPr marR="0" lvl="2" algn="l" rtl="0">
         <a:lnSpc>
           <a:spcPct val="100000"/>
         </a:lnSpc>
@@ -5568,7 +5933,7 @@
           <a:srgbClr val="000000"/>
         </a:buClr>
         <a:buFont typeface="Arial"/>
-        <a:defRPr b="0" i="0" sz="1400" u="none" cap="none" strike="noStrike">
+        <a:defRPr sz="1400" b="0" i="0" u="none" strike="noStrike" cap="none">
           <a:solidFill>
             <a:srgbClr val="000000"/>
           </a:solidFill>
@@ -5578,7 +5943,7 @@
           <a:sym typeface="Arial"/>
         </a:defRPr>
       </a:lvl3pPr>
-      <a:lvl4pPr lvl="3" marR="0" rtl="0" algn="l">
+      <a:lvl4pPr marR="0" lvl="3" algn="l" rtl="0">
         <a:lnSpc>
           <a:spcPct val="100000"/>
         </a:lnSpc>
@@ -5592,7 +5957,7 @@
           <a:srgbClr val="000000"/>
         </a:buClr>
         <a:buFont typeface="Arial"/>
-        <a:defRPr b="0" i="0" sz="1400" u="none" cap="none" strike="noStrike">
+        <a:defRPr sz="1400" b="0" i="0" u="none" strike="noStrike" cap="none">
           <a:solidFill>
             <a:srgbClr val="000000"/>
           </a:solidFill>
@@ -5602,7 +5967,7 @@
           <a:sym typeface="Arial"/>
         </a:defRPr>
       </a:lvl4pPr>
-      <a:lvl5pPr lvl="4" marR="0" rtl="0" algn="l">
+      <a:lvl5pPr marR="0" lvl="4" algn="l" rtl="0">
         <a:lnSpc>
           <a:spcPct val="100000"/>
         </a:lnSpc>
@@ -5616,7 +5981,7 @@
           <a:srgbClr val="000000"/>
         </a:buClr>
         <a:buFont typeface="Arial"/>
-        <a:defRPr b="0" i="0" sz="1400" u="none" cap="none" strike="noStrike">
+        <a:defRPr sz="1400" b="0" i="0" u="none" strike="noStrike" cap="none">
           <a:solidFill>
             <a:srgbClr val="000000"/>
           </a:solidFill>
@@ -5626,7 +5991,7 @@
           <a:sym typeface="Arial"/>
         </a:defRPr>
       </a:lvl5pPr>
-      <a:lvl6pPr lvl="5" marR="0" rtl="0" algn="l">
+      <a:lvl6pPr marR="0" lvl="5" algn="l" rtl="0">
         <a:lnSpc>
           <a:spcPct val="100000"/>
         </a:lnSpc>
@@ -5640,7 +6005,7 @@
           <a:srgbClr val="000000"/>
         </a:buClr>
         <a:buFont typeface="Arial"/>
-        <a:defRPr b="0" i="0" sz="1400" u="none" cap="none" strike="noStrike">
+        <a:defRPr sz="1400" b="0" i="0" u="none" strike="noStrike" cap="none">
           <a:solidFill>
             <a:srgbClr val="000000"/>
           </a:solidFill>
@@ -5650,7 +6015,7 @@
           <a:sym typeface="Arial"/>
         </a:defRPr>
       </a:lvl6pPr>
-      <a:lvl7pPr lvl="6" marR="0" rtl="0" algn="l">
+      <a:lvl7pPr marR="0" lvl="6" algn="l" rtl="0">
         <a:lnSpc>
           <a:spcPct val="100000"/>
         </a:lnSpc>
@@ -5664,7 +6029,7 @@
           <a:srgbClr val="000000"/>
         </a:buClr>
         <a:buFont typeface="Arial"/>
-        <a:defRPr b="0" i="0" sz="1400" u="none" cap="none" strike="noStrike">
+        <a:defRPr sz="1400" b="0" i="0" u="none" strike="noStrike" cap="none">
           <a:solidFill>
             <a:srgbClr val="000000"/>
           </a:solidFill>
@@ -5674,7 +6039,7 @@
           <a:sym typeface="Arial"/>
         </a:defRPr>
       </a:lvl7pPr>
-      <a:lvl8pPr lvl="7" marR="0" rtl="0" algn="l">
+      <a:lvl8pPr marR="0" lvl="7" algn="l" rtl="0">
         <a:lnSpc>
           <a:spcPct val="100000"/>
         </a:lnSpc>
@@ -5688,7 +6053,7 @@
           <a:srgbClr val="000000"/>
         </a:buClr>
         <a:buFont typeface="Arial"/>
-        <a:defRPr b="0" i="0" sz="1400" u="none" cap="none" strike="noStrike">
+        <a:defRPr sz="1400" b="0" i="0" u="none" strike="noStrike" cap="none">
           <a:solidFill>
             <a:srgbClr val="000000"/>
           </a:solidFill>
@@ -5698,7 +6063,7 @@
           <a:sym typeface="Arial"/>
         </a:defRPr>
       </a:lvl8pPr>
-      <a:lvl9pPr lvl="8" marR="0" rtl="0" algn="l">
+      <a:lvl9pPr marR="0" lvl="8" algn="l" rtl="0">
         <a:lnSpc>
           <a:spcPct val="100000"/>
         </a:lnSpc>
@@ -5712,7 +6077,7 @@
           <a:srgbClr val="000000"/>
         </a:buClr>
         <a:buFont typeface="Arial"/>
-        <a:defRPr b="0" i="0" sz="1400" u="none" cap="none" strike="noStrike">
+        <a:defRPr sz="1400" b="0" i="0" u="none" strike="noStrike" cap="none">
           <a:solidFill>
             <a:srgbClr val="000000"/>
           </a:solidFill>
@@ -5724,7 +6089,7 @@
       </a:lvl9pPr>
     </p:bodyStyle>
     <p:otherStyle>
-      <a:defPPr lvl="0" marR="0" rtl="0" algn="l">
+      <a:defPPr marR="0" lvl="0" algn="l" rtl="0">
         <a:lnSpc>
           <a:spcPct val="100000"/>
         </a:lnSpc>
@@ -5735,7 +6100,7 @@
           <a:spcPts val="0"/>
         </a:spcAft>
       </a:defPPr>
-      <a:lvl1pPr lvl="0" marR="0" rtl="0" algn="l">
+      <a:lvl1pPr marR="0" lvl="0" algn="l" rtl="0">
         <a:lnSpc>
           <a:spcPct val="100000"/>
         </a:lnSpc>
@@ -5749,7 +6114,7 @@
           <a:srgbClr val="000000"/>
         </a:buClr>
         <a:buFont typeface="Arial"/>
-        <a:defRPr b="0" i="0" sz="1400" u="none" cap="none" strike="noStrike">
+        <a:defRPr sz="1400" b="0" i="0" u="none" strike="noStrike" cap="none">
           <a:solidFill>
             <a:srgbClr val="000000"/>
           </a:solidFill>
@@ -5759,7 +6124,7 @@
           <a:sym typeface="Arial"/>
         </a:defRPr>
       </a:lvl1pPr>
-      <a:lvl2pPr lvl="1" marR="0" rtl="0" algn="l">
+      <a:lvl2pPr marR="0" lvl="1" algn="l" rtl="0">
         <a:lnSpc>
           <a:spcPct val="100000"/>
         </a:lnSpc>
@@ -5773,7 +6138,7 @@
           <a:srgbClr val="000000"/>
         </a:buClr>
         <a:buFont typeface="Arial"/>
-        <a:defRPr b="0" i="0" sz="1400" u="none" cap="none" strike="noStrike">
+        <a:defRPr sz="1400" b="0" i="0" u="none" strike="noStrike" cap="none">
           <a:solidFill>
             <a:srgbClr val="000000"/>
           </a:solidFill>
@@ -5783,7 +6148,7 @@
           <a:sym typeface="Arial"/>
         </a:defRPr>
       </a:lvl2pPr>
-      <a:lvl3pPr lvl="2" marR="0" rtl="0" algn="l">
+      <a:lvl3pPr marR="0" lvl="2" algn="l" rtl="0">
         <a:lnSpc>
           <a:spcPct val="100000"/>
         </a:lnSpc>
@@ -5797,7 +6162,7 @@
           <a:srgbClr val="000000"/>
         </a:buClr>
         <a:buFont typeface="Arial"/>
-        <a:defRPr b="0" i="0" sz="1400" u="none" cap="none" strike="noStrike">
+        <a:defRPr sz="1400" b="0" i="0" u="none" strike="noStrike" cap="none">
           <a:solidFill>
             <a:srgbClr val="000000"/>
           </a:solidFill>
@@ -5807,7 +6172,7 @@
           <a:sym typeface="Arial"/>
         </a:defRPr>
       </a:lvl3pPr>
-      <a:lvl4pPr lvl="3" marR="0" rtl="0" algn="l">
+      <a:lvl4pPr marR="0" lvl="3" algn="l" rtl="0">
         <a:lnSpc>
           <a:spcPct val="100000"/>
         </a:lnSpc>
@@ -5821,7 +6186,7 @@
           <a:srgbClr val="000000"/>
         </a:buClr>
         <a:buFont typeface="Arial"/>
-        <a:defRPr b="0" i="0" sz="1400" u="none" cap="none" strike="noStrike">
+        <a:defRPr sz="1400" b="0" i="0" u="none" strike="noStrike" cap="none">
           <a:solidFill>
             <a:srgbClr val="000000"/>
           </a:solidFill>
@@ -5831,7 +6196,7 @@
           <a:sym typeface="Arial"/>
         </a:defRPr>
       </a:lvl4pPr>
-      <a:lvl5pPr lvl="4" marR="0" rtl="0" algn="l">
+      <a:lvl5pPr marR="0" lvl="4" algn="l" rtl="0">
         <a:lnSpc>
           <a:spcPct val="100000"/>
         </a:lnSpc>
@@ -5845,7 +6210,7 @@
           <a:srgbClr val="000000"/>
         </a:buClr>
         <a:buFont typeface="Arial"/>
-        <a:defRPr b="0" i="0" sz="1400" u="none" cap="none" strike="noStrike">
+        <a:defRPr sz="1400" b="0" i="0" u="none" strike="noStrike" cap="none">
           <a:solidFill>
             <a:srgbClr val="000000"/>
           </a:solidFill>
@@ -5855,7 +6220,7 @@
           <a:sym typeface="Arial"/>
         </a:defRPr>
       </a:lvl5pPr>
-      <a:lvl6pPr lvl="5" marR="0" rtl="0" algn="l">
+      <a:lvl6pPr marR="0" lvl="5" algn="l" rtl="0">
         <a:lnSpc>
           <a:spcPct val="100000"/>
         </a:lnSpc>
@@ -5869,7 +6234,7 @@
           <a:srgbClr val="000000"/>
         </a:buClr>
         <a:buFont typeface="Arial"/>
-        <a:defRPr b="0" i="0" sz="1400" u="none" cap="none" strike="noStrike">
+        <a:defRPr sz="1400" b="0" i="0" u="none" strike="noStrike" cap="none">
           <a:solidFill>
             <a:srgbClr val="000000"/>
           </a:solidFill>
@@ -5879,7 +6244,7 @@
           <a:sym typeface="Arial"/>
         </a:defRPr>
       </a:lvl6pPr>
-      <a:lvl7pPr lvl="6" marR="0" rtl="0" algn="l">
+      <a:lvl7pPr marR="0" lvl="6" algn="l" rtl="0">
         <a:lnSpc>
           <a:spcPct val="100000"/>
         </a:lnSpc>
@@ -5893,7 +6258,7 @@
           <a:srgbClr val="000000"/>
         </a:buClr>
         <a:buFont typeface="Arial"/>
-        <a:defRPr b="0" i="0" sz="1400" u="none" cap="none" strike="noStrike">
+        <a:defRPr sz="1400" b="0" i="0" u="none" strike="noStrike" cap="none">
           <a:solidFill>
             <a:srgbClr val="000000"/>
           </a:solidFill>
@@ -5903,7 +6268,7 @@
           <a:sym typeface="Arial"/>
         </a:defRPr>
       </a:lvl7pPr>
-      <a:lvl8pPr lvl="7" marR="0" rtl="0" algn="l">
+      <a:lvl8pPr marR="0" lvl="7" algn="l" rtl="0">
         <a:lnSpc>
           <a:spcPct val="100000"/>
         </a:lnSpc>
@@ -5917,7 +6282,7 @@
           <a:srgbClr val="000000"/>
         </a:buClr>
         <a:buFont typeface="Arial"/>
-        <a:defRPr b="0" i="0" sz="1400" u="none" cap="none" strike="noStrike">
+        <a:defRPr sz="1400" b="0" i="0" u="none" strike="noStrike" cap="none">
           <a:solidFill>
             <a:srgbClr val="000000"/>
           </a:solidFill>
@@ -5927,7 +6292,7 @@
           <a:sym typeface="Arial"/>
         </a:defRPr>
       </a:lvl8pPr>
-      <a:lvl9pPr lvl="8" marR="0" rtl="0" algn="l">
+      <a:lvl9pPr marR="0" lvl="8" algn="l" rtl="0">
         <a:lnSpc>
           <a:spcPct val="100000"/>
         </a:lnSpc>
@@ -5941,7 +6306,7 @@
           <a:srgbClr val="000000"/>
         </a:buClr>
         <a:buFont typeface="Arial"/>
-        <a:defRPr b="0" i="0" sz="1400" u="none" cap="none" strike="noStrike">
+        <a:defRPr sz="1400" b="0" i="0" u="none" strike="noStrike" cap="none">
           <a:solidFill>
             <a:srgbClr val="000000"/>
           </a:solidFill>
@@ -5957,18 +6322,19 @@
 </file>
 
 <file path=ppt/slides/slide1.xml><?xml version="1.0" encoding="utf-8"?>
-<p:sld xmlns:a="http://schemas.openxmlformats.org/drawingml/2006/main" xmlns:r="http://schemas.openxmlformats.org/officeDocument/2006/relationships" xmlns:mc="http://schemas.openxmlformats.org/markup-compatibility/2006" xmlns:mv="urn:schemas-microsoft-com:mac:vml" xmlns:p="http://schemas.openxmlformats.org/presentationml/2006/main" xmlns:c="http://schemas.openxmlformats.org/drawingml/2006/chart" xmlns:dgm="http://schemas.openxmlformats.org/drawingml/2006/diagram" xmlns:o="urn:schemas-microsoft-com:office:office" xmlns:v="urn:schemas-microsoft-com:vml" xmlns:pvml="urn:schemas-microsoft-com:office:powerpoint" xmlns:com="http://schemas.openxmlformats.org/drawingml/2006/compatibility" xmlns:p14="http://schemas.microsoft.com/office/powerpoint/2010/main" xmlns:p15="http://schemas.microsoft.com/office/powerpoint/2012/main" xmlns:ahyp="http://schemas.microsoft.com/office/drawing/2018/hyperlinkcolor">
+<p:sld xmlns:a="http://schemas.openxmlformats.org/drawingml/2006/main" xmlns:r="http://schemas.openxmlformats.org/officeDocument/2006/relationships" xmlns:p="http://schemas.openxmlformats.org/presentationml/2006/main">
   <p:cSld>
     <p:bg>
       <p:bgPr>
         <a:solidFill>
           <a:srgbClr val="D9EAD3"/>
         </a:solidFill>
+        <a:effectLst/>
       </p:bgPr>
     </p:bg>
     <p:spTree>
       <p:nvGrpSpPr>
-        <p:cNvPr id="53" name="Shape 53"/>
+        <p:cNvPr id="1" name="Shape 53"/>
         <p:cNvGrpSpPr/>
         <p:nvPr/>
       </p:nvGrpSpPr>
@@ -5997,23 +6363,23 @@
           <a:solidFill>
             <a:srgbClr val="EAD1DC"/>
           </a:solidFill>
-          <a:ln cap="flat" cmpd="sng" w="9525">
+          <a:ln w="9525" cap="flat" cmpd="sng">
             <a:solidFill>
               <a:srgbClr val="EAD1DC"/>
             </a:solidFill>
             <a:prstDash val="solid"/>
             <a:round/>
-            <a:headEnd len="sm" w="sm" type="none"/>
-            <a:tailEnd len="sm" w="sm" type="none"/>
+            <a:headEnd type="none" w="sm" len="sm"/>
+            <a:tailEnd type="none" w="sm" len="sm"/>
           </a:ln>
         </p:spPr>
         <p:txBody>
-          <a:bodyPr anchorCtr="0" anchor="ctr" bIns="91425" lIns="91425" spcFirstLastPara="1" rIns="91425" wrap="square" tIns="91425">
+          <a:bodyPr spcFirstLastPara="1" wrap="square" lIns="91425" tIns="91425" rIns="91425" bIns="91425" anchor="ctr" anchorCtr="0">
             <a:noAutofit/>
           </a:bodyPr>
           <a:lstStyle/>
           <a:p>
-            <a:pPr indent="0" lvl="0" marL="0" rtl="0" algn="l">
+            <a:pPr marL="0" lvl="0" indent="0" algn="l" rtl="0">
               <a:spcBef>
                 <a:spcPts val="0"/>
               </a:spcBef>
@@ -6022,9 +6388,6 @@
               </a:spcAft>
               <a:buNone/>
             </a:pPr>
-            <a:r>
-              <a:t/>
-            </a:r>
             <a:endParaRPr/>
           </a:p>
         </p:txBody>
@@ -6032,7 +6395,9 @@
       <p:sp>
         <p:nvSpPr>
           <p:cNvPr id="55" name="Google Shape;55;p13"/>
-          <p:cNvSpPr txBox="1"/>
+          <p:cNvSpPr txBox="1">
+            <a:spLocks noGrp="1"/>
+          </p:cNvSpPr>
           <p:nvPr>
             <p:ph type="ctrTitle"/>
           </p:nvPr>
@@ -6047,12 +6412,12 @@
           </a:prstGeom>
         </p:spPr>
         <p:txBody>
-          <a:bodyPr anchorCtr="0" anchor="b" bIns="91425" lIns="91425" spcFirstLastPara="1" rIns="91425" wrap="square" tIns="91425">
+          <a:bodyPr spcFirstLastPara="1" wrap="square" lIns="91425" tIns="91425" rIns="91425" bIns="91425" anchor="b" anchorCtr="0">
             <a:normAutofit/>
           </a:bodyPr>
           <a:lstStyle/>
           <a:p>
-            <a:pPr indent="0" lvl="0" marL="0" rtl="0" algn="ctr">
+            <a:pPr marL="0" lvl="0" indent="0" algn="ctr" rtl="0">
               <a:spcBef>
                 <a:spcPts val="0"/>
               </a:spcBef>
@@ -6082,9 +6447,11 @@
       <p:sp>
         <p:nvSpPr>
           <p:cNvPr id="56" name="Google Shape;56;p13"/>
-          <p:cNvSpPr txBox="1"/>
+          <p:cNvSpPr txBox="1">
+            <a:spLocks noGrp="1"/>
+          </p:cNvSpPr>
           <p:nvPr>
-            <p:ph idx="1" type="subTitle"/>
+            <p:ph type="subTitle" idx="1"/>
           </p:nvPr>
         </p:nvSpPr>
         <p:spPr>
@@ -6097,12 +6464,12 @@
           </a:prstGeom>
         </p:spPr>
         <p:txBody>
-          <a:bodyPr anchorCtr="0" anchor="t" bIns="91425" lIns="91425" spcFirstLastPara="1" rIns="91425" wrap="square" tIns="91425">
+          <a:bodyPr spcFirstLastPara="1" wrap="square" lIns="91425" tIns="91425" rIns="91425" bIns="91425" anchor="t" anchorCtr="0">
             <a:normAutofit/>
           </a:bodyPr>
           <a:lstStyle/>
           <a:p>
-            <a:pPr indent="0" lvl="0" marL="0" rtl="0" algn="ctr">
+            <a:pPr marL="0" lvl="0" indent="0" algn="ctr" rtl="0">
               <a:spcBef>
                 <a:spcPts val="0"/>
               </a:spcBef>
@@ -6138,18 +6505,19 @@
 </file>
 
 <file path=ppt/slides/slide2.xml><?xml version="1.0" encoding="utf-8"?>
-<p:sld xmlns:a="http://schemas.openxmlformats.org/drawingml/2006/main" xmlns:r="http://schemas.openxmlformats.org/officeDocument/2006/relationships" xmlns:mc="http://schemas.openxmlformats.org/markup-compatibility/2006" xmlns:mv="urn:schemas-microsoft-com:mac:vml" xmlns:p="http://schemas.openxmlformats.org/presentationml/2006/main" xmlns:c="http://schemas.openxmlformats.org/drawingml/2006/chart" xmlns:dgm="http://schemas.openxmlformats.org/drawingml/2006/diagram" xmlns:o="urn:schemas-microsoft-com:office:office" xmlns:v="urn:schemas-microsoft-com:vml" xmlns:pvml="urn:schemas-microsoft-com:office:powerpoint" xmlns:com="http://schemas.openxmlformats.org/drawingml/2006/compatibility" xmlns:p14="http://schemas.microsoft.com/office/powerpoint/2010/main" xmlns:p15="http://schemas.microsoft.com/office/powerpoint/2012/main" xmlns:ahyp="http://schemas.microsoft.com/office/drawing/2018/hyperlinkcolor">
+<p:sld xmlns:a="http://schemas.openxmlformats.org/drawingml/2006/main" xmlns:r="http://schemas.openxmlformats.org/officeDocument/2006/relationships" xmlns:p="http://schemas.openxmlformats.org/presentationml/2006/main">
   <p:cSld>
     <p:bg>
       <p:bgPr>
         <a:solidFill>
           <a:srgbClr val="F4CCCC"/>
         </a:solidFill>
+        <a:effectLst/>
       </p:bgPr>
     </p:bg>
     <p:spTree>
       <p:nvGrpSpPr>
-        <p:cNvPr id="60" name="Shape 60"/>
+        <p:cNvPr id="1" name="Shape 60"/>
         <p:cNvGrpSpPr/>
         <p:nvPr/>
       </p:nvGrpSpPr>
@@ -6164,7 +6532,9 @@
       <p:sp>
         <p:nvSpPr>
           <p:cNvPr id="61" name="Google Shape;61;p14"/>
-          <p:cNvSpPr txBox="1"/>
+          <p:cNvSpPr txBox="1">
+            <a:spLocks noGrp="1"/>
+          </p:cNvSpPr>
           <p:nvPr>
             <p:ph type="title"/>
           </p:nvPr>
@@ -6179,12 +6549,12 @@
           </a:prstGeom>
         </p:spPr>
         <p:txBody>
-          <a:bodyPr anchorCtr="0" anchor="t" bIns="91425" lIns="91425" spcFirstLastPara="1" rIns="91425" wrap="square" tIns="91425">
+          <a:bodyPr spcFirstLastPara="1" wrap="square" lIns="91425" tIns="91425" rIns="91425" bIns="91425" anchor="t" anchorCtr="0">
             <a:normAutofit fontScale="90000"/>
           </a:bodyPr>
           <a:lstStyle/>
           <a:p>
-            <a:pPr indent="0" lvl="0" marL="0" rtl="0" algn="l">
+            <a:pPr marL="0" lvl="0" indent="0" algn="l" rtl="0">
               <a:spcBef>
                 <a:spcPts val="0"/>
               </a:spcBef>
@@ -6228,23 +6598,23 @@
           <a:solidFill>
             <a:srgbClr val="D9EAD3"/>
           </a:solidFill>
-          <a:ln cap="flat" cmpd="sng" w="9525">
+          <a:ln w="9525" cap="flat" cmpd="sng">
             <a:solidFill>
               <a:srgbClr val="D9EAD3"/>
             </a:solidFill>
             <a:prstDash val="solid"/>
             <a:round/>
-            <a:headEnd len="sm" w="sm" type="none"/>
-            <a:tailEnd len="sm" w="sm" type="none"/>
+            <a:headEnd type="none" w="sm" len="sm"/>
+            <a:tailEnd type="none" w="sm" len="sm"/>
           </a:ln>
         </p:spPr>
         <p:txBody>
-          <a:bodyPr anchorCtr="0" anchor="ctr" bIns="91425" lIns="91425" spcFirstLastPara="1" rIns="91425" wrap="square" tIns="91425">
+          <a:bodyPr spcFirstLastPara="1" wrap="square" lIns="91425" tIns="91425" rIns="91425" bIns="91425" anchor="ctr" anchorCtr="0">
             <a:noAutofit/>
           </a:bodyPr>
           <a:lstStyle/>
           <a:p>
-            <a:pPr indent="0" lvl="0" marL="0" rtl="0" algn="l">
+            <a:pPr marL="0" lvl="0" indent="0" algn="l" rtl="0">
               <a:spcBef>
                 <a:spcPts val="0"/>
               </a:spcBef>
@@ -6253,9 +6623,6 @@
               </a:spcAft>
               <a:buNone/>
             </a:pPr>
-            <a:r>
-              <a:t/>
-            </a:r>
             <a:endParaRPr/>
           </a:p>
         </p:txBody>
@@ -6277,23 +6644,23 @@
           <a:solidFill>
             <a:srgbClr val="B6D7A8"/>
           </a:solidFill>
-          <a:ln cap="flat" cmpd="sng" w="9525">
+          <a:ln w="9525" cap="flat" cmpd="sng">
             <a:solidFill>
               <a:schemeClr val="dk2"/>
             </a:solidFill>
             <a:prstDash val="solid"/>
             <a:round/>
-            <a:headEnd len="sm" w="sm" type="none"/>
-            <a:tailEnd len="sm" w="sm" type="none"/>
+            <a:headEnd type="none" w="sm" len="sm"/>
+            <a:tailEnd type="none" w="sm" len="sm"/>
           </a:ln>
         </p:spPr>
         <p:txBody>
-          <a:bodyPr anchorCtr="0" anchor="ctr" bIns="91425" lIns="91425" spcFirstLastPara="1" rIns="91425" wrap="square" tIns="91425">
+          <a:bodyPr spcFirstLastPara="1" wrap="square" lIns="91425" tIns="91425" rIns="91425" bIns="91425" anchor="ctr" anchorCtr="0">
             <a:noAutofit/>
           </a:bodyPr>
           <a:lstStyle/>
           <a:p>
-            <a:pPr indent="0" lvl="0" marL="0" rtl="0" algn="l">
+            <a:pPr marL="0" lvl="0" indent="0" algn="l" rtl="0">
               <a:spcBef>
                 <a:spcPts val="0"/>
               </a:spcBef>
@@ -6302,9 +6669,6 @@
               </a:spcAft>
               <a:buNone/>
             </a:pPr>
-            <a:r>
-              <a:t/>
-            </a:r>
             <a:endParaRPr/>
           </a:p>
         </p:txBody>
@@ -6326,23 +6690,23 @@
           <a:solidFill>
             <a:srgbClr val="B6D7A8"/>
           </a:solidFill>
-          <a:ln cap="flat" cmpd="sng" w="9525">
+          <a:ln w="9525" cap="flat" cmpd="sng">
             <a:solidFill>
               <a:schemeClr val="dk2"/>
             </a:solidFill>
             <a:prstDash val="solid"/>
             <a:round/>
-            <a:headEnd len="sm" w="sm" type="none"/>
-            <a:tailEnd len="sm" w="sm" type="none"/>
+            <a:headEnd type="none" w="sm" len="sm"/>
+            <a:tailEnd type="none" w="sm" len="sm"/>
           </a:ln>
         </p:spPr>
         <p:txBody>
-          <a:bodyPr anchorCtr="0" anchor="ctr" bIns="91425" lIns="91425" spcFirstLastPara="1" rIns="91425" wrap="square" tIns="91425">
+          <a:bodyPr spcFirstLastPara="1" wrap="square" lIns="91425" tIns="91425" rIns="91425" bIns="91425" anchor="ctr" anchorCtr="0">
             <a:noAutofit/>
           </a:bodyPr>
           <a:lstStyle/>
           <a:p>
-            <a:pPr indent="0" lvl="0" marL="0" rtl="0" algn="l">
+            <a:pPr marL="0" lvl="0" indent="0" algn="l" rtl="0">
               <a:spcBef>
                 <a:spcPts val="0"/>
               </a:spcBef>
@@ -6351,9 +6715,6 @@
               </a:spcAft>
               <a:buNone/>
             </a:pPr>
-            <a:r>
-              <a:t/>
-            </a:r>
             <a:endParaRPr/>
           </a:p>
         </p:txBody>
@@ -6375,23 +6736,23 @@
           <a:solidFill>
             <a:schemeClr val="lt2"/>
           </a:solidFill>
-          <a:ln cap="flat" cmpd="sng" w="9525">
+          <a:ln w="9525" cap="flat" cmpd="sng">
             <a:solidFill>
               <a:schemeClr val="dk2"/>
             </a:solidFill>
             <a:prstDash val="solid"/>
             <a:round/>
-            <a:headEnd len="sm" w="sm" type="none"/>
-            <a:tailEnd len="sm" w="sm" type="none"/>
+            <a:headEnd type="none" w="sm" len="sm"/>
+            <a:tailEnd type="none" w="sm" len="sm"/>
           </a:ln>
         </p:spPr>
         <p:txBody>
-          <a:bodyPr anchorCtr="0" anchor="ctr" bIns="91425" lIns="91425" spcFirstLastPara="1" rIns="91425" wrap="square" tIns="91425">
+          <a:bodyPr spcFirstLastPara="1" wrap="square" lIns="91425" tIns="91425" rIns="91425" bIns="91425" anchor="ctr" anchorCtr="0">
             <a:noAutofit/>
           </a:bodyPr>
           <a:lstStyle/>
           <a:p>
-            <a:pPr indent="0" lvl="0" marL="0" rtl="0" algn="l">
+            <a:pPr marL="0" lvl="0" indent="0" algn="l" rtl="0">
               <a:spcBef>
                 <a:spcPts val="0"/>
               </a:spcBef>
@@ -6400,9 +6761,6 @@
               </a:spcAft>
               <a:buNone/>
             </a:pPr>
-            <a:r>
-              <a:t/>
-            </a:r>
             <a:endParaRPr/>
           </a:p>
         </p:txBody>
@@ -6427,12 +6785,12 @@
           </a:ln>
         </p:spPr>
         <p:txBody>
-          <a:bodyPr anchorCtr="0" anchor="t" bIns="91425" lIns="91425" spcFirstLastPara="1" rIns="91425" wrap="square" tIns="91425">
+          <a:bodyPr spcFirstLastPara="1" wrap="square" lIns="91425" tIns="91425" rIns="91425" bIns="91425" anchor="t" anchorCtr="0">
             <a:spAutoFit/>
           </a:bodyPr>
           <a:lstStyle/>
           <a:p>
-            <a:pPr indent="0" lvl="0" marL="0" rtl="0" algn="l">
+            <a:pPr marL="0" lvl="0" indent="0" algn="l" rtl="0">
               <a:spcBef>
                 <a:spcPts val="0"/>
               </a:spcBef>
@@ -6442,7 +6800,7 @@
               <a:buNone/>
             </a:pPr>
             <a:r>
-              <a:rPr b="1" lang="en" sz="2800">
+              <a:rPr lang="en" sz="2800" b="1">
                 <a:latin typeface="Lexend"/>
                 <a:ea typeface="Lexend"/>
                 <a:cs typeface="Lexend"/>
@@ -6450,7 +6808,7 @@
               </a:rPr>
               <a:t>Picture</a:t>
             </a:r>
-            <a:endParaRPr b="1" sz="2800">
+            <a:endParaRPr sz="2800" b="1">
               <a:latin typeface="Lexend"/>
               <a:ea typeface="Lexend"/>
               <a:cs typeface="Lexend"/>
@@ -6479,12 +6837,12 @@
           </a:ln>
         </p:spPr>
         <p:txBody>
-          <a:bodyPr anchorCtr="0" anchor="t" bIns="91425" lIns="91425" spcFirstLastPara="1" rIns="91425" wrap="square" tIns="91425">
+          <a:bodyPr spcFirstLastPara="1" wrap="square" lIns="91425" tIns="91425" rIns="91425" bIns="91425" anchor="t" anchorCtr="0">
             <a:spAutoFit/>
           </a:bodyPr>
           <a:lstStyle/>
           <a:p>
-            <a:pPr indent="0" lvl="0" marL="0" rtl="0" algn="l">
+            <a:pPr marL="0" lvl="0" indent="0" algn="l" rtl="0">
               <a:spcBef>
                 <a:spcPts val="0"/>
               </a:spcBef>
@@ -6494,7 +6852,7 @@
               <a:buNone/>
             </a:pPr>
             <a:r>
-              <a:rPr b="1" lang="en" sz="2400">
+              <a:rPr lang="en" sz="2400" b="1">
                 <a:latin typeface="Lexend"/>
                 <a:ea typeface="Lexend"/>
                 <a:cs typeface="Lexend"/>
@@ -6502,7 +6860,7 @@
               </a:rPr>
               <a:t>About me</a:t>
             </a:r>
-            <a:endParaRPr b="1" sz="2400">
+            <a:endParaRPr sz="2400" b="1">
               <a:latin typeface="Lexend"/>
               <a:ea typeface="Lexend"/>
               <a:cs typeface="Lexend"/>
@@ -6531,12 +6889,12 @@
           </a:ln>
         </p:spPr>
         <p:txBody>
-          <a:bodyPr anchorCtr="0" anchor="t" bIns="91425" lIns="91425" spcFirstLastPara="1" rIns="91425" wrap="square" tIns="91425">
+          <a:bodyPr spcFirstLastPara="1" wrap="square" lIns="91425" tIns="91425" rIns="91425" bIns="91425" anchor="t" anchorCtr="0">
             <a:spAutoFit/>
           </a:bodyPr>
           <a:lstStyle/>
           <a:p>
-            <a:pPr indent="0" lvl="0" marL="0" rtl="0" algn="l">
+            <a:pPr marL="0" lvl="0" indent="0" algn="l" rtl="0">
               <a:spcBef>
                 <a:spcPts val="0"/>
               </a:spcBef>
@@ -6583,12 +6941,12 @@
           </a:ln>
         </p:spPr>
         <p:txBody>
-          <a:bodyPr anchorCtr="0" anchor="t" bIns="91425" lIns="91425" spcFirstLastPara="1" rIns="91425" wrap="square" tIns="91425">
+          <a:bodyPr spcFirstLastPara="1" wrap="square" lIns="91425" tIns="91425" rIns="91425" bIns="91425" anchor="t" anchorCtr="0">
             <a:spAutoFit/>
           </a:bodyPr>
           <a:lstStyle/>
           <a:p>
-            <a:pPr indent="0" lvl="0" marL="0" rtl="0" algn="l">
+            <a:pPr marL="0" lvl="0" indent="0" algn="l" rtl="0">
               <a:spcBef>
                 <a:spcPts val="0"/>
               </a:spcBef>
@@ -6597,9 +6955,6 @@
               </a:spcAft>
               <a:buNone/>
             </a:pPr>
-            <a:r>
-              <a:t/>
-            </a:r>
             <a:endParaRPr/>
           </a:p>
         </p:txBody>
@@ -6613,18 +6968,19 @@
 </file>
 
 <file path=ppt/slides/slide3.xml><?xml version="1.0" encoding="utf-8"?>
-<p:sld xmlns:a="http://schemas.openxmlformats.org/drawingml/2006/main" xmlns:r="http://schemas.openxmlformats.org/officeDocument/2006/relationships" xmlns:mc="http://schemas.openxmlformats.org/markup-compatibility/2006" xmlns:mv="urn:schemas-microsoft-com:mac:vml" xmlns:p="http://schemas.openxmlformats.org/presentationml/2006/main" xmlns:c="http://schemas.openxmlformats.org/drawingml/2006/chart" xmlns:dgm="http://schemas.openxmlformats.org/drawingml/2006/diagram" xmlns:o="urn:schemas-microsoft-com:office:office" xmlns:v="urn:schemas-microsoft-com:vml" xmlns:pvml="urn:schemas-microsoft-com:office:powerpoint" xmlns:com="http://schemas.openxmlformats.org/drawingml/2006/compatibility" xmlns:p14="http://schemas.microsoft.com/office/powerpoint/2010/main" xmlns:p15="http://schemas.microsoft.com/office/powerpoint/2012/main" xmlns:ahyp="http://schemas.microsoft.com/office/drawing/2018/hyperlinkcolor">
+<p:sld xmlns:a="http://schemas.openxmlformats.org/drawingml/2006/main" xmlns:r="http://schemas.openxmlformats.org/officeDocument/2006/relationships" xmlns:p="http://schemas.openxmlformats.org/presentationml/2006/main">
   <p:cSld>
     <p:bg>
       <p:bgPr>
         <a:solidFill>
           <a:srgbClr val="D9EAD3"/>
         </a:solidFill>
+        <a:effectLst/>
       </p:bgPr>
     </p:bg>
     <p:spTree>
       <p:nvGrpSpPr>
-        <p:cNvPr id="73" name="Shape 73"/>
+        <p:cNvPr id="1" name="Shape 73"/>
         <p:cNvGrpSpPr/>
         <p:nvPr/>
       </p:nvGrpSpPr>
@@ -6653,23 +7009,23 @@
           <a:solidFill>
             <a:srgbClr val="F4CCCC"/>
           </a:solidFill>
-          <a:ln cap="flat" cmpd="sng" w="9525">
+          <a:ln w="9525" cap="flat" cmpd="sng">
             <a:solidFill>
               <a:schemeClr val="dk2"/>
             </a:solidFill>
             <a:prstDash val="solid"/>
             <a:round/>
-            <a:headEnd len="sm" w="sm" type="none"/>
-            <a:tailEnd len="sm" w="sm" type="none"/>
+            <a:headEnd type="none" w="sm" len="sm"/>
+            <a:tailEnd type="none" w="sm" len="sm"/>
           </a:ln>
         </p:spPr>
         <p:txBody>
-          <a:bodyPr anchorCtr="0" anchor="ctr" bIns="91425" lIns="91425" spcFirstLastPara="1" rIns="91425" wrap="square" tIns="91425">
+          <a:bodyPr spcFirstLastPara="1" wrap="square" lIns="91425" tIns="91425" rIns="91425" bIns="91425" anchor="ctr" anchorCtr="0">
             <a:noAutofit/>
           </a:bodyPr>
           <a:lstStyle/>
           <a:p>
-            <a:pPr indent="0" lvl="0" marL="0" rtl="0" algn="l">
+            <a:pPr marL="0" lvl="0" indent="0" algn="l" rtl="0">
               <a:spcBef>
                 <a:spcPts val="0"/>
               </a:spcBef>
@@ -6678,9 +7034,6 @@
               </a:spcAft>
               <a:buNone/>
             </a:pPr>
-            <a:r>
-              <a:t/>
-            </a:r>
             <a:endParaRPr/>
           </a:p>
         </p:txBody>
@@ -6705,12 +7058,12 @@
           </a:ln>
         </p:spPr>
         <p:txBody>
-          <a:bodyPr anchorCtr="0" anchor="t" bIns="91425" lIns="91425" spcFirstLastPara="1" rIns="91425" wrap="square" tIns="91425">
+          <a:bodyPr spcFirstLastPara="1" wrap="square" lIns="91425" tIns="91425" rIns="91425" bIns="91425" anchor="t" anchorCtr="0">
             <a:spAutoFit/>
           </a:bodyPr>
           <a:lstStyle/>
           <a:p>
-            <a:pPr indent="0" lvl="0" marL="0" rtl="0" algn="ctr">
+            <a:pPr marL="0" lvl="0" indent="0" algn="ctr" rtl="0">
               <a:spcBef>
                 <a:spcPts val="0"/>
               </a:spcBef>
@@ -6720,7 +7073,7 @@
               <a:buNone/>
             </a:pPr>
             <a:r>
-              <a:rPr b="1" lang="en" sz="1900">
+              <a:rPr lang="en" sz="1900" b="1">
                 <a:latin typeface="Lexend"/>
                 <a:ea typeface="Lexend"/>
                 <a:cs typeface="Lexend"/>
@@ -6728,7 +7081,7 @@
               </a:rPr>
               <a:t>Experience and Education</a:t>
             </a:r>
-            <a:endParaRPr b="1" sz="1900">
+            <a:endParaRPr sz="1900" b="1">
               <a:latin typeface="Lexend"/>
               <a:ea typeface="Lexend"/>
               <a:cs typeface="Lexend"/>
@@ -6754,23 +7107,23 @@
           <a:solidFill>
             <a:srgbClr val="F4CCCC"/>
           </a:solidFill>
-          <a:ln cap="flat" cmpd="sng" w="9525">
+          <a:ln w="9525" cap="flat" cmpd="sng">
             <a:solidFill>
               <a:schemeClr val="dk2"/>
             </a:solidFill>
             <a:prstDash val="solid"/>
             <a:round/>
-            <a:headEnd len="sm" w="sm" type="none"/>
-            <a:tailEnd len="sm" w="sm" type="none"/>
+            <a:headEnd type="none" w="sm" len="sm"/>
+            <a:tailEnd type="none" w="sm" len="sm"/>
           </a:ln>
         </p:spPr>
         <p:txBody>
-          <a:bodyPr anchorCtr="0" anchor="ctr" bIns="91425" lIns="91425" spcFirstLastPara="1" rIns="91425" wrap="square" tIns="91425">
+          <a:bodyPr spcFirstLastPara="1" wrap="square" lIns="91425" tIns="91425" rIns="91425" bIns="91425" anchor="ctr" anchorCtr="0">
             <a:noAutofit/>
           </a:bodyPr>
           <a:lstStyle/>
           <a:p>
-            <a:pPr indent="0" lvl="0" marL="0" rtl="0" algn="ctr">
+            <a:pPr marL="0" lvl="0" indent="0" algn="ctr" rtl="0">
               <a:spcBef>
                 <a:spcPts val="0"/>
               </a:spcBef>
@@ -6814,23 +7167,23 @@
           <a:solidFill>
             <a:srgbClr val="F4CCCC"/>
           </a:solidFill>
-          <a:ln cap="flat" cmpd="sng" w="9525">
+          <a:ln w="9525" cap="flat" cmpd="sng">
             <a:solidFill>
               <a:schemeClr val="dk2"/>
             </a:solidFill>
             <a:prstDash val="solid"/>
             <a:round/>
-            <a:headEnd len="sm" w="sm" type="none"/>
-            <a:tailEnd len="sm" w="sm" type="none"/>
+            <a:headEnd type="none" w="sm" len="sm"/>
+            <a:tailEnd type="none" w="sm" len="sm"/>
           </a:ln>
         </p:spPr>
         <p:txBody>
-          <a:bodyPr anchorCtr="0" anchor="ctr" bIns="91425" lIns="91425" spcFirstLastPara="1" rIns="91425" wrap="square" tIns="91425">
+          <a:bodyPr spcFirstLastPara="1" wrap="square" lIns="91425" tIns="91425" rIns="91425" bIns="91425" anchor="ctr" anchorCtr="0">
             <a:noAutofit/>
           </a:bodyPr>
           <a:lstStyle/>
           <a:p>
-            <a:pPr indent="0" lvl="0" marL="0" rtl="0" algn="ctr">
+            <a:pPr marL="0" lvl="0" indent="0" algn="ctr" rtl="0">
               <a:spcBef>
                 <a:spcPts val="0"/>
               </a:spcBef>
@@ -6840,7 +7193,7 @@
               <a:buNone/>
             </a:pPr>
             <a:r>
-              <a:rPr b="1" lang="en" sz="1800">
+              <a:rPr lang="en" sz="1800" b="1">
                 <a:latin typeface="Lexend"/>
                 <a:ea typeface="Lexend"/>
                 <a:cs typeface="Lexend"/>
@@ -6848,7 +7201,7 @@
               </a:rPr>
               <a:t>University </a:t>
             </a:r>
-            <a:endParaRPr b="1" sz="1800">
+            <a:endParaRPr sz="1800" b="1">
               <a:latin typeface="Lexend"/>
               <a:ea typeface="Lexend"/>
               <a:cs typeface="Lexend"/>
@@ -6856,7 +7209,7 @@
             </a:endParaRPr>
           </a:p>
           <a:p>
-            <a:pPr indent="0" lvl="0" marL="0" rtl="0" algn="ctr">
+            <a:pPr marL="0" lvl="0" indent="0" algn="ctr" rtl="0">
               <a:spcBef>
                 <a:spcPts val="0"/>
               </a:spcBef>
@@ -6866,7 +7219,7 @@
               <a:buNone/>
             </a:pPr>
             <a:r>
-              <a:rPr b="1" lang="en" sz="1800">
+              <a:rPr lang="en" sz="1800" b="1">
                 <a:latin typeface="Lexend"/>
                 <a:ea typeface="Lexend"/>
                 <a:cs typeface="Lexend"/>
@@ -6874,7 +7227,7 @@
               </a:rPr>
               <a:t>Major</a:t>
             </a:r>
-            <a:endParaRPr b="1" sz="1800">
+            <a:endParaRPr sz="1800" b="1">
               <a:latin typeface="Lexend"/>
               <a:ea typeface="Lexend"/>
               <a:cs typeface="Lexend"/>
@@ -6882,7 +7235,7 @@
             </a:endParaRPr>
           </a:p>
           <a:p>
-            <a:pPr indent="0" lvl="0" marL="0" rtl="0" algn="ctr">
+            <a:pPr marL="0" lvl="0" indent="0" algn="ctr" rtl="0">
               <a:spcBef>
                 <a:spcPts val="0"/>
               </a:spcBef>
@@ -6892,7 +7245,7 @@
               <a:buNone/>
             </a:pPr>
             <a:r>
-              <a:rPr b="1" lang="en" sz="1800">
+              <a:rPr lang="en" sz="1800" b="1">
                 <a:latin typeface="Lexend"/>
                 <a:ea typeface="Lexend"/>
                 <a:cs typeface="Lexend"/>
@@ -6900,7 +7253,7 @@
               </a:rPr>
               <a:t>Minor</a:t>
             </a:r>
-            <a:endParaRPr b="1" sz="1800">
+            <a:endParaRPr sz="1800" b="1">
               <a:latin typeface="Lexend"/>
               <a:ea typeface="Lexend"/>
               <a:cs typeface="Lexend"/>
@@ -6908,7 +7261,7 @@
             </a:endParaRPr>
           </a:p>
           <a:p>
-            <a:pPr indent="0" lvl="0" marL="0" rtl="0" algn="ctr">
+            <a:pPr marL="0" lvl="0" indent="0" algn="ctr" rtl="0">
               <a:spcBef>
                 <a:spcPts val="0"/>
               </a:spcBef>
@@ -6918,7 +7271,7 @@
               <a:buNone/>
             </a:pPr>
             <a:r>
-              <a:rPr b="1" lang="en" sz="1800">
+              <a:rPr lang="en" sz="1800" b="1">
                 <a:latin typeface="Lexend"/>
                 <a:ea typeface="Lexend"/>
                 <a:cs typeface="Lexend"/>
@@ -6926,7 +7279,7 @@
               </a:rPr>
               <a:t>LinkedIn </a:t>
             </a:r>
-            <a:endParaRPr b="1" sz="1800">
+            <a:endParaRPr sz="1800" b="1">
               <a:latin typeface="Lexend"/>
               <a:ea typeface="Lexend"/>
               <a:cs typeface="Lexend"/>
@@ -6944,18 +7297,19 @@
 </file>
 
 <file path=ppt/slides/slide4.xml><?xml version="1.0" encoding="utf-8"?>
-<p:sld xmlns:a="http://schemas.openxmlformats.org/drawingml/2006/main" xmlns:r="http://schemas.openxmlformats.org/officeDocument/2006/relationships" xmlns:mc="http://schemas.openxmlformats.org/markup-compatibility/2006" xmlns:mv="urn:schemas-microsoft-com:mac:vml" xmlns:p="http://schemas.openxmlformats.org/presentationml/2006/main" xmlns:c="http://schemas.openxmlformats.org/drawingml/2006/chart" xmlns:dgm="http://schemas.openxmlformats.org/drawingml/2006/diagram" xmlns:o="urn:schemas-microsoft-com:office:office" xmlns:v="urn:schemas-microsoft-com:vml" xmlns:pvml="urn:schemas-microsoft-com:office:powerpoint" xmlns:com="http://schemas.openxmlformats.org/drawingml/2006/compatibility" xmlns:p14="http://schemas.microsoft.com/office/powerpoint/2010/main" xmlns:p15="http://schemas.microsoft.com/office/powerpoint/2012/main" xmlns:ahyp="http://schemas.microsoft.com/office/drawing/2018/hyperlinkcolor">
+<p:sld xmlns:a="http://schemas.openxmlformats.org/drawingml/2006/main" xmlns:r="http://schemas.openxmlformats.org/officeDocument/2006/relationships" xmlns:p="http://schemas.openxmlformats.org/presentationml/2006/main">
   <p:cSld>
     <p:bg>
       <p:bgPr>
         <a:solidFill>
           <a:srgbClr val="F4CCCC"/>
         </a:solidFill>
+        <a:effectLst/>
       </p:bgPr>
     </p:bg>
     <p:spTree>
       <p:nvGrpSpPr>
-        <p:cNvPr id="81" name="Shape 81"/>
+        <p:cNvPr id="1" name="Shape 81"/>
         <p:cNvGrpSpPr/>
         <p:nvPr/>
       </p:nvGrpSpPr>
@@ -6984,23 +7338,23 @@
           <a:solidFill>
             <a:srgbClr val="D9EAD3"/>
           </a:solidFill>
-          <a:ln cap="flat" cmpd="sng" w="9525">
+          <a:ln w="9525" cap="flat" cmpd="sng">
             <a:solidFill>
               <a:schemeClr val="dk2"/>
             </a:solidFill>
             <a:prstDash val="solid"/>
             <a:round/>
-            <a:headEnd len="sm" w="sm" type="none"/>
-            <a:tailEnd len="sm" w="sm" type="none"/>
+            <a:headEnd type="none" w="sm" len="sm"/>
+            <a:tailEnd type="none" w="sm" len="sm"/>
           </a:ln>
         </p:spPr>
         <p:txBody>
-          <a:bodyPr anchorCtr="0" anchor="ctr" bIns="91425" lIns="91425" spcFirstLastPara="1" rIns="91425" wrap="square" tIns="91425">
+          <a:bodyPr spcFirstLastPara="1" wrap="square" lIns="91425" tIns="91425" rIns="91425" bIns="91425" anchor="ctr" anchorCtr="0">
             <a:noAutofit/>
           </a:bodyPr>
           <a:lstStyle/>
           <a:p>
-            <a:pPr indent="0" lvl="0" marL="0" rtl="0" algn="ctr">
+            <a:pPr marL="0" lvl="0" indent="0" algn="ctr" rtl="0">
               <a:spcBef>
                 <a:spcPts val="0"/>
               </a:spcBef>
@@ -7010,7 +7364,7 @@
               <a:buNone/>
             </a:pPr>
             <a:r>
-              <a:rPr b="1" lang="en">
+              <a:rPr lang="en" b="1">
                 <a:latin typeface="Lexend"/>
                 <a:ea typeface="Lexend"/>
                 <a:cs typeface="Lexend"/>
@@ -7044,23 +7398,23 @@
           <a:solidFill>
             <a:srgbClr val="D9EAD3"/>
           </a:solidFill>
-          <a:ln cap="flat" cmpd="sng" w="9525">
+          <a:ln w="9525" cap="flat" cmpd="sng">
             <a:solidFill>
               <a:schemeClr val="dk2"/>
             </a:solidFill>
             <a:prstDash val="solid"/>
             <a:round/>
-            <a:headEnd len="sm" w="sm" type="none"/>
-            <a:tailEnd len="sm" w="sm" type="none"/>
+            <a:headEnd type="none" w="sm" len="sm"/>
+            <a:tailEnd type="none" w="sm" len="sm"/>
           </a:ln>
         </p:spPr>
         <p:txBody>
-          <a:bodyPr anchorCtr="0" anchor="ctr" bIns="91425" lIns="91425" spcFirstLastPara="1" rIns="91425" wrap="square" tIns="91425">
+          <a:bodyPr spcFirstLastPara="1" wrap="square" lIns="91425" tIns="91425" rIns="91425" bIns="91425" anchor="ctr" anchorCtr="0">
             <a:noAutofit/>
           </a:bodyPr>
           <a:lstStyle/>
           <a:p>
-            <a:pPr indent="0" lvl="0" marL="0" rtl="0" algn="ctr">
+            <a:pPr marL="0" lvl="0" indent="0" algn="ctr" rtl="0">
               <a:spcBef>
                 <a:spcPts val="0"/>
               </a:spcBef>
@@ -7070,7 +7424,7 @@
               <a:buNone/>
             </a:pPr>
             <a:r>
-              <a:rPr b="1" lang="en">
+              <a:rPr lang="en" b="1">
                 <a:latin typeface="Lexend"/>
                 <a:ea typeface="Lexend"/>
                 <a:cs typeface="Lexend"/>
@@ -7086,7 +7440,7 @@
             </a:endParaRPr>
           </a:p>
           <a:p>
-            <a:pPr indent="0" lvl="0" marL="0" rtl="0" algn="ctr">
+            <a:pPr marL="0" lvl="0" indent="0" algn="ctr" rtl="0">
               <a:spcBef>
                 <a:spcPts val="0"/>
               </a:spcBef>
@@ -7096,7 +7450,7 @@
               <a:buNone/>
             </a:pPr>
             <a:r>
-              <a:rPr b="1" lang="en">
+              <a:rPr lang="en" b="1">
                 <a:latin typeface="Lexend"/>
                 <a:ea typeface="Lexend"/>
                 <a:cs typeface="Lexend"/>
@@ -7130,23 +7484,23 @@
           <a:solidFill>
             <a:srgbClr val="D9EAD3"/>
           </a:solidFill>
-          <a:ln cap="flat" cmpd="sng" w="9525">
+          <a:ln w="9525" cap="flat" cmpd="sng">
             <a:solidFill>
               <a:schemeClr val="dk2"/>
             </a:solidFill>
             <a:prstDash val="solid"/>
             <a:round/>
-            <a:headEnd len="sm" w="sm" type="none"/>
-            <a:tailEnd len="sm" w="sm" type="none"/>
+            <a:headEnd type="none" w="sm" len="sm"/>
+            <a:tailEnd type="none" w="sm" len="sm"/>
           </a:ln>
         </p:spPr>
         <p:txBody>
-          <a:bodyPr anchorCtr="0" anchor="ctr" bIns="91425" lIns="91425" spcFirstLastPara="1" rIns="91425" wrap="square" tIns="91425">
+          <a:bodyPr spcFirstLastPara="1" wrap="square" lIns="91425" tIns="91425" rIns="91425" bIns="91425" anchor="ctr" anchorCtr="0">
             <a:noAutofit/>
           </a:bodyPr>
           <a:lstStyle/>
           <a:p>
-            <a:pPr indent="0" lvl="0" marL="0" rtl="0" algn="ctr">
+            <a:pPr marL="0" lvl="0" indent="0" algn="ctr" rtl="0">
               <a:spcBef>
                 <a:spcPts val="0"/>
               </a:spcBef>
@@ -7161,7 +7515,7 @@
               <a:buNone/>
             </a:pPr>
             <a:r>
-              <a:rPr b="1" lang="en">
+              <a:rPr lang="en" b="1">
                 <a:solidFill>
                   <a:schemeClr val="dk1"/>
                 </a:solidFill>
@@ -7193,23 +7547,23 @@
           <a:solidFill>
             <a:srgbClr val="D9EAD3"/>
           </a:solidFill>
-          <a:ln cap="flat" cmpd="sng" w="9525">
+          <a:ln w="9525" cap="flat" cmpd="sng">
             <a:solidFill>
               <a:schemeClr val="dk2"/>
             </a:solidFill>
             <a:prstDash val="solid"/>
             <a:round/>
-            <a:headEnd len="sm" w="sm" type="none"/>
-            <a:tailEnd len="sm" w="sm" type="none"/>
+            <a:headEnd type="none" w="sm" len="sm"/>
+            <a:tailEnd type="none" w="sm" len="sm"/>
           </a:ln>
         </p:spPr>
         <p:txBody>
-          <a:bodyPr anchorCtr="0" anchor="ctr" bIns="91425" lIns="91425" spcFirstLastPara="1" rIns="91425" wrap="square" tIns="91425">
+          <a:bodyPr spcFirstLastPara="1" wrap="square" lIns="91425" tIns="91425" rIns="91425" bIns="91425" anchor="ctr" anchorCtr="0">
             <a:noAutofit/>
           </a:bodyPr>
           <a:lstStyle/>
           <a:p>
-            <a:pPr indent="0" lvl="0" marL="0" rtl="0" algn="ctr">
+            <a:pPr marL="0" lvl="0" indent="0" algn="ctr" rtl="0">
               <a:spcBef>
                 <a:spcPts val="0"/>
               </a:spcBef>
@@ -7219,7 +7573,7 @@
               <a:buNone/>
             </a:pPr>
             <a:r>
-              <a:rPr b="1" lang="en">
+              <a:rPr lang="en" b="1">
                 <a:latin typeface="Lexend"/>
                 <a:ea typeface="Lexend"/>
                 <a:cs typeface="Lexend"/>
@@ -7253,23 +7607,23 @@
           <a:solidFill>
             <a:srgbClr val="D9EAD3"/>
           </a:solidFill>
-          <a:ln cap="flat" cmpd="sng" w="9525">
+          <a:ln w="9525" cap="flat" cmpd="sng">
             <a:solidFill>
               <a:schemeClr val="dk2"/>
             </a:solidFill>
             <a:prstDash val="solid"/>
             <a:round/>
-            <a:headEnd len="sm" w="sm" type="none"/>
-            <a:tailEnd len="sm" w="sm" type="none"/>
+            <a:headEnd type="none" w="sm" len="sm"/>
+            <a:tailEnd type="none" w="sm" len="sm"/>
           </a:ln>
         </p:spPr>
         <p:txBody>
-          <a:bodyPr anchorCtr="0" anchor="ctr" bIns="91425" lIns="91425" spcFirstLastPara="1" rIns="91425" wrap="square" tIns="91425">
+          <a:bodyPr spcFirstLastPara="1" wrap="square" lIns="91425" tIns="91425" rIns="91425" bIns="91425" anchor="ctr" anchorCtr="0">
             <a:noAutofit/>
           </a:bodyPr>
           <a:lstStyle/>
           <a:p>
-            <a:pPr indent="0" lvl="0" marL="0" rtl="0" algn="ctr">
+            <a:pPr marL="0" lvl="0" indent="0" algn="ctr" rtl="0">
               <a:spcBef>
                 <a:spcPts val="0"/>
               </a:spcBef>
@@ -7284,7 +7638,7 @@
               <a:buNone/>
             </a:pPr>
             <a:r>
-              <a:rPr b="1" lang="en">
+              <a:rPr lang="en" b="1">
                 <a:solidFill>
                   <a:schemeClr val="dk1"/>
                 </a:solidFill>
@@ -7316,23 +7670,23 @@
           <a:solidFill>
             <a:srgbClr val="D9EAD3"/>
           </a:solidFill>
-          <a:ln cap="flat" cmpd="sng" w="9525">
+          <a:ln w="9525" cap="flat" cmpd="sng">
             <a:solidFill>
               <a:schemeClr val="dk2"/>
             </a:solidFill>
             <a:prstDash val="solid"/>
             <a:round/>
-            <a:headEnd len="sm" w="sm" type="none"/>
-            <a:tailEnd len="sm" w="sm" type="none"/>
+            <a:headEnd type="none" w="sm" len="sm"/>
+            <a:tailEnd type="none" w="sm" len="sm"/>
           </a:ln>
         </p:spPr>
         <p:txBody>
-          <a:bodyPr anchorCtr="0" anchor="ctr" bIns="91425" lIns="91425" spcFirstLastPara="1" rIns="91425" wrap="square" tIns="91425">
+          <a:bodyPr spcFirstLastPara="1" wrap="square" lIns="91425" tIns="91425" rIns="91425" bIns="91425" anchor="ctr" anchorCtr="0">
             <a:noAutofit/>
           </a:bodyPr>
           <a:lstStyle/>
           <a:p>
-            <a:pPr indent="0" lvl="0" marL="0" rtl="0" algn="ctr">
+            <a:pPr marL="0" lvl="0" indent="0" algn="ctr" rtl="0">
               <a:spcBef>
                 <a:spcPts val="0"/>
               </a:spcBef>
@@ -7347,7 +7701,7 @@
               <a:buNone/>
             </a:pPr>
             <a:r>
-              <a:rPr b="1" lang="en">
+              <a:rPr lang="en" b="1">
                 <a:solidFill>
                   <a:schemeClr val="dk1"/>
                 </a:solidFill>
@@ -7379,23 +7733,23 @@
           <a:solidFill>
             <a:srgbClr val="D9EAD3"/>
           </a:solidFill>
-          <a:ln cap="flat" cmpd="sng" w="9525">
+          <a:ln w="9525" cap="flat" cmpd="sng">
             <a:solidFill>
               <a:schemeClr val="dk2"/>
             </a:solidFill>
             <a:prstDash val="solid"/>
             <a:round/>
-            <a:headEnd len="sm" w="sm" type="none"/>
-            <a:tailEnd len="sm" w="sm" type="none"/>
+            <a:headEnd type="none" w="sm" len="sm"/>
+            <a:tailEnd type="none" w="sm" len="sm"/>
           </a:ln>
         </p:spPr>
         <p:txBody>
-          <a:bodyPr anchorCtr="0" anchor="ctr" bIns="91425" lIns="91425" spcFirstLastPara="1" rIns="91425" wrap="square" tIns="91425">
+          <a:bodyPr spcFirstLastPara="1" wrap="square" lIns="91425" tIns="91425" rIns="91425" bIns="91425" anchor="ctr" anchorCtr="0">
             <a:noAutofit/>
           </a:bodyPr>
           <a:lstStyle/>
           <a:p>
-            <a:pPr indent="0" lvl="0" marL="0" rtl="0" algn="ctr">
+            <a:pPr marL="0" lvl="0" indent="0" algn="ctr" rtl="0">
               <a:spcBef>
                 <a:spcPts val="0"/>
               </a:spcBef>
@@ -7410,7 +7764,7 @@
               <a:buNone/>
             </a:pPr>
             <a:r>
-              <a:rPr b="1" lang="en">
+              <a:rPr lang="en" b="1">
                 <a:solidFill>
                   <a:schemeClr val="dk1"/>
                 </a:solidFill>
@@ -7434,18 +7788,19 @@
 </file>
 
 <file path=ppt/slides/slide5.xml><?xml version="1.0" encoding="utf-8"?>
-<p:sld xmlns:a="http://schemas.openxmlformats.org/drawingml/2006/main" xmlns:r="http://schemas.openxmlformats.org/officeDocument/2006/relationships" xmlns:mc="http://schemas.openxmlformats.org/markup-compatibility/2006" xmlns:mv="urn:schemas-microsoft-com:mac:vml" xmlns:p="http://schemas.openxmlformats.org/presentationml/2006/main" xmlns:c="http://schemas.openxmlformats.org/drawingml/2006/chart" xmlns:dgm="http://schemas.openxmlformats.org/drawingml/2006/diagram" xmlns:o="urn:schemas-microsoft-com:office:office" xmlns:v="urn:schemas-microsoft-com:vml" xmlns:pvml="urn:schemas-microsoft-com:office:powerpoint" xmlns:com="http://schemas.openxmlformats.org/drawingml/2006/compatibility" xmlns:p14="http://schemas.microsoft.com/office/powerpoint/2010/main" xmlns:p15="http://schemas.microsoft.com/office/powerpoint/2012/main" xmlns:ahyp="http://schemas.microsoft.com/office/drawing/2018/hyperlinkcolor">
+<p:sld xmlns:a="http://schemas.openxmlformats.org/drawingml/2006/main" xmlns:r="http://schemas.openxmlformats.org/officeDocument/2006/relationships" xmlns:p="http://schemas.openxmlformats.org/presentationml/2006/main">
   <p:cSld>
     <p:bg>
       <p:bgPr>
         <a:solidFill>
           <a:srgbClr val="F4CCCC"/>
         </a:solidFill>
+        <a:effectLst/>
       </p:bgPr>
     </p:bg>
     <p:spTree>
       <p:nvGrpSpPr>
-        <p:cNvPr id="92" name="Shape 92"/>
+        <p:cNvPr id="1" name="Shape 92"/>
         <p:cNvGrpSpPr/>
         <p:nvPr/>
       </p:nvGrpSpPr>
@@ -7474,23 +7829,23 @@
           <a:solidFill>
             <a:srgbClr val="D9EAD3"/>
           </a:solidFill>
-          <a:ln cap="flat" cmpd="sng" w="9525">
+          <a:ln w="9525" cap="flat" cmpd="sng">
             <a:solidFill>
               <a:schemeClr val="dk2"/>
             </a:solidFill>
             <a:prstDash val="solid"/>
             <a:round/>
-            <a:headEnd len="sm" w="sm" type="none"/>
-            <a:tailEnd len="sm" w="sm" type="none"/>
+            <a:headEnd type="none" w="sm" len="sm"/>
+            <a:tailEnd type="none" w="sm" len="sm"/>
           </a:ln>
         </p:spPr>
         <p:txBody>
-          <a:bodyPr anchorCtr="0" anchor="ctr" bIns="91425" lIns="91425" spcFirstLastPara="1" rIns="91425" wrap="square" tIns="91425">
+          <a:bodyPr spcFirstLastPara="1" wrap="square" lIns="91425" tIns="91425" rIns="91425" bIns="91425" anchor="ctr" anchorCtr="0">
             <a:noAutofit/>
           </a:bodyPr>
           <a:lstStyle/>
           <a:p>
-            <a:pPr indent="0" lvl="0" marL="0" rtl="0" algn="l">
+            <a:pPr marL="0" lvl="0" indent="0" algn="l" rtl="0">
               <a:spcBef>
                 <a:spcPts val="0"/>
               </a:spcBef>
@@ -7499,9 +7854,6 @@
               </a:spcAft>
               <a:buNone/>
             </a:pPr>
-            <a:r>
-              <a:t/>
-            </a:r>
             <a:endParaRPr/>
           </a:p>
         </p:txBody>
@@ -7523,23 +7875,23 @@
           <a:solidFill>
             <a:srgbClr val="D9EAD3"/>
           </a:solidFill>
-          <a:ln cap="flat" cmpd="sng" w="9525">
+          <a:ln w="9525" cap="flat" cmpd="sng">
             <a:solidFill>
               <a:schemeClr val="dk2"/>
             </a:solidFill>
             <a:prstDash val="solid"/>
             <a:round/>
-            <a:headEnd len="sm" w="sm" type="none"/>
-            <a:tailEnd len="sm" w="sm" type="none"/>
+            <a:headEnd type="none" w="sm" len="sm"/>
+            <a:tailEnd type="none" w="sm" len="sm"/>
           </a:ln>
         </p:spPr>
         <p:txBody>
-          <a:bodyPr anchorCtr="0" anchor="ctr" bIns="91425" lIns="91425" spcFirstLastPara="1" rIns="91425" wrap="square" tIns="91425">
+          <a:bodyPr spcFirstLastPara="1" wrap="square" lIns="91425" tIns="91425" rIns="91425" bIns="91425" anchor="ctr" anchorCtr="0">
             <a:noAutofit/>
           </a:bodyPr>
           <a:lstStyle/>
           <a:p>
-            <a:pPr indent="0" lvl="0" marL="0" rtl="0" algn="ctr">
+            <a:pPr marL="0" lvl="0" indent="0" algn="ctr" rtl="0">
               <a:spcBef>
                 <a:spcPts val="0"/>
               </a:spcBef>
@@ -7549,7 +7901,7 @@
               <a:buNone/>
             </a:pPr>
             <a:r>
-              <a:rPr b="1" lang="en">
+              <a:rPr lang="en" b="1">
                 <a:latin typeface="Lexend"/>
                 <a:ea typeface="Lexend"/>
                 <a:cs typeface="Lexend"/>
@@ -7565,7 +7917,7 @@
             </a:endParaRPr>
           </a:p>
           <a:p>
-            <a:pPr indent="0" lvl="0" marL="0" rtl="0" algn="ctr">
+            <a:pPr marL="0" lvl="0" indent="0" algn="ctr" rtl="0">
               <a:spcBef>
                 <a:spcPts val="0"/>
               </a:spcBef>
@@ -7575,7 +7927,7 @@
               <a:buNone/>
             </a:pPr>
             <a:r>
-              <a:rPr b="1" lang="en">
+              <a:rPr lang="en" b="1">
                 <a:latin typeface="Lexend"/>
                 <a:ea typeface="Lexend"/>
                 <a:cs typeface="Lexend"/>
@@ -7609,23 +7961,23 @@
           <a:solidFill>
             <a:srgbClr val="D9EAD3"/>
           </a:solidFill>
-          <a:ln cap="flat" cmpd="sng" w="9525">
+          <a:ln w="9525" cap="flat" cmpd="sng">
             <a:solidFill>
               <a:schemeClr val="dk2"/>
             </a:solidFill>
             <a:prstDash val="solid"/>
             <a:round/>
-            <a:headEnd len="sm" w="sm" type="none"/>
-            <a:tailEnd len="sm" w="sm" type="none"/>
+            <a:headEnd type="none" w="sm" len="sm"/>
+            <a:tailEnd type="none" w="sm" len="sm"/>
           </a:ln>
         </p:spPr>
         <p:txBody>
-          <a:bodyPr anchorCtr="0" anchor="ctr" bIns="91425" lIns="91425" spcFirstLastPara="1" rIns="91425" wrap="square" tIns="91425">
+          <a:bodyPr spcFirstLastPara="1" wrap="square" lIns="91425" tIns="91425" rIns="91425" bIns="91425" anchor="ctr" anchorCtr="0">
             <a:noAutofit/>
           </a:bodyPr>
           <a:lstStyle/>
           <a:p>
-            <a:pPr indent="0" lvl="0" marL="0" rtl="0" algn="l">
+            <a:pPr marL="0" lvl="0" indent="0" algn="l" rtl="0">
               <a:spcBef>
                 <a:spcPts val="0"/>
               </a:spcBef>
@@ -7634,9 +7986,6 @@
               </a:spcAft>
               <a:buNone/>
             </a:pPr>
-            <a:r>
-              <a:t/>
-            </a:r>
             <a:endParaRPr/>
           </a:p>
         </p:txBody>
@@ -7658,23 +8007,23 @@
           <a:solidFill>
             <a:srgbClr val="D9EAD3"/>
           </a:solidFill>
-          <a:ln cap="flat" cmpd="sng" w="9525">
+          <a:ln w="9525" cap="flat" cmpd="sng">
             <a:solidFill>
               <a:schemeClr val="dk2"/>
             </a:solidFill>
             <a:prstDash val="solid"/>
             <a:round/>
-            <a:headEnd len="sm" w="sm" type="none"/>
-            <a:tailEnd len="sm" w="sm" type="none"/>
+            <a:headEnd type="none" w="sm" len="sm"/>
+            <a:tailEnd type="none" w="sm" len="sm"/>
           </a:ln>
         </p:spPr>
         <p:txBody>
-          <a:bodyPr anchorCtr="0" anchor="ctr" bIns="91425" lIns="91425" spcFirstLastPara="1" rIns="91425" wrap="square" tIns="91425">
+          <a:bodyPr spcFirstLastPara="1" wrap="square" lIns="91425" tIns="91425" rIns="91425" bIns="91425" anchor="ctr" anchorCtr="0">
             <a:noAutofit/>
           </a:bodyPr>
           <a:lstStyle/>
           <a:p>
-            <a:pPr indent="0" lvl="0" marL="0" rtl="0" algn="l">
+            <a:pPr marL="0" lvl="0" indent="0" algn="l" rtl="0">
               <a:spcBef>
                 <a:spcPts val="0"/>
               </a:spcBef>
@@ -7683,9 +8032,6 @@
               </a:spcAft>
               <a:buNone/>
             </a:pPr>
-            <a:r>
-              <a:t/>
-            </a:r>
             <a:endParaRPr/>
           </a:p>
         </p:txBody>
@@ -7707,23 +8053,23 @@
           <a:solidFill>
             <a:srgbClr val="D9EAD3"/>
           </a:solidFill>
-          <a:ln cap="flat" cmpd="sng" w="9525">
+          <a:ln w="9525" cap="flat" cmpd="sng">
             <a:solidFill>
               <a:schemeClr val="dk2"/>
             </a:solidFill>
             <a:prstDash val="solid"/>
             <a:round/>
-            <a:headEnd len="sm" w="sm" type="none"/>
-            <a:tailEnd len="sm" w="sm" type="none"/>
+            <a:headEnd type="none" w="sm" len="sm"/>
+            <a:tailEnd type="none" w="sm" len="sm"/>
           </a:ln>
         </p:spPr>
         <p:txBody>
-          <a:bodyPr anchorCtr="0" anchor="ctr" bIns="91425" lIns="91425" spcFirstLastPara="1" rIns="91425" wrap="square" tIns="91425">
+          <a:bodyPr spcFirstLastPara="1" wrap="square" lIns="91425" tIns="91425" rIns="91425" bIns="91425" anchor="ctr" anchorCtr="0">
             <a:noAutofit/>
           </a:bodyPr>
           <a:lstStyle/>
           <a:p>
-            <a:pPr indent="0" lvl="0" marL="0" rtl="0" algn="l">
+            <a:pPr marL="0" lvl="0" indent="0" algn="l" rtl="0">
               <a:spcBef>
                 <a:spcPts val="0"/>
               </a:spcBef>
@@ -7732,9 +8078,6 @@
               </a:spcAft>
               <a:buNone/>
             </a:pPr>
-            <a:r>
-              <a:t/>
-            </a:r>
             <a:endParaRPr/>
           </a:p>
         </p:txBody>
@@ -7756,23 +8099,23 @@
           <a:solidFill>
             <a:srgbClr val="D9EAD3"/>
           </a:solidFill>
-          <a:ln cap="flat" cmpd="sng" w="9525">
+          <a:ln w="9525" cap="flat" cmpd="sng">
             <a:solidFill>
               <a:schemeClr val="dk2"/>
             </a:solidFill>
             <a:prstDash val="solid"/>
             <a:round/>
-            <a:headEnd len="sm" w="sm" type="none"/>
-            <a:tailEnd len="sm" w="sm" type="none"/>
+            <a:headEnd type="none" w="sm" len="sm"/>
+            <a:tailEnd type="none" w="sm" len="sm"/>
           </a:ln>
         </p:spPr>
         <p:txBody>
-          <a:bodyPr anchorCtr="0" anchor="ctr" bIns="91425" lIns="91425" spcFirstLastPara="1" rIns="91425" wrap="square" tIns="91425">
+          <a:bodyPr spcFirstLastPara="1" wrap="square" lIns="91425" tIns="91425" rIns="91425" bIns="91425" anchor="ctr" anchorCtr="0">
             <a:noAutofit/>
           </a:bodyPr>
           <a:lstStyle/>
           <a:p>
-            <a:pPr indent="0" lvl="0" marL="0" rtl="0" algn="l">
+            <a:pPr marL="0" lvl="0" indent="0" algn="l" rtl="0">
               <a:spcBef>
                 <a:spcPts val="0"/>
               </a:spcBef>
@@ -7781,9 +8124,6 @@
               </a:spcAft>
               <a:buNone/>
             </a:pPr>
-            <a:r>
-              <a:t/>
-            </a:r>
             <a:endParaRPr/>
           </a:p>
         </p:txBody>
@@ -7805,23 +8145,23 @@
           <a:solidFill>
             <a:srgbClr val="D9EAD3"/>
           </a:solidFill>
-          <a:ln cap="flat" cmpd="sng" w="9525">
+          <a:ln w="9525" cap="flat" cmpd="sng">
             <a:solidFill>
               <a:schemeClr val="dk2"/>
             </a:solidFill>
             <a:prstDash val="solid"/>
             <a:round/>
-            <a:headEnd len="sm" w="sm" type="none"/>
-            <a:tailEnd len="sm" w="sm" type="none"/>
+            <a:headEnd type="none" w="sm" len="sm"/>
+            <a:tailEnd type="none" w="sm" len="sm"/>
           </a:ln>
         </p:spPr>
         <p:txBody>
-          <a:bodyPr anchorCtr="0" anchor="ctr" bIns="91425" lIns="91425" spcFirstLastPara="1" rIns="91425" wrap="square" tIns="91425">
+          <a:bodyPr spcFirstLastPara="1" wrap="square" lIns="91425" tIns="91425" rIns="91425" bIns="91425" anchor="ctr" anchorCtr="0">
             <a:noAutofit/>
           </a:bodyPr>
           <a:lstStyle/>
           <a:p>
-            <a:pPr indent="0" lvl="0" marL="0" rtl="0" algn="l">
+            <a:pPr marL="0" lvl="0" indent="0" algn="l" rtl="0">
               <a:spcBef>
                 <a:spcPts val="0"/>
               </a:spcBef>
@@ -7830,9 +8170,6 @@
               </a:spcAft>
               <a:buNone/>
             </a:pPr>
-            <a:r>
-              <a:t/>
-            </a:r>
             <a:endParaRPr/>
           </a:p>
         </p:txBody>
@@ -7846,18 +8183,19 @@
 </file>
 
 <file path=ppt/slides/slide6.xml><?xml version="1.0" encoding="utf-8"?>
-<p:sld xmlns:a="http://schemas.openxmlformats.org/drawingml/2006/main" xmlns:r="http://schemas.openxmlformats.org/officeDocument/2006/relationships" xmlns:mc="http://schemas.openxmlformats.org/markup-compatibility/2006" xmlns:mv="urn:schemas-microsoft-com:mac:vml" xmlns:p="http://schemas.openxmlformats.org/presentationml/2006/main" xmlns:c="http://schemas.openxmlformats.org/drawingml/2006/chart" xmlns:dgm="http://schemas.openxmlformats.org/drawingml/2006/diagram" xmlns:o="urn:schemas-microsoft-com:office:office" xmlns:v="urn:schemas-microsoft-com:vml" xmlns:pvml="urn:schemas-microsoft-com:office:powerpoint" xmlns:com="http://schemas.openxmlformats.org/drawingml/2006/compatibility" xmlns:p14="http://schemas.microsoft.com/office/powerpoint/2010/main" xmlns:p15="http://schemas.microsoft.com/office/powerpoint/2012/main" xmlns:ahyp="http://schemas.microsoft.com/office/drawing/2018/hyperlinkcolor">
+<p:sld xmlns:a="http://schemas.openxmlformats.org/drawingml/2006/main" xmlns:r="http://schemas.openxmlformats.org/officeDocument/2006/relationships" xmlns:p="http://schemas.openxmlformats.org/presentationml/2006/main">
   <p:cSld>
     <p:bg>
       <p:bgPr>
         <a:solidFill>
           <a:srgbClr val="D9EAD3"/>
         </a:solidFill>
+        <a:effectLst/>
       </p:bgPr>
     </p:bg>
     <p:spTree>
       <p:nvGrpSpPr>
-        <p:cNvPr id="103" name="Shape 103"/>
+        <p:cNvPr id="1" name="Shape 103"/>
         <p:cNvGrpSpPr/>
         <p:nvPr/>
       </p:nvGrpSpPr>
@@ -7886,23 +8224,23 @@
           <a:solidFill>
             <a:srgbClr val="F4CCCC"/>
           </a:solidFill>
-          <a:ln cap="flat" cmpd="sng" w="9525">
+          <a:ln w="9525" cap="flat" cmpd="sng">
             <a:solidFill>
               <a:schemeClr val="dk2"/>
             </a:solidFill>
             <a:prstDash val="solid"/>
             <a:round/>
-            <a:headEnd len="sm" w="sm" type="none"/>
-            <a:tailEnd len="sm" w="sm" type="none"/>
+            <a:headEnd type="none" w="sm" len="sm"/>
+            <a:tailEnd type="none" w="sm" len="sm"/>
           </a:ln>
         </p:spPr>
         <p:txBody>
-          <a:bodyPr anchorCtr="0" anchor="ctr" bIns="91425" lIns="91425" spcFirstLastPara="1" rIns="91425" wrap="square" tIns="91425">
+          <a:bodyPr spcFirstLastPara="1" wrap="square" lIns="91425" tIns="91425" rIns="91425" bIns="91425" anchor="ctr" anchorCtr="0">
             <a:noAutofit/>
           </a:bodyPr>
           <a:lstStyle/>
           <a:p>
-            <a:pPr indent="0" lvl="0" marL="0" rtl="0" algn="ctr">
+            <a:pPr marL="0" lvl="0" indent="0" algn="ctr" rtl="0">
               <a:spcBef>
                 <a:spcPts val="0"/>
               </a:spcBef>
@@ -7912,7 +8250,7 @@
               <a:buNone/>
             </a:pPr>
             <a:r>
-              <a:rPr b="1" lang="en">
+              <a:rPr lang="en" b="1" dirty="0">
                 <a:latin typeface="Lexend"/>
                 <a:ea typeface="Lexend"/>
                 <a:cs typeface="Lexend"/>
@@ -7920,7 +8258,7 @@
               </a:rPr>
               <a:t>Project # 1</a:t>
             </a:r>
-            <a:endParaRPr b="1">
+            <a:endParaRPr b="1" dirty="0">
               <a:latin typeface="Lexend"/>
               <a:ea typeface="Lexend"/>
               <a:cs typeface="Lexend"/>
@@ -7946,23 +8284,23 @@
           <a:solidFill>
             <a:srgbClr val="F4CCCC"/>
           </a:solidFill>
-          <a:ln cap="flat" cmpd="sng" w="9525">
+          <a:ln w="9525" cap="flat" cmpd="sng">
             <a:solidFill>
               <a:schemeClr val="dk2"/>
             </a:solidFill>
             <a:prstDash val="solid"/>
             <a:round/>
-            <a:headEnd len="sm" w="sm" type="none"/>
-            <a:tailEnd len="sm" w="sm" type="none"/>
+            <a:headEnd type="none" w="sm" len="sm"/>
+            <a:tailEnd type="none" w="sm" len="sm"/>
           </a:ln>
         </p:spPr>
         <p:txBody>
-          <a:bodyPr anchorCtr="0" anchor="ctr" bIns="91425" lIns="91425" spcFirstLastPara="1" rIns="91425" wrap="square" tIns="91425">
+          <a:bodyPr spcFirstLastPara="1" wrap="square" lIns="91425" tIns="91425" rIns="91425" bIns="91425" anchor="ctr" anchorCtr="0">
             <a:noAutofit/>
           </a:bodyPr>
           <a:lstStyle/>
           <a:p>
-            <a:pPr indent="0" lvl="0" marL="0" rtl="0" algn="ctr">
+            <a:pPr marL="0" lvl="0" indent="0" algn="ctr" rtl="0">
               <a:spcBef>
                 <a:spcPts val="0"/>
               </a:spcBef>
@@ -7977,7 +8315,7 @@
               <a:buNone/>
             </a:pPr>
             <a:r>
-              <a:rPr b="1" lang="en">
+              <a:rPr lang="en" b="1">
                 <a:solidFill>
                   <a:schemeClr val="dk1"/>
                 </a:solidFill>
@@ -8009,23 +8347,23 @@
           <a:solidFill>
             <a:srgbClr val="F4CCCC"/>
           </a:solidFill>
-          <a:ln cap="flat" cmpd="sng" w="9525">
+          <a:ln w="9525" cap="flat" cmpd="sng">
             <a:solidFill>
               <a:schemeClr val="dk2"/>
             </a:solidFill>
             <a:prstDash val="solid"/>
             <a:round/>
-            <a:headEnd len="sm" w="sm" type="none"/>
-            <a:tailEnd len="sm" w="sm" type="none"/>
+            <a:headEnd type="none" w="sm" len="sm"/>
+            <a:tailEnd type="none" w="sm" len="sm"/>
           </a:ln>
         </p:spPr>
         <p:txBody>
-          <a:bodyPr anchorCtr="0" anchor="ctr" bIns="91425" lIns="91425" spcFirstLastPara="1" rIns="91425" wrap="square" tIns="91425">
+          <a:bodyPr spcFirstLastPara="1" wrap="square" lIns="91425" tIns="91425" rIns="91425" bIns="91425" anchor="ctr" anchorCtr="0">
             <a:noAutofit/>
           </a:bodyPr>
           <a:lstStyle/>
           <a:p>
-            <a:pPr indent="0" lvl="0" marL="0" rtl="0" algn="ctr">
+            <a:pPr marL="0" lvl="0" indent="0" algn="ctr" rtl="0">
               <a:spcBef>
                 <a:spcPts val="0"/>
               </a:spcBef>
@@ -8040,7 +8378,7 @@
               <a:buNone/>
             </a:pPr>
             <a:r>
-              <a:rPr b="1" lang="en">
+              <a:rPr lang="en" b="1">
                 <a:solidFill>
                   <a:schemeClr val="dk1"/>
                 </a:solidFill>
@@ -8072,23 +8410,23 @@
           <a:solidFill>
             <a:srgbClr val="F4CCCC"/>
           </a:solidFill>
-          <a:ln cap="flat" cmpd="sng" w="9525">
+          <a:ln w="9525" cap="flat" cmpd="sng">
             <a:solidFill>
               <a:schemeClr val="dk2"/>
             </a:solidFill>
             <a:prstDash val="solid"/>
             <a:round/>
-            <a:headEnd len="sm" w="sm" type="none"/>
-            <a:tailEnd len="sm" w="sm" type="none"/>
+            <a:headEnd type="none" w="sm" len="sm"/>
+            <a:tailEnd type="none" w="sm" len="sm"/>
           </a:ln>
         </p:spPr>
         <p:txBody>
-          <a:bodyPr anchorCtr="0" anchor="ctr" bIns="91425" lIns="91425" spcFirstLastPara="1" rIns="91425" wrap="square" tIns="91425">
+          <a:bodyPr spcFirstLastPara="1" wrap="square" lIns="91425" tIns="91425" rIns="91425" bIns="91425" anchor="ctr" anchorCtr="0">
             <a:noAutofit/>
           </a:bodyPr>
           <a:lstStyle/>
           <a:p>
-            <a:pPr indent="0" lvl="0" marL="0" rtl="0" algn="ctr">
+            <a:pPr marL="0" lvl="0" indent="0" algn="ctr" rtl="0">
               <a:spcBef>
                 <a:spcPts val="0"/>
               </a:spcBef>
@@ -8103,7 +8441,7 @@
               <a:buNone/>
             </a:pPr>
             <a:r>
-              <a:rPr b="1" lang="en">
+              <a:rPr lang="en" b="1">
                 <a:solidFill>
                   <a:schemeClr val="dk1"/>
                 </a:solidFill>
@@ -8126,8 +8464,343 @@
 </p:sld>
 </file>
 
+<file path=ppt/slides/slide7.xml><?xml version="1.0" encoding="utf-8"?>
+<p:sld xmlns:a="http://schemas.openxmlformats.org/drawingml/2006/main" xmlns:r="http://schemas.openxmlformats.org/officeDocument/2006/relationships" xmlns:p="http://schemas.openxmlformats.org/presentationml/2006/main">
+  <p:cSld>
+    <p:bg>
+      <p:bgPr>
+        <a:solidFill>
+          <a:srgbClr val="D9EAD3"/>
+        </a:solidFill>
+        <a:effectLst/>
+      </p:bgPr>
+    </p:bg>
+    <p:spTree>
+      <p:nvGrpSpPr>
+        <p:cNvPr id="1" name="Shape 53"/>
+        <p:cNvGrpSpPr/>
+        <p:nvPr/>
+      </p:nvGrpSpPr>
+      <p:grpSpPr>
+        <a:xfrm>
+          <a:off x="0" y="0"/>
+          <a:ext cx="0" cy="0"/>
+          <a:chOff x="0" y="0"/>
+          <a:chExt cx="0" cy="0"/>
+        </a:xfrm>
+      </p:grpSpPr>
+      <p:pic>
+        <p:nvPicPr>
+          <p:cNvPr id="5" name="Picture 4" descr="Graphical user interface, website&#10;&#10;Description automatically generated">
+            <a:extLst>
+              <a:ext uri="{FF2B5EF4-FFF2-40B4-BE49-F238E27FC236}">
+                <a16:creationId xmlns:a16="http://schemas.microsoft.com/office/drawing/2014/main" id="{BCB7558F-A47D-EB10-5902-19A58B9B6B77}"/>
+              </a:ext>
+            </a:extLst>
+          </p:cNvPr>
+          <p:cNvPicPr>
+            <a:picLocks noChangeAspect="1"/>
+          </p:cNvPicPr>
+          <p:nvPr/>
+        </p:nvPicPr>
+        <p:blipFill>
+          <a:blip r:embed="rId3"/>
+          <a:stretch>
+            <a:fillRect/>
+          </a:stretch>
+        </p:blipFill>
+        <p:spPr>
+          <a:xfrm>
+            <a:off x="550414" y="137604"/>
+            <a:ext cx="3350025" cy="4868292"/>
+          </a:xfrm>
+          <a:prstGeom prst="rect">
+            <a:avLst/>
+          </a:prstGeom>
+        </p:spPr>
+      </p:pic>
+      <p:pic>
+        <p:nvPicPr>
+          <p:cNvPr id="9" name="Picture 8" descr="Graphical user interface&#10;&#10;Description automatically generated">
+            <a:extLst>
+              <a:ext uri="{FF2B5EF4-FFF2-40B4-BE49-F238E27FC236}">
+                <a16:creationId xmlns:a16="http://schemas.microsoft.com/office/drawing/2014/main" id="{9B08DE48-5582-7A14-6051-36917D952865}"/>
+              </a:ext>
+            </a:extLst>
+          </p:cNvPr>
+          <p:cNvPicPr>
+            <a:picLocks noChangeAspect="1"/>
+          </p:cNvPicPr>
+          <p:nvPr/>
+        </p:nvPicPr>
+        <p:blipFill>
+          <a:blip r:embed="rId4"/>
+          <a:stretch>
+            <a:fillRect/>
+          </a:stretch>
+        </p:blipFill>
+        <p:spPr>
+          <a:xfrm>
+            <a:off x="6375572" y="171413"/>
+            <a:ext cx="2218014" cy="4800674"/>
+          </a:xfrm>
+          <a:prstGeom prst="rect">
+            <a:avLst/>
+          </a:prstGeom>
+        </p:spPr>
+      </p:pic>
+      <p:sp>
+        <p:nvSpPr>
+          <p:cNvPr id="10" name="TextBox 9">
+            <a:extLst>
+              <a:ext uri="{FF2B5EF4-FFF2-40B4-BE49-F238E27FC236}">
+                <a16:creationId xmlns:a16="http://schemas.microsoft.com/office/drawing/2014/main" id="{E298A606-4F30-10DF-7EBD-5AFF9D1323E6}"/>
+              </a:ext>
+            </a:extLst>
+          </p:cNvPr>
+          <p:cNvSpPr txBox="1"/>
+          <p:nvPr/>
+        </p:nvSpPr>
+        <p:spPr>
+          <a:xfrm>
+            <a:off x="4355579" y="1971585"/>
+            <a:ext cx="1564852" cy="1200329"/>
+          </a:xfrm>
+          <a:prstGeom prst="rect">
+            <a:avLst/>
+          </a:prstGeom>
+          <a:noFill/>
+        </p:spPr>
+        <p:txBody>
+          <a:bodyPr wrap="none" rtlCol="0">
+            <a:spAutoFit/>
+          </a:bodyPr>
+          <a:lstStyle/>
+          <a:p>
+            <a:r>
+              <a:rPr lang="en-US" sz="3600" b="1" dirty="0" err="1">
+                <a:latin typeface="Lexend"/>
+                <a:ea typeface="Lexend"/>
+                <a:cs typeface="Lexend"/>
+                <a:sym typeface="Lexend"/>
+              </a:rPr>
+              <a:t>Inspo</a:t>
+            </a:r>
+            <a:endParaRPr lang="en-US" sz="3600" b="1" dirty="0">
+              <a:latin typeface="Lexend"/>
+              <a:ea typeface="Lexend"/>
+              <a:cs typeface="Lexend"/>
+              <a:sym typeface="Lexend"/>
+            </a:endParaRPr>
+          </a:p>
+          <a:p>
+            <a:endParaRPr lang="en-US" sz="3600" dirty="0"/>
+          </a:p>
+        </p:txBody>
+      </p:sp>
+    </p:spTree>
+    <p:extLst>
+      <p:ext uri="{BB962C8B-B14F-4D97-AF65-F5344CB8AC3E}">
+        <p14:creationId xmlns:p14="http://schemas.microsoft.com/office/powerpoint/2010/main" val="2350149990"/>
+      </p:ext>
+    </p:extLst>
+  </p:cSld>
+  <p:clrMapOvr>
+    <a:masterClrMapping/>
+  </p:clrMapOvr>
+</p:sld>
+</file>
+
+<file path=ppt/slides/slide8.xml><?xml version="1.0" encoding="utf-8"?>
+<p:sld xmlns:a="http://schemas.openxmlformats.org/drawingml/2006/main" xmlns:r="http://schemas.openxmlformats.org/officeDocument/2006/relationships" xmlns:p="http://schemas.openxmlformats.org/presentationml/2006/main">
+  <p:cSld>
+    <p:bg>
+      <p:bgPr>
+        <a:solidFill>
+          <a:srgbClr val="F4CCCC"/>
+        </a:solidFill>
+        <a:effectLst/>
+      </p:bgPr>
+    </p:bg>
+    <p:spTree>
+      <p:nvGrpSpPr>
+        <p:cNvPr id="1" name="Shape 92"/>
+        <p:cNvGrpSpPr/>
+        <p:nvPr/>
+      </p:nvGrpSpPr>
+      <p:grpSpPr>
+        <a:xfrm>
+          <a:off x="0" y="0"/>
+          <a:ext cx="0" cy="0"/>
+          <a:chOff x="0" y="0"/>
+          <a:chExt cx="0" cy="0"/>
+        </a:xfrm>
+      </p:grpSpPr>
+      <p:sp>
+        <p:nvSpPr>
+          <p:cNvPr id="94" name="Google Shape;94;p17"/>
+          <p:cNvSpPr/>
+          <p:nvPr/>
+        </p:nvSpPr>
+        <p:spPr>
+          <a:xfrm>
+            <a:off x="3071400" y="221943"/>
+            <a:ext cx="3001200" cy="780000"/>
+          </a:xfrm>
+          <a:prstGeom prst="rect">
+            <a:avLst/>
+          </a:prstGeom>
+          <a:solidFill>
+            <a:srgbClr val="D9EAD3"/>
+          </a:solidFill>
+          <a:ln w="9525" cap="flat" cmpd="sng">
+            <a:solidFill>
+              <a:schemeClr val="dk2"/>
+            </a:solidFill>
+            <a:prstDash val="solid"/>
+            <a:round/>
+            <a:headEnd type="none" w="sm" len="sm"/>
+            <a:tailEnd type="none" w="sm" len="sm"/>
+          </a:ln>
+        </p:spPr>
+        <p:txBody>
+          <a:bodyPr spcFirstLastPara="1" wrap="square" lIns="91425" tIns="91425" rIns="91425" bIns="91425" anchor="ctr" anchorCtr="0">
+            <a:noAutofit/>
+          </a:bodyPr>
+          <a:lstStyle/>
+          <a:p>
+            <a:pPr marL="0" lvl="0" indent="0" algn="ctr" rtl="0">
+              <a:spcBef>
+                <a:spcPts val="0"/>
+              </a:spcBef>
+              <a:spcAft>
+                <a:spcPts val="0"/>
+              </a:spcAft>
+              <a:buNone/>
+            </a:pPr>
+            <a:r>
+              <a:rPr lang="en-US" b="1" dirty="0">
+                <a:latin typeface="Lexend"/>
+                <a:ea typeface="Lexend"/>
+                <a:cs typeface="Lexend"/>
+                <a:sym typeface="Lexend"/>
+              </a:rPr>
+              <a:t>Color Palette</a:t>
+            </a:r>
+            <a:endParaRPr b="1" dirty="0">
+              <a:latin typeface="Lexend"/>
+              <a:ea typeface="Lexend"/>
+              <a:cs typeface="Lexend"/>
+              <a:sym typeface="Lexend"/>
+            </a:endParaRPr>
+          </a:p>
+        </p:txBody>
+      </p:sp>
+      <p:pic>
+        <p:nvPicPr>
+          <p:cNvPr id="3" name="Picture 2" descr="Chart, treemap chart&#10;&#10;Description automatically generated">
+            <a:extLst>
+              <a:ext uri="{FF2B5EF4-FFF2-40B4-BE49-F238E27FC236}">
+                <a16:creationId xmlns:a16="http://schemas.microsoft.com/office/drawing/2014/main" id="{06687C30-E37C-E55E-1364-6D21FD8463C2}"/>
+              </a:ext>
+            </a:extLst>
+          </p:cNvPr>
+          <p:cNvPicPr>
+            <a:picLocks noChangeAspect="1"/>
+          </p:cNvPicPr>
+          <p:nvPr/>
+        </p:nvPicPr>
+        <p:blipFill>
+          <a:blip r:embed="rId3"/>
+          <a:stretch>
+            <a:fillRect/>
+          </a:stretch>
+        </p:blipFill>
+        <p:spPr>
+          <a:xfrm>
+            <a:off x="513928" y="896644"/>
+            <a:ext cx="2207560" cy="3883671"/>
+          </a:xfrm>
+          <a:prstGeom prst="rect">
+            <a:avLst/>
+          </a:prstGeom>
+        </p:spPr>
+      </p:pic>
+      <p:pic>
+        <p:nvPicPr>
+          <p:cNvPr id="5" name="Picture 4" descr="A picture containing text, businesscard, vector graphics&#10;&#10;Description automatically generated">
+            <a:extLst>
+              <a:ext uri="{FF2B5EF4-FFF2-40B4-BE49-F238E27FC236}">
+                <a16:creationId xmlns:a16="http://schemas.microsoft.com/office/drawing/2014/main" id="{5C2C7032-724C-38CA-8D51-7252B7C51433}"/>
+              </a:ext>
+            </a:extLst>
+          </p:cNvPr>
+          <p:cNvPicPr>
+            <a:picLocks noChangeAspect="1"/>
+          </p:cNvPicPr>
+          <p:nvPr/>
+        </p:nvPicPr>
+        <p:blipFill>
+          <a:blip r:embed="rId4"/>
+          <a:stretch>
+            <a:fillRect/>
+          </a:stretch>
+        </p:blipFill>
+        <p:spPr>
+          <a:xfrm>
+            <a:off x="3188788" y="1207363"/>
+            <a:ext cx="2531647" cy="3794094"/>
+          </a:xfrm>
+          <a:prstGeom prst="rect">
+            <a:avLst/>
+          </a:prstGeom>
+        </p:spPr>
+      </p:pic>
+      <p:pic>
+        <p:nvPicPr>
+          <p:cNvPr id="7" name="Picture 6" descr="A picture containing chart&#10;&#10;Description automatically generated">
+            <a:extLst>
+              <a:ext uri="{FF2B5EF4-FFF2-40B4-BE49-F238E27FC236}">
+                <a16:creationId xmlns:a16="http://schemas.microsoft.com/office/drawing/2014/main" id="{77ED923B-056B-0982-906A-2B91324F4D9E}"/>
+              </a:ext>
+            </a:extLst>
+          </p:cNvPr>
+          <p:cNvPicPr>
+            <a:picLocks noChangeAspect="1"/>
+          </p:cNvPicPr>
+          <p:nvPr/>
+        </p:nvPicPr>
+        <p:blipFill>
+          <a:blip r:embed="rId5"/>
+          <a:stretch>
+            <a:fillRect/>
+          </a:stretch>
+        </p:blipFill>
+        <p:spPr>
+          <a:xfrm>
+            <a:off x="6187735" y="896644"/>
+            <a:ext cx="2759341" cy="3794094"/>
+          </a:xfrm>
+          <a:prstGeom prst="rect">
+            <a:avLst/>
+          </a:prstGeom>
+        </p:spPr>
+      </p:pic>
+    </p:spTree>
+    <p:extLst>
+      <p:ext uri="{BB962C8B-B14F-4D97-AF65-F5344CB8AC3E}">
+        <p14:creationId xmlns:p14="http://schemas.microsoft.com/office/powerpoint/2010/main" val="2702931062"/>
+      </p:ext>
+    </p:extLst>
+  </p:cSld>
+  <p:clrMapOvr>
+    <a:masterClrMapping/>
+  </p:clrMapOvr>
+</p:sld>
+</file>
+
 <file path=ppt/theme/theme1.xml><?xml version="1.0" encoding="utf-8"?>
-<a:theme xmlns:a="http://schemas.openxmlformats.org/drawingml/2006/main" xmlns:r="http://schemas.openxmlformats.org/officeDocument/2006/relationships" name="Simple Light">
+<a:theme xmlns:a="http://schemas.openxmlformats.org/drawingml/2006/main" name="Simple Light">
   <a:themeElements>
     <a:clrScheme name="Simple Light">
       <a:dk1>
@@ -8402,11 +9075,13 @@
       </a:bgFillStyleLst>
     </a:fmtScheme>
   </a:themeElements>
+  <a:objectDefaults/>
+  <a:extraClrSchemeLst/>
 </a:theme>
 </file>
 
 <file path=ppt/theme/theme2.xml><?xml version="1.0" encoding="utf-8"?>
-<a:theme xmlns:a="http://schemas.openxmlformats.org/drawingml/2006/main" xmlns:r="http://schemas.openxmlformats.org/officeDocument/2006/relationships">
+<a:theme xmlns:a="http://schemas.openxmlformats.org/drawingml/2006/main">
   <a:themeElements>
     <a:clrScheme name="Default">
       <a:dk1>
@@ -8681,5 +9356,7 @@
       </a:bgFillStyleLst>
     </a:fmtScheme>
   </a:themeElements>
+  <a:objectDefaults/>
+  <a:extraClrSchemeLst/>
 </a:theme>
 </file>